--- a/article.pptx
+++ b/article.pptx
@@ -5,27 +5,38 @@
     <p:sldMasterId id="2147483797" r:id="rId1"/>
   </p:sldMasterIdLst>
   <p:notesMasterIdLst>
-    <p:notesMasterId r:id="rId17"/>
+    <p:notesMasterId r:id="rId28"/>
   </p:notesMasterIdLst>
   <p:handoutMasterIdLst>
-    <p:handoutMasterId r:id="rId18"/>
+    <p:handoutMasterId r:id="rId29"/>
   </p:handoutMasterIdLst>
   <p:sldIdLst>
     <p:sldId id="256" r:id="rId2"/>
     <p:sldId id="257" r:id="rId3"/>
     <p:sldId id="261" r:id="rId4"/>
-    <p:sldId id="260" r:id="rId5"/>
-    <p:sldId id="263" r:id="rId6"/>
-    <p:sldId id="264" r:id="rId7"/>
-    <p:sldId id="265" r:id="rId8"/>
-    <p:sldId id="266" r:id="rId9"/>
-    <p:sldId id="267" r:id="rId10"/>
-    <p:sldId id="269" r:id="rId11"/>
-    <p:sldId id="270" r:id="rId12"/>
-    <p:sldId id="271" r:id="rId13"/>
-    <p:sldId id="258" r:id="rId14"/>
-    <p:sldId id="262" r:id="rId15"/>
-    <p:sldId id="259" r:id="rId16"/>
+    <p:sldId id="273" r:id="rId5"/>
+    <p:sldId id="260" r:id="rId6"/>
+    <p:sldId id="272" r:id="rId7"/>
+    <p:sldId id="274" r:id="rId8"/>
+    <p:sldId id="275" r:id="rId9"/>
+    <p:sldId id="277" r:id="rId10"/>
+    <p:sldId id="286" r:id="rId11"/>
+    <p:sldId id="280" r:id="rId12"/>
+    <p:sldId id="282" r:id="rId13"/>
+    <p:sldId id="287" r:id="rId14"/>
+    <p:sldId id="278" r:id="rId15"/>
+    <p:sldId id="288" r:id="rId16"/>
+    <p:sldId id="263" r:id="rId17"/>
+    <p:sldId id="264" r:id="rId18"/>
+    <p:sldId id="265" r:id="rId19"/>
+    <p:sldId id="266" r:id="rId20"/>
+    <p:sldId id="267" r:id="rId21"/>
+    <p:sldId id="269" r:id="rId22"/>
+    <p:sldId id="270" r:id="rId23"/>
+    <p:sldId id="271" r:id="rId24"/>
+    <p:sldId id="258" r:id="rId25"/>
+    <p:sldId id="262" r:id="rId26"/>
+    <p:sldId id="259" r:id="rId27"/>
   </p:sldIdLst>
   <p:sldSz cx="12192000" cy="6858000"/>
   <p:notesSz cx="6858000" cy="9144000"/>
@@ -840,7 +851,7 @@
           <a:p>
             <a:fld id="{F73375FC-922A-4E4F-B7C5-7F3C172AFA72}" type="slidenum">
               <a:rPr lang="fr-FR" smtClean="0"/>
-              <a:t>12</a:t>
+              <a:t>23</a:t>
             </a:fld>
             <a:endParaRPr lang="fr-FR"/>
           </a:p>
@@ -987,7 +998,7 @@
           <a:bodyPr/>
           <a:lstStyle/>
           <a:p>
-            <a:endParaRPr lang="fr-FR"/>
+            <a:endParaRPr lang="fr-FR" dirty="0"/>
           </a:p>
         </p:txBody>
       </p:sp>
@@ -1112,7 +1123,7 @@
           <a:p>
             <a:fld id="{F73375FC-922A-4E4F-B7C5-7F3C172AFA72}" type="slidenum">
               <a:rPr lang="fr-FR" smtClean="0"/>
-              <a:t>5</a:t>
+              <a:t>16</a:t>
             </a:fld>
             <a:endParaRPr lang="fr-FR"/>
           </a:p>
@@ -1276,7 +1287,7 @@
           <a:p>
             <a:fld id="{F73375FC-922A-4E4F-B7C5-7F3C172AFA72}" type="slidenum">
               <a:rPr lang="fr-FR" smtClean="0"/>
-              <a:t>6</a:t>
+              <a:t>17</a:t>
             </a:fld>
             <a:endParaRPr lang="fr-FR"/>
           </a:p>
@@ -1392,7 +1403,7 @@
           <a:p>
             <a:fld id="{F73375FC-922A-4E4F-B7C5-7F3C172AFA72}" type="slidenum">
               <a:rPr lang="fr-FR" smtClean="0"/>
-              <a:t>7</a:t>
+              <a:t>18</a:t>
             </a:fld>
             <a:endParaRPr lang="fr-FR"/>
           </a:p>
@@ -1517,7 +1528,7 @@
           <a:p>
             <a:fld id="{F73375FC-922A-4E4F-B7C5-7F3C172AFA72}" type="slidenum">
               <a:rPr lang="fr-FR" smtClean="0"/>
-              <a:t>8</a:t>
+              <a:t>19</a:t>
             </a:fld>
             <a:endParaRPr lang="fr-FR"/>
           </a:p>
@@ -1623,7 +1634,7 @@
           <a:p>
             <a:fld id="{F73375FC-922A-4E4F-B7C5-7F3C172AFA72}" type="slidenum">
               <a:rPr lang="fr-FR" smtClean="0"/>
-              <a:t>10</a:t>
+              <a:t>21</a:t>
             </a:fld>
             <a:endParaRPr lang="fr-FR"/>
           </a:p>
@@ -1711,7 +1722,7 @@
           <a:p>
             <a:fld id="{F73375FC-922A-4E4F-B7C5-7F3C172AFA72}" type="slidenum">
               <a:rPr lang="fr-FR" smtClean="0"/>
-              <a:t>11</a:t>
+              <a:t>22</a:t>
             </a:fld>
             <a:endParaRPr lang="fr-FR"/>
           </a:p>
@@ -7826,6 +7837,52 @@
       </p:grpSpPr>
       <p:sp>
         <p:nvSpPr>
+          <p:cNvPr id="2" name="Titre 1"/>
+          <p:cNvSpPr>
+            <a:spLocks noGrp="1"/>
+          </p:cNvSpPr>
+          <p:nvPr>
+            <p:ph type="title"/>
+          </p:nvPr>
+        </p:nvSpPr>
+        <p:spPr/>
+        <p:txBody>
+          <a:bodyPr/>
+          <a:lstStyle/>
+          <a:p>
+            <a:r>
+              <a:rPr lang="fr-FR" dirty="0" smtClean="0"/>
+              <a:t>Détails techniques</a:t>
+            </a:r>
+            <a:endParaRPr lang="fr-FR" dirty="0"/>
+          </a:p>
+        </p:txBody>
+      </p:sp>
+      <p:sp>
+        <p:nvSpPr>
+          <p:cNvPr id="4" name="Espace réservé de la date 3"/>
+          <p:cNvSpPr>
+            <a:spLocks noGrp="1"/>
+          </p:cNvSpPr>
+          <p:nvPr>
+            <p:ph type="dt" sz="half" idx="10"/>
+          </p:nvPr>
+        </p:nvSpPr>
+        <p:spPr/>
+        <p:txBody>
+          <a:bodyPr/>
+          <a:lstStyle/>
+          <a:p>
+            <a:fld id="{7A820A8C-07D3-4B66-B122-F8194C1154B3}" type="datetime1">
+              <a:rPr lang="fr-FR" smtClean="0"/>
+              <a:t>24/02/2014</a:t>
+            </a:fld>
+            <a:endParaRPr lang="fr-FR"/>
+          </a:p>
+        </p:txBody>
+      </p:sp>
+      <p:sp>
+        <p:nvSpPr>
           <p:cNvPr id="5" name="Espace réservé du pied de page 4"/>
           <p:cNvSpPr>
             <a:spLocks noGrp="1"/>
@@ -7866,6 +7923,2494 @@
               <a:rPr lang="fr-FR" smtClean="0"/>
               <a:pPr/>
               <a:t>10</a:t>
+            </a:fld>
+            <a:endParaRPr lang="fr-FR" dirty="0"/>
+          </a:p>
+        </p:txBody>
+      </p:sp>
+      <p:sp>
+        <p:nvSpPr>
+          <p:cNvPr id="7" name="Espace réservé du texte 6"/>
+          <p:cNvSpPr>
+            <a:spLocks noGrp="1"/>
+          </p:cNvSpPr>
+          <p:nvPr>
+            <p:ph type="body" sz="quarter" idx="13"/>
+          </p:nvPr>
+        </p:nvSpPr>
+        <p:spPr/>
+        <p:txBody>
+          <a:bodyPr/>
+          <a:lstStyle/>
+          <a:p>
+            <a:endParaRPr lang="fr-FR"/>
+          </a:p>
+        </p:txBody>
+      </p:sp>
+      <p:pic>
+        <p:nvPicPr>
+          <p:cNvPr id="8" name="Image 7"/>
+          <p:cNvPicPr>
+            <a:picLocks noChangeAspect="1"/>
+          </p:cNvPicPr>
+          <p:nvPr/>
+        </p:nvPicPr>
+        <p:blipFill rotWithShape="1">
+          <a:blip r:embed="rId2"/>
+          <a:srcRect l="26224"/>
+          <a:stretch/>
+        </p:blipFill>
+        <p:spPr>
+          <a:xfrm>
+            <a:off x="291399" y="1270000"/>
+            <a:ext cx="5397284" cy="3790515"/>
+          </a:xfrm>
+          <a:prstGeom prst="rect">
+            <a:avLst/>
+          </a:prstGeom>
+        </p:spPr>
+      </p:pic>
+      <p:pic>
+        <p:nvPicPr>
+          <p:cNvPr id="10" name="Image 9"/>
+          <p:cNvPicPr>
+            <a:picLocks noChangeAspect="1"/>
+          </p:cNvPicPr>
+          <p:nvPr/>
+        </p:nvPicPr>
+        <p:blipFill>
+          <a:blip r:embed="rId3"/>
+          <a:stretch>
+            <a:fillRect/>
+          </a:stretch>
+        </p:blipFill>
+        <p:spPr>
+          <a:xfrm>
+            <a:off x="3826140" y="3165257"/>
+            <a:ext cx="5305425" cy="3028950"/>
+          </a:xfrm>
+          <a:prstGeom prst="rect">
+            <a:avLst/>
+          </a:prstGeom>
+        </p:spPr>
+      </p:pic>
+      <p:cxnSp>
+        <p:nvCxnSpPr>
+          <p:cNvPr id="12" name="Connecteur en angle 11"/>
+          <p:cNvCxnSpPr/>
+          <p:nvPr/>
+        </p:nvCxnSpPr>
+        <p:spPr>
+          <a:xfrm>
+            <a:off x="1590805" y="5210827"/>
+            <a:ext cx="1941535" cy="510088"/>
+          </a:xfrm>
+          <a:prstGeom prst="bentConnector3">
+            <a:avLst>
+              <a:gd name="adj1" fmla="val 323"/>
+            </a:avLst>
+          </a:prstGeom>
+          <a:ln>
+            <a:tailEnd type="triangle"/>
+          </a:ln>
+        </p:spPr>
+        <p:style>
+          <a:lnRef idx="1">
+            <a:schemeClr val="accent1"/>
+          </a:lnRef>
+          <a:fillRef idx="0">
+            <a:schemeClr val="accent1"/>
+          </a:fillRef>
+          <a:effectRef idx="0">
+            <a:schemeClr val="accent1"/>
+          </a:effectRef>
+          <a:fontRef idx="minor">
+            <a:schemeClr val="tx1"/>
+          </a:fontRef>
+        </p:style>
+      </p:cxnSp>
+    </p:spTree>
+    <p:extLst>
+      <p:ext uri="{BB962C8B-B14F-4D97-AF65-F5344CB8AC3E}">
+        <p14:creationId xmlns:p14="http://schemas.microsoft.com/office/powerpoint/2010/main" val="61911700"/>
+      </p:ext>
+    </p:extLst>
+  </p:cSld>
+  <p:clrMapOvr>
+    <a:masterClrMapping/>
+  </p:clrMapOvr>
+  <p:timing>
+    <p:tnLst>
+      <p:par>
+        <p:cTn id="1" dur="indefinite" restart="never" nodeType="tmRoot"/>
+      </p:par>
+    </p:tnLst>
+  </p:timing>
+</p:sld>
+</file>
+
+<file path=ppt/slides/slide11.xml><?xml version="1.0" encoding="utf-8"?>
+<p:sld xmlns:a="http://schemas.openxmlformats.org/drawingml/2006/main" xmlns:r="http://schemas.openxmlformats.org/officeDocument/2006/relationships" xmlns:p="http://schemas.openxmlformats.org/presentationml/2006/main">
+  <p:cSld>
+    <p:spTree>
+      <p:nvGrpSpPr>
+        <p:cNvPr id="1" name=""/>
+        <p:cNvGrpSpPr/>
+        <p:nvPr/>
+      </p:nvGrpSpPr>
+      <p:grpSpPr>
+        <a:xfrm>
+          <a:off x="0" y="0"/>
+          <a:ext cx="0" cy="0"/>
+          <a:chOff x="0" y="0"/>
+          <a:chExt cx="0" cy="0"/>
+        </a:xfrm>
+      </p:grpSpPr>
+      <p:sp>
+        <p:nvSpPr>
+          <p:cNvPr id="2" name="Titre 1"/>
+          <p:cNvSpPr>
+            <a:spLocks noGrp="1"/>
+          </p:cNvSpPr>
+          <p:nvPr>
+            <p:ph type="title"/>
+          </p:nvPr>
+        </p:nvSpPr>
+        <p:spPr/>
+        <p:txBody>
+          <a:bodyPr/>
+          <a:lstStyle/>
+          <a:p>
+            <a:r>
+              <a:rPr lang="fr-FR" dirty="0" smtClean="0"/>
+              <a:t>Détails techniques</a:t>
+            </a:r>
+            <a:endParaRPr lang="fr-FR" dirty="0"/>
+          </a:p>
+        </p:txBody>
+      </p:sp>
+      <p:sp>
+        <p:nvSpPr>
+          <p:cNvPr id="4" name="Espace réservé de la date 3"/>
+          <p:cNvSpPr>
+            <a:spLocks noGrp="1"/>
+          </p:cNvSpPr>
+          <p:nvPr>
+            <p:ph type="dt" sz="half" idx="10"/>
+          </p:nvPr>
+        </p:nvSpPr>
+        <p:spPr/>
+        <p:txBody>
+          <a:bodyPr/>
+          <a:lstStyle/>
+          <a:p>
+            <a:fld id="{7A820A8C-07D3-4B66-B122-F8194C1154B3}" type="datetime1">
+              <a:rPr lang="fr-FR" smtClean="0"/>
+              <a:t>24/02/2014</a:t>
+            </a:fld>
+            <a:endParaRPr lang="fr-FR"/>
+          </a:p>
+        </p:txBody>
+      </p:sp>
+      <p:sp>
+        <p:nvSpPr>
+          <p:cNvPr id="5" name="Espace réservé du pied de page 4"/>
+          <p:cNvSpPr>
+            <a:spLocks noGrp="1"/>
+          </p:cNvSpPr>
+          <p:nvPr>
+            <p:ph type="ftr" sz="quarter" idx="11"/>
+          </p:nvPr>
+        </p:nvSpPr>
+        <p:spPr/>
+        <p:txBody>
+          <a:bodyPr/>
+          <a:lstStyle/>
+          <a:p>
+            <a:r>
+              <a:rPr lang="fr-FR" smtClean="0"/>
+              <a:t>Guénon Marie | Favreau Jean-Dominique | Tanguy Arnaud</a:t>
+            </a:r>
+            <a:endParaRPr lang="fr-FR"/>
+          </a:p>
+        </p:txBody>
+      </p:sp>
+      <p:sp>
+        <p:nvSpPr>
+          <p:cNvPr id="6" name="Espace réservé du numéro de diapositive 5"/>
+          <p:cNvSpPr>
+            <a:spLocks noGrp="1"/>
+          </p:cNvSpPr>
+          <p:nvPr>
+            <p:ph type="sldNum" sz="quarter" idx="12"/>
+          </p:nvPr>
+        </p:nvSpPr>
+        <p:spPr/>
+        <p:txBody>
+          <a:bodyPr/>
+          <a:lstStyle/>
+          <a:p>
+            <a:fld id="{855D9AE6-DD0B-4169-9603-BADEDE1CFE1F}" type="slidenum">
+              <a:rPr lang="fr-FR" smtClean="0"/>
+              <a:pPr/>
+              <a:t>11</a:t>
+            </a:fld>
+            <a:endParaRPr lang="fr-FR" dirty="0"/>
+          </a:p>
+        </p:txBody>
+      </p:sp>
+      <p:sp>
+        <p:nvSpPr>
+          <p:cNvPr id="7" name="Espace réservé du texte 6"/>
+          <p:cNvSpPr>
+            <a:spLocks noGrp="1"/>
+          </p:cNvSpPr>
+          <p:nvPr>
+            <p:ph type="body" sz="quarter" idx="13"/>
+          </p:nvPr>
+        </p:nvSpPr>
+        <p:spPr/>
+        <p:txBody>
+          <a:bodyPr/>
+          <a:lstStyle/>
+          <a:p>
+            <a:endParaRPr lang="fr-FR"/>
+          </a:p>
+        </p:txBody>
+      </p:sp>
+      <p:pic>
+        <p:nvPicPr>
+          <p:cNvPr id="8" name="Image 7"/>
+          <p:cNvPicPr>
+            <a:picLocks noChangeAspect="1"/>
+          </p:cNvPicPr>
+          <p:nvPr/>
+        </p:nvPicPr>
+        <p:blipFill rotWithShape="1">
+          <a:blip r:embed="rId2"/>
+          <a:srcRect l="26224"/>
+          <a:stretch/>
+        </p:blipFill>
+        <p:spPr>
+          <a:xfrm>
+            <a:off x="291399" y="1416078"/>
+            <a:ext cx="5382892" cy="3780408"/>
+          </a:xfrm>
+          <a:prstGeom prst="rect">
+            <a:avLst/>
+          </a:prstGeom>
+        </p:spPr>
+      </p:pic>
+      <p:pic>
+        <p:nvPicPr>
+          <p:cNvPr id="10" name="Image 9"/>
+          <p:cNvPicPr>
+            <a:picLocks noChangeAspect="1"/>
+          </p:cNvPicPr>
+          <p:nvPr/>
+        </p:nvPicPr>
+        <p:blipFill>
+          <a:blip r:embed="rId3"/>
+          <a:stretch>
+            <a:fillRect/>
+          </a:stretch>
+        </p:blipFill>
+        <p:spPr>
+          <a:xfrm>
+            <a:off x="3515783" y="3547900"/>
+            <a:ext cx="5758219" cy="2107919"/>
+          </a:xfrm>
+          <a:prstGeom prst="rect">
+            <a:avLst/>
+          </a:prstGeom>
+        </p:spPr>
+      </p:pic>
+    </p:spTree>
+    <p:extLst>
+      <p:ext uri="{BB962C8B-B14F-4D97-AF65-F5344CB8AC3E}">
+        <p14:creationId xmlns:p14="http://schemas.microsoft.com/office/powerpoint/2010/main" val="390689364"/>
+      </p:ext>
+    </p:extLst>
+  </p:cSld>
+  <p:clrMapOvr>
+    <a:masterClrMapping/>
+  </p:clrMapOvr>
+  <p:timing>
+    <p:tnLst>
+      <p:par>
+        <p:cTn id="1" dur="indefinite" restart="never" nodeType="tmRoot"/>
+      </p:par>
+    </p:tnLst>
+  </p:timing>
+</p:sld>
+</file>
+
+<file path=ppt/slides/slide12.xml><?xml version="1.0" encoding="utf-8"?>
+<p:sld xmlns:a="http://schemas.openxmlformats.org/drawingml/2006/main" xmlns:r="http://schemas.openxmlformats.org/officeDocument/2006/relationships" xmlns:p="http://schemas.openxmlformats.org/presentationml/2006/main">
+  <p:cSld>
+    <p:spTree>
+      <p:nvGrpSpPr>
+        <p:cNvPr id="1" name=""/>
+        <p:cNvGrpSpPr/>
+        <p:nvPr/>
+      </p:nvGrpSpPr>
+      <p:grpSpPr>
+        <a:xfrm>
+          <a:off x="0" y="0"/>
+          <a:ext cx="0" cy="0"/>
+          <a:chOff x="0" y="0"/>
+          <a:chExt cx="0" cy="0"/>
+        </a:xfrm>
+      </p:grpSpPr>
+      <p:sp>
+        <p:nvSpPr>
+          <p:cNvPr id="2" name="Titre 1"/>
+          <p:cNvSpPr>
+            <a:spLocks noGrp="1"/>
+          </p:cNvSpPr>
+          <p:nvPr>
+            <p:ph type="title"/>
+          </p:nvPr>
+        </p:nvSpPr>
+        <p:spPr/>
+        <p:txBody>
+          <a:bodyPr/>
+          <a:lstStyle/>
+          <a:p>
+            <a:r>
+              <a:rPr lang="fr-FR" dirty="0" smtClean="0"/>
+              <a:t>Détails techniques</a:t>
+            </a:r>
+            <a:endParaRPr lang="fr-FR" dirty="0"/>
+          </a:p>
+        </p:txBody>
+      </p:sp>
+      <p:sp>
+        <p:nvSpPr>
+          <p:cNvPr id="4" name="Espace réservé de la date 3"/>
+          <p:cNvSpPr>
+            <a:spLocks noGrp="1"/>
+          </p:cNvSpPr>
+          <p:nvPr>
+            <p:ph type="dt" sz="half" idx="10"/>
+          </p:nvPr>
+        </p:nvSpPr>
+        <p:spPr/>
+        <p:txBody>
+          <a:bodyPr/>
+          <a:lstStyle/>
+          <a:p>
+            <a:fld id="{7A820A8C-07D3-4B66-B122-F8194C1154B3}" type="datetime1">
+              <a:rPr lang="fr-FR" smtClean="0"/>
+              <a:t>24/02/2014</a:t>
+            </a:fld>
+            <a:endParaRPr lang="fr-FR"/>
+          </a:p>
+        </p:txBody>
+      </p:sp>
+      <p:sp>
+        <p:nvSpPr>
+          <p:cNvPr id="5" name="Espace réservé du pied de page 4"/>
+          <p:cNvSpPr>
+            <a:spLocks noGrp="1"/>
+          </p:cNvSpPr>
+          <p:nvPr>
+            <p:ph type="ftr" sz="quarter" idx="11"/>
+          </p:nvPr>
+        </p:nvSpPr>
+        <p:spPr/>
+        <p:txBody>
+          <a:bodyPr/>
+          <a:lstStyle/>
+          <a:p>
+            <a:r>
+              <a:rPr lang="fr-FR" smtClean="0"/>
+              <a:t>Guénon Marie | Favreau Jean-Dominique | Tanguy Arnaud</a:t>
+            </a:r>
+            <a:endParaRPr lang="fr-FR"/>
+          </a:p>
+        </p:txBody>
+      </p:sp>
+      <p:sp>
+        <p:nvSpPr>
+          <p:cNvPr id="6" name="Espace réservé du numéro de diapositive 5"/>
+          <p:cNvSpPr>
+            <a:spLocks noGrp="1"/>
+          </p:cNvSpPr>
+          <p:nvPr>
+            <p:ph type="sldNum" sz="quarter" idx="12"/>
+          </p:nvPr>
+        </p:nvSpPr>
+        <p:spPr/>
+        <p:txBody>
+          <a:bodyPr/>
+          <a:lstStyle/>
+          <a:p>
+            <a:fld id="{855D9AE6-DD0B-4169-9603-BADEDE1CFE1F}" type="slidenum">
+              <a:rPr lang="fr-FR" smtClean="0"/>
+              <a:pPr/>
+              <a:t>12</a:t>
+            </a:fld>
+            <a:endParaRPr lang="fr-FR" dirty="0"/>
+          </a:p>
+        </p:txBody>
+      </p:sp>
+      <p:sp>
+        <p:nvSpPr>
+          <p:cNvPr id="7" name="Espace réservé du texte 6"/>
+          <p:cNvSpPr>
+            <a:spLocks noGrp="1"/>
+          </p:cNvSpPr>
+          <p:nvPr>
+            <p:ph type="body" sz="quarter" idx="13"/>
+          </p:nvPr>
+        </p:nvSpPr>
+        <p:spPr/>
+        <p:txBody>
+          <a:bodyPr/>
+          <a:lstStyle/>
+          <a:p>
+            <a:endParaRPr lang="fr-FR"/>
+          </a:p>
+        </p:txBody>
+      </p:sp>
+      <p:pic>
+        <p:nvPicPr>
+          <p:cNvPr id="8" name="Image 7"/>
+          <p:cNvPicPr>
+            <a:picLocks noChangeAspect="1"/>
+          </p:cNvPicPr>
+          <p:nvPr/>
+        </p:nvPicPr>
+        <p:blipFill rotWithShape="1">
+          <a:blip r:embed="rId2"/>
+          <a:srcRect l="26224"/>
+          <a:stretch/>
+        </p:blipFill>
+        <p:spPr>
+          <a:xfrm>
+            <a:off x="454642" y="1641545"/>
+            <a:ext cx="6008219" cy="4219575"/>
+          </a:xfrm>
+          <a:prstGeom prst="rect">
+            <a:avLst/>
+          </a:prstGeom>
+        </p:spPr>
+      </p:pic>
+      <p:pic>
+        <p:nvPicPr>
+          <p:cNvPr id="9" name="Image 8"/>
+          <p:cNvPicPr>
+            <a:picLocks noChangeAspect="1"/>
+          </p:cNvPicPr>
+          <p:nvPr/>
+        </p:nvPicPr>
+        <p:blipFill>
+          <a:blip r:embed="rId3"/>
+          <a:stretch>
+            <a:fillRect/>
+          </a:stretch>
+        </p:blipFill>
+        <p:spPr>
+          <a:xfrm>
+            <a:off x="5638133" y="4442499"/>
+            <a:ext cx="3379224" cy="1280835"/>
+          </a:xfrm>
+          <a:prstGeom prst="rect">
+            <a:avLst/>
+          </a:prstGeom>
+        </p:spPr>
+      </p:pic>
+      <p:cxnSp>
+        <p:nvCxnSpPr>
+          <p:cNvPr id="12" name="Connecteur droit avec flèche 11"/>
+          <p:cNvCxnSpPr/>
+          <p:nvPr/>
+        </p:nvCxnSpPr>
+        <p:spPr>
+          <a:xfrm flipV="1">
+            <a:off x="3826140" y="5361140"/>
+            <a:ext cx="1697838" cy="225468"/>
+          </a:xfrm>
+          <a:prstGeom prst="straightConnector1">
+            <a:avLst/>
+          </a:prstGeom>
+          <a:ln>
+            <a:tailEnd type="triangle"/>
+          </a:ln>
+        </p:spPr>
+        <p:style>
+          <a:lnRef idx="1">
+            <a:schemeClr val="accent1"/>
+          </a:lnRef>
+          <a:fillRef idx="0">
+            <a:schemeClr val="accent1"/>
+          </a:fillRef>
+          <a:effectRef idx="0">
+            <a:schemeClr val="accent1"/>
+          </a:effectRef>
+          <a:fontRef idx="minor">
+            <a:schemeClr val="tx1"/>
+          </a:fontRef>
+        </p:style>
+      </p:cxnSp>
+    </p:spTree>
+    <p:extLst>
+      <p:ext uri="{BB962C8B-B14F-4D97-AF65-F5344CB8AC3E}">
+        <p14:creationId xmlns:p14="http://schemas.microsoft.com/office/powerpoint/2010/main" val="125788754"/>
+      </p:ext>
+    </p:extLst>
+  </p:cSld>
+  <p:clrMapOvr>
+    <a:masterClrMapping/>
+  </p:clrMapOvr>
+  <p:timing>
+    <p:tnLst>
+      <p:par>
+        <p:cTn id="1" dur="indefinite" restart="never" nodeType="tmRoot"/>
+      </p:par>
+    </p:tnLst>
+  </p:timing>
+</p:sld>
+</file>
+
+<file path=ppt/slides/slide13.xml><?xml version="1.0" encoding="utf-8"?>
+<p:sld xmlns:a="http://schemas.openxmlformats.org/drawingml/2006/main" xmlns:r="http://schemas.openxmlformats.org/officeDocument/2006/relationships" xmlns:p="http://schemas.openxmlformats.org/presentationml/2006/main">
+  <p:cSld>
+    <p:spTree>
+      <p:nvGrpSpPr>
+        <p:cNvPr id="1" name=""/>
+        <p:cNvGrpSpPr/>
+        <p:nvPr/>
+      </p:nvGrpSpPr>
+      <p:grpSpPr>
+        <a:xfrm>
+          <a:off x="0" y="0"/>
+          <a:ext cx="0" cy="0"/>
+          <a:chOff x="0" y="0"/>
+          <a:chExt cx="0" cy="0"/>
+        </a:xfrm>
+      </p:grpSpPr>
+      <p:sp>
+        <p:nvSpPr>
+          <p:cNvPr id="2" name="Titre 1"/>
+          <p:cNvSpPr>
+            <a:spLocks noGrp="1"/>
+          </p:cNvSpPr>
+          <p:nvPr>
+            <p:ph type="title"/>
+          </p:nvPr>
+        </p:nvSpPr>
+        <p:spPr/>
+        <p:txBody>
+          <a:bodyPr/>
+          <a:lstStyle/>
+          <a:p>
+            <a:r>
+              <a:rPr lang="fr-FR" dirty="0" smtClean="0"/>
+              <a:t>Détails techniques</a:t>
+            </a:r>
+            <a:endParaRPr lang="fr-FR" dirty="0"/>
+          </a:p>
+        </p:txBody>
+      </p:sp>
+      <p:sp>
+        <p:nvSpPr>
+          <p:cNvPr id="3" name="Espace réservé du contenu 2"/>
+          <p:cNvSpPr>
+            <a:spLocks noGrp="1"/>
+          </p:cNvSpPr>
+          <p:nvPr>
+            <p:ph idx="1"/>
+          </p:nvPr>
+        </p:nvSpPr>
+        <p:spPr/>
+        <p:txBody>
+          <a:bodyPr/>
+          <a:lstStyle/>
+          <a:p>
+            <a:r>
+              <a:rPr lang="fr-FR" dirty="0" err="1" smtClean="0"/>
+              <a:t>Keypoints</a:t>
+            </a:r>
+            <a:endParaRPr lang="fr-FR" dirty="0"/>
+          </a:p>
+        </p:txBody>
+      </p:sp>
+      <p:sp>
+        <p:nvSpPr>
+          <p:cNvPr id="4" name="Espace réservé de la date 3"/>
+          <p:cNvSpPr>
+            <a:spLocks noGrp="1"/>
+          </p:cNvSpPr>
+          <p:nvPr>
+            <p:ph type="dt" sz="half" idx="10"/>
+          </p:nvPr>
+        </p:nvSpPr>
+        <p:spPr/>
+        <p:txBody>
+          <a:bodyPr/>
+          <a:lstStyle/>
+          <a:p>
+            <a:fld id="{7A820A8C-07D3-4B66-B122-F8194C1154B3}" type="datetime1">
+              <a:rPr lang="fr-FR" smtClean="0"/>
+              <a:t>24/02/2014</a:t>
+            </a:fld>
+            <a:endParaRPr lang="fr-FR"/>
+          </a:p>
+        </p:txBody>
+      </p:sp>
+      <p:sp>
+        <p:nvSpPr>
+          <p:cNvPr id="5" name="Espace réservé du pied de page 4"/>
+          <p:cNvSpPr>
+            <a:spLocks noGrp="1"/>
+          </p:cNvSpPr>
+          <p:nvPr>
+            <p:ph type="ftr" sz="quarter" idx="11"/>
+          </p:nvPr>
+        </p:nvSpPr>
+        <p:spPr/>
+        <p:txBody>
+          <a:bodyPr/>
+          <a:lstStyle/>
+          <a:p>
+            <a:r>
+              <a:rPr lang="fr-FR" smtClean="0"/>
+              <a:t>Guénon Marie | Favreau Jean-Dominique | Tanguy Arnaud</a:t>
+            </a:r>
+            <a:endParaRPr lang="fr-FR"/>
+          </a:p>
+        </p:txBody>
+      </p:sp>
+      <p:sp>
+        <p:nvSpPr>
+          <p:cNvPr id="6" name="Espace réservé du numéro de diapositive 5"/>
+          <p:cNvSpPr>
+            <a:spLocks noGrp="1"/>
+          </p:cNvSpPr>
+          <p:nvPr>
+            <p:ph type="sldNum" sz="quarter" idx="12"/>
+          </p:nvPr>
+        </p:nvSpPr>
+        <p:spPr/>
+        <p:txBody>
+          <a:bodyPr/>
+          <a:lstStyle/>
+          <a:p>
+            <a:fld id="{855D9AE6-DD0B-4169-9603-BADEDE1CFE1F}" type="slidenum">
+              <a:rPr lang="fr-FR" smtClean="0"/>
+              <a:pPr/>
+              <a:t>13</a:t>
+            </a:fld>
+            <a:endParaRPr lang="fr-FR" dirty="0"/>
+          </a:p>
+        </p:txBody>
+      </p:sp>
+      <p:sp>
+        <p:nvSpPr>
+          <p:cNvPr id="7" name="Espace réservé du texte 6"/>
+          <p:cNvSpPr>
+            <a:spLocks noGrp="1"/>
+          </p:cNvSpPr>
+          <p:nvPr>
+            <p:ph type="body" sz="quarter" idx="13"/>
+          </p:nvPr>
+        </p:nvSpPr>
+        <p:spPr/>
+        <p:txBody>
+          <a:bodyPr/>
+          <a:lstStyle/>
+          <a:p>
+            <a:endParaRPr lang="fr-FR"/>
+          </a:p>
+        </p:txBody>
+      </p:sp>
+      <p:pic>
+        <p:nvPicPr>
+          <p:cNvPr id="8" name="Image 7"/>
+          <p:cNvPicPr>
+            <a:picLocks noChangeAspect="1"/>
+          </p:cNvPicPr>
+          <p:nvPr/>
+        </p:nvPicPr>
+        <p:blipFill rotWithShape="1">
+          <a:blip r:embed="rId2"/>
+          <a:srcRect l="26224"/>
+          <a:stretch/>
+        </p:blipFill>
+        <p:spPr>
+          <a:xfrm>
+            <a:off x="2780778" y="1641545"/>
+            <a:ext cx="6008219" cy="4219575"/>
+          </a:xfrm>
+          <a:prstGeom prst="rect">
+            <a:avLst/>
+          </a:prstGeom>
+        </p:spPr>
+      </p:pic>
+    </p:spTree>
+    <p:extLst>
+      <p:ext uri="{BB962C8B-B14F-4D97-AF65-F5344CB8AC3E}">
+        <p14:creationId xmlns:p14="http://schemas.microsoft.com/office/powerpoint/2010/main" val="1663391397"/>
+      </p:ext>
+    </p:extLst>
+  </p:cSld>
+  <p:clrMapOvr>
+    <a:masterClrMapping/>
+  </p:clrMapOvr>
+  <p:timing>
+    <p:tnLst>
+      <p:par>
+        <p:cTn id="1" dur="indefinite" restart="never" nodeType="tmRoot"/>
+      </p:par>
+    </p:tnLst>
+  </p:timing>
+</p:sld>
+</file>
+
+<file path=ppt/slides/slide14.xml><?xml version="1.0" encoding="utf-8"?>
+<p:sld xmlns:a="http://schemas.openxmlformats.org/drawingml/2006/main" xmlns:r="http://schemas.openxmlformats.org/officeDocument/2006/relationships" xmlns:p="http://schemas.openxmlformats.org/presentationml/2006/main">
+  <p:cSld>
+    <p:spTree>
+      <p:nvGrpSpPr>
+        <p:cNvPr id="1" name=""/>
+        <p:cNvGrpSpPr/>
+        <p:nvPr/>
+      </p:nvGrpSpPr>
+      <p:grpSpPr>
+        <a:xfrm>
+          <a:off x="0" y="0"/>
+          <a:ext cx="0" cy="0"/>
+          <a:chOff x="0" y="0"/>
+          <a:chExt cx="0" cy="0"/>
+        </a:xfrm>
+      </p:grpSpPr>
+      <p:sp>
+        <p:nvSpPr>
+          <p:cNvPr id="2" name="Titre 1"/>
+          <p:cNvSpPr>
+            <a:spLocks noGrp="1"/>
+          </p:cNvSpPr>
+          <p:nvPr>
+            <p:ph type="title"/>
+          </p:nvPr>
+        </p:nvSpPr>
+        <p:spPr/>
+        <p:txBody>
+          <a:bodyPr/>
+          <a:lstStyle/>
+          <a:p>
+            <a:r>
+              <a:rPr lang="fr-FR" dirty="0" smtClean="0"/>
+              <a:t>Détails techniques</a:t>
+            </a:r>
+            <a:endParaRPr lang="fr-FR" dirty="0"/>
+          </a:p>
+        </p:txBody>
+      </p:sp>
+      <p:sp>
+        <p:nvSpPr>
+          <p:cNvPr id="3" name="Espace réservé du contenu 2"/>
+          <p:cNvSpPr>
+            <a:spLocks noGrp="1"/>
+          </p:cNvSpPr>
+          <p:nvPr>
+            <p:ph idx="1"/>
+          </p:nvPr>
+        </p:nvSpPr>
+        <p:spPr/>
+        <p:txBody>
+          <a:bodyPr/>
+          <a:lstStyle/>
+          <a:p>
+            <a:r>
+              <a:rPr lang="fr-FR" dirty="0" err="1" smtClean="0"/>
+              <a:t>Keypoints</a:t>
+            </a:r>
+            <a:endParaRPr lang="fr-FR" dirty="0"/>
+          </a:p>
+        </p:txBody>
+      </p:sp>
+      <p:sp>
+        <p:nvSpPr>
+          <p:cNvPr id="4" name="Espace réservé de la date 3"/>
+          <p:cNvSpPr>
+            <a:spLocks noGrp="1"/>
+          </p:cNvSpPr>
+          <p:nvPr>
+            <p:ph type="dt" sz="half" idx="10"/>
+          </p:nvPr>
+        </p:nvSpPr>
+        <p:spPr/>
+        <p:txBody>
+          <a:bodyPr/>
+          <a:lstStyle/>
+          <a:p>
+            <a:fld id="{7A820A8C-07D3-4B66-B122-F8194C1154B3}" type="datetime1">
+              <a:rPr lang="fr-FR" smtClean="0"/>
+              <a:t>24/02/2014</a:t>
+            </a:fld>
+            <a:endParaRPr lang="fr-FR"/>
+          </a:p>
+        </p:txBody>
+      </p:sp>
+      <p:sp>
+        <p:nvSpPr>
+          <p:cNvPr id="5" name="Espace réservé du pied de page 4"/>
+          <p:cNvSpPr>
+            <a:spLocks noGrp="1"/>
+          </p:cNvSpPr>
+          <p:nvPr>
+            <p:ph type="ftr" sz="quarter" idx="11"/>
+          </p:nvPr>
+        </p:nvSpPr>
+        <p:spPr/>
+        <p:txBody>
+          <a:bodyPr/>
+          <a:lstStyle/>
+          <a:p>
+            <a:r>
+              <a:rPr lang="fr-FR" smtClean="0"/>
+              <a:t>Guénon Marie | Favreau Jean-Dominique | Tanguy Arnaud</a:t>
+            </a:r>
+            <a:endParaRPr lang="fr-FR"/>
+          </a:p>
+        </p:txBody>
+      </p:sp>
+      <p:sp>
+        <p:nvSpPr>
+          <p:cNvPr id="6" name="Espace réservé du numéro de diapositive 5"/>
+          <p:cNvSpPr>
+            <a:spLocks noGrp="1"/>
+          </p:cNvSpPr>
+          <p:nvPr>
+            <p:ph type="sldNum" sz="quarter" idx="12"/>
+          </p:nvPr>
+        </p:nvSpPr>
+        <p:spPr/>
+        <p:txBody>
+          <a:bodyPr/>
+          <a:lstStyle/>
+          <a:p>
+            <a:fld id="{855D9AE6-DD0B-4169-9603-BADEDE1CFE1F}" type="slidenum">
+              <a:rPr lang="fr-FR" smtClean="0"/>
+              <a:pPr/>
+              <a:t>14</a:t>
+            </a:fld>
+            <a:endParaRPr lang="fr-FR" dirty="0"/>
+          </a:p>
+        </p:txBody>
+      </p:sp>
+      <p:sp>
+        <p:nvSpPr>
+          <p:cNvPr id="7" name="Espace réservé du texte 6"/>
+          <p:cNvSpPr>
+            <a:spLocks noGrp="1"/>
+          </p:cNvSpPr>
+          <p:nvPr>
+            <p:ph type="body" sz="quarter" idx="13"/>
+          </p:nvPr>
+        </p:nvSpPr>
+        <p:spPr/>
+        <p:txBody>
+          <a:bodyPr/>
+          <a:lstStyle/>
+          <a:p>
+            <a:endParaRPr lang="fr-FR"/>
+          </a:p>
+        </p:txBody>
+      </p:sp>
+      <p:pic>
+        <p:nvPicPr>
+          <p:cNvPr id="8" name="Image 7"/>
+          <p:cNvPicPr>
+            <a:picLocks noChangeAspect="1"/>
+          </p:cNvPicPr>
+          <p:nvPr/>
+        </p:nvPicPr>
+        <p:blipFill>
+          <a:blip r:embed="rId2"/>
+          <a:stretch>
+            <a:fillRect/>
+          </a:stretch>
+        </p:blipFill>
+        <p:spPr>
+          <a:xfrm>
+            <a:off x="2479044" y="1761146"/>
+            <a:ext cx="6181725" cy="4162425"/>
+          </a:xfrm>
+          <a:prstGeom prst="rect">
+            <a:avLst/>
+          </a:prstGeom>
+        </p:spPr>
+      </p:pic>
+    </p:spTree>
+    <p:extLst>
+      <p:ext uri="{BB962C8B-B14F-4D97-AF65-F5344CB8AC3E}">
+        <p14:creationId xmlns:p14="http://schemas.microsoft.com/office/powerpoint/2010/main" val="3172372065"/>
+      </p:ext>
+    </p:extLst>
+  </p:cSld>
+  <p:clrMapOvr>
+    <a:masterClrMapping/>
+  </p:clrMapOvr>
+  <p:timing>
+    <p:tnLst>
+      <p:par>
+        <p:cTn id="1" dur="indefinite" restart="never" nodeType="tmRoot"/>
+      </p:par>
+    </p:tnLst>
+  </p:timing>
+</p:sld>
+</file>
+
+<file path=ppt/slides/slide15.xml><?xml version="1.0" encoding="utf-8"?>
+<p:sld xmlns:a="http://schemas.openxmlformats.org/drawingml/2006/main" xmlns:r="http://schemas.openxmlformats.org/officeDocument/2006/relationships" xmlns:p="http://schemas.openxmlformats.org/presentationml/2006/main">
+  <p:cSld>
+    <p:spTree>
+      <p:nvGrpSpPr>
+        <p:cNvPr id="1" name=""/>
+        <p:cNvGrpSpPr/>
+        <p:nvPr/>
+      </p:nvGrpSpPr>
+      <p:grpSpPr>
+        <a:xfrm>
+          <a:off x="0" y="0"/>
+          <a:ext cx="0" cy="0"/>
+          <a:chOff x="0" y="0"/>
+          <a:chExt cx="0" cy="0"/>
+        </a:xfrm>
+      </p:grpSpPr>
+      <p:sp>
+        <p:nvSpPr>
+          <p:cNvPr id="2" name="Titre 1"/>
+          <p:cNvSpPr>
+            <a:spLocks noGrp="1"/>
+          </p:cNvSpPr>
+          <p:nvPr>
+            <p:ph type="title"/>
+          </p:nvPr>
+        </p:nvSpPr>
+        <p:spPr/>
+        <p:txBody>
+          <a:bodyPr/>
+          <a:lstStyle/>
+          <a:p>
+            <a:r>
+              <a:rPr lang="fr-FR" dirty="0" smtClean="0"/>
+              <a:t>Détails techniques</a:t>
+            </a:r>
+            <a:endParaRPr lang="fr-FR" dirty="0"/>
+          </a:p>
+        </p:txBody>
+      </p:sp>
+      <p:sp>
+        <p:nvSpPr>
+          <p:cNvPr id="3" name="Espace réservé du contenu 2"/>
+          <p:cNvSpPr>
+            <a:spLocks noGrp="1"/>
+          </p:cNvSpPr>
+          <p:nvPr>
+            <p:ph idx="1"/>
+          </p:nvPr>
+        </p:nvSpPr>
+        <p:spPr/>
+        <p:txBody>
+          <a:bodyPr/>
+          <a:lstStyle/>
+          <a:p>
+            <a:r>
+              <a:rPr lang="fr-FR" dirty="0" err="1" smtClean="0"/>
+              <a:t>Landmarks</a:t>
+            </a:r>
+            <a:endParaRPr lang="fr-FR" dirty="0"/>
+          </a:p>
+        </p:txBody>
+      </p:sp>
+      <p:sp>
+        <p:nvSpPr>
+          <p:cNvPr id="4" name="Espace réservé de la date 3"/>
+          <p:cNvSpPr>
+            <a:spLocks noGrp="1"/>
+          </p:cNvSpPr>
+          <p:nvPr>
+            <p:ph type="dt" sz="half" idx="10"/>
+          </p:nvPr>
+        </p:nvSpPr>
+        <p:spPr/>
+        <p:txBody>
+          <a:bodyPr/>
+          <a:lstStyle/>
+          <a:p>
+            <a:fld id="{7A820A8C-07D3-4B66-B122-F8194C1154B3}" type="datetime1">
+              <a:rPr lang="fr-FR" smtClean="0"/>
+              <a:t>24/02/2014</a:t>
+            </a:fld>
+            <a:endParaRPr lang="fr-FR"/>
+          </a:p>
+        </p:txBody>
+      </p:sp>
+      <p:sp>
+        <p:nvSpPr>
+          <p:cNvPr id="5" name="Espace réservé du pied de page 4"/>
+          <p:cNvSpPr>
+            <a:spLocks noGrp="1"/>
+          </p:cNvSpPr>
+          <p:nvPr>
+            <p:ph type="ftr" sz="quarter" idx="11"/>
+          </p:nvPr>
+        </p:nvSpPr>
+        <p:spPr/>
+        <p:txBody>
+          <a:bodyPr/>
+          <a:lstStyle/>
+          <a:p>
+            <a:r>
+              <a:rPr lang="fr-FR" smtClean="0"/>
+              <a:t>Guénon Marie | Favreau Jean-Dominique | Tanguy Arnaud</a:t>
+            </a:r>
+            <a:endParaRPr lang="fr-FR"/>
+          </a:p>
+        </p:txBody>
+      </p:sp>
+      <p:sp>
+        <p:nvSpPr>
+          <p:cNvPr id="6" name="Espace réservé du numéro de diapositive 5"/>
+          <p:cNvSpPr>
+            <a:spLocks noGrp="1"/>
+          </p:cNvSpPr>
+          <p:nvPr>
+            <p:ph type="sldNum" sz="quarter" idx="12"/>
+          </p:nvPr>
+        </p:nvSpPr>
+        <p:spPr/>
+        <p:txBody>
+          <a:bodyPr/>
+          <a:lstStyle/>
+          <a:p>
+            <a:fld id="{855D9AE6-DD0B-4169-9603-BADEDE1CFE1F}" type="slidenum">
+              <a:rPr lang="fr-FR" smtClean="0"/>
+              <a:pPr/>
+              <a:t>15</a:t>
+            </a:fld>
+            <a:endParaRPr lang="fr-FR" dirty="0"/>
+          </a:p>
+        </p:txBody>
+      </p:sp>
+      <p:sp>
+        <p:nvSpPr>
+          <p:cNvPr id="7" name="Espace réservé du texte 6"/>
+          <p:cNvSpPr>
+            <a:spLocks noGrp="1"/>
+          </p:cNvSpPr>
+          <p:nvPr>
+            <p:ph type="body" sz="quarter" idx="13"/>
+          </p:nvPr>
+        </p:nvSpPr>
+        <p:spPr/>
+        <p:txBody>
+          <a:bodyPr/>
+          <a:lstStyle/>
+          <a:p>
+            <a:endParaRPr lang="fr-FR"/>
+          </a:p>
+        </p:txBody>
+      </p:sp>
+    </p:spTree>
+    <p:extLst>
+      <p:ext uri="{BB962C8B-B14F-4D97-AF65-F5344CB8AC3E}">
+        <p14:creationId xmlns:p14="http://schemas.microsoft.com/office/powerpoint/2010/main" val="2904393840"/>
+      </p:ext>
+    </p:extLst>
+  </p:cSld>
+  <p:clrMapOvr>
+    <a:masterClrMapping/>
+  </p:clrMapOvr>
+  <p:timing>
+    <p:tnLst>
+      <p:par>
+        <p:cTn id="1" dur="indefinite" restart="never" nodeType="tmRoot"/>
+      </p:par>
+    </p:tnLst>
+  </p:timing>
+</p:sld>
+</file>
+
+<file path=ppt/slides/slide16.xml><?xml version="1.0" encoding="utf-8"?>
+<p:sld xmlns:a="http://schemas.openxmlformats.org/drawingml/2006/main" xmlns:r="http://schemas.openxmlformats.org/officeDocument/2006/relationships" xmlns:p="http://schemas.openxmlformats.org/presentationml/2006/main">
+  <p:cSld>
+    <p:spTree>
+      <p:nvGrpSpPr>
+        <p:cNvPr id="1" name=""/>
+        <p:cNvGrpSpPr/>
+        <p:nvPr/>
+      </p:nvGrpSpPr>
+      <p:grpSpPr>
+        <a:xfrm>
+          <a:off x="0" y="0"/>
+          <a:ext cx="0" cy="0"/>
+          <a:chOff x="0" y="0"/>
+          <a:chExt cx="0" cy="0"/>
+        </a:xfrm>
+      </p:grpSpPr>
+      <p:sp>
+        <p:nvSpPr>
+          <p:cNvPr id="2" name="Titre 1"/>
+          <p:cNvSpPr>
+            <a:spLocks noGrp="1"/>
+          </p:cNvSpPr>
+          <p:nvPr>
+            <p:ph type="title"/>
+          </p:nvPr>
+        </p:nvSpPr>
+        <p:spPr/>
+        <p:txBody>
+          <a:bodyPr/>
+          <a:lstStyle/>
+          <a:p>
+            <a:r>
+              <a:rPr lang="fr-FR" dirty="0" smtClean="0"/>
+              <a:t>Résultats</a:t>
+            </a:r>
+            <a:endParaRPr lang="fr-FR" dirty="0"/>
+          </a:p>
+        </p:txBody>
+      </p:sp>
+      <p:sp>
+        <p:nvSpPr>
+          <p:cNvPr id="3" name="Espace réservé du contenu 2"/>
+          <p:cNvSpPr>
+            <a:spLocks noGrp="1"/>
+          </p:cNvSpPr>
+          <p:nvPr>
+            <p:ph idx="1"/>
+          </p:nvPr>
+        </p:nvSpPr>
+        <p:spPr/>
+        <p:txBody>
+          <a:bodyPr>
+            <a:normAutofit fontScale="92500" lnSpcReduction="20000"/>
+          </a:bodyPr>
+          <a:lstStyle/>
+          <a:p>
+            <a:r>
+              <a:rPr lang="fr-FR" dirty="0" err="1" smtClean="0"/>
+              <a:t>Kepoints</a:t>
+            </a:r>
+            <a:endParaRPr lang="fr-FR" dirty="0" smtClean="0"/>
+          </a:p>
+          <a:p>
+            <a:pPr lvl="1"/>
+            <a:endParaRPr lang="fr-FR" dirty="0"/>
+          </a:p>
+          <a:p>
+            <a:pPr lvl="1"/>
+            <a:r>
+              <a:rPr lang="fr-FR" dirty="0" smtClean="0"/>
+              <a:t>10 descripteurs :</a:t>
+            </a:r>
+          </a:p>
+          <a:p>
+            <a:pPr lvl="2"/>
+            <a:r>
+              <a:rPr lang="fr-FR" dirty="0"/>
+              <a:t>First principal </a:t>
+            </a:r>
+            <a:r>
+              <a:rPr lang="fr-FR" dirty="0" err="1"/>
+              <a:t>curvature</a:t>
+            </a:r>
+            <a:r>
+              <a:rPr lang="fr-FR" dirty="0"/>
+              <a:t> (k1)</a:t>
+            </a:r>
+          </a:p>
+          <a:p>
+            <a:pPr lvl="2"/>
+            <a:r>
+              <a:rPr lang="fr-FR" dirty="0"/>
+              <a:t>Second principal </a:t>
+            </a:r>
+            <a:r>
+              <a:rPr lang="fr-FR" dirty="0" err="1"/>
+              <a:t>curvature</a:t>
+            </a:r>
+            <a:r>
+              <a:rPr lang="fr-FR" dirty="0"/>
+              <a:t> (k2)</a:t>
+            </a:r>
+          </a:p>
+          <a:p>
+            <a:pPr lvl="2"/>
+            <a:r>
+              <a:rPr lang="fr-FR" dirty="0" err="1"/>
+              <a:t>Gaussian</a:t>
+            </a:r>
+            <a:r>
+              <a:rPr lang="fr-FR" dirty="0"/>
+              <a:t> </a:t>
+            </a:r>
+            <a:r>
+              <a:rPr lang="fr-FR" dirty="0" err="1"/>
+              <a:t>curvature</a:t>
+            </a:r>
+            <a:r>
+              <a:rPr lang="fr-FR" dirty="0"/>
+              <a:t> (K)</a:t>
+            </a:r>
+          </a:p>
+          <a:p>
+            <a:pPr lvl="2"/>
+            <a:r>
+              <a:rPr lang="fr-FR" dirty="0" err="1"/>
+              <a:t>Mean</a:t>
+            </a:r>
+            <a:r>
+              <a:rPr lang="fr-FR" dirty="0"/>
+              <a:t> </a:t>
+            </a:r>
+            <a:r>
+              <a:rPr lang="fr-FR" dirty="0" err="1"/>
+              <a:t>curvature</a:t>
+            </a:r>
+            <a:r>
+              <a:rPr lang="fr-FR" dirty="0"/>
+              <a:t> (H)</a:t>
+            </a:r>
+          </a:p>
+          <a:p>
+            <a:pPr lvl="2"/>
+            <a:r>
+              <a:rPr lang="fr-FR" dirty="0"/>
+              <a:t>Shape Index (SI)</a:t>
+            </a:r>
+          </a:p>
+          <a:p>
+            <a:pPr lvl="2"/>
+            <a:r>
+              <a:rPr lang="fr-FR" dirty="0"/>
+              <a:t>Log </a:t>
+            </a:r>
+            <a:r>
+              <a:rPr lang="fr-FR" dirty="0" err="1"/>
+              <a:t>Curvedness</a:t>
+            </a:r>
+            <a:r>
+              <a:rPr lang="fr-FR" dirty="0"/>
+              <a:t> (LC)</a:t>
+            </a:r>
+          </a:p>
+          <a:p>
+            <a:pPr lvl="2"/>
+            <a:r>
+              <a:rPr lang="fr-FR" dirty="0"/>
+              <a:t>Distance to Local Plane (DLP)</a:t>
+            </a:r>
+          </a:p>
+          <a:p>
+            <a:pPr lvl="2"/>
+            <a:r>
+              <a:rPr lang="fr-FR" dirty="0"/>
+              <a:t>Local Volume (VOL)</a:t>
+            </a:r>
+          </a:p>
+          <a:p>
+            <a:pPr lvl="2"/>
+            <a:r>
+              <a:rPr lang="fr-FR" dirty="0"/>
+              <a:t>Spin Image </a:t>
+            </a:r>
+            <a:r>
+              <a:rPr lang="fr-FR" dirty="0" err="1"/>
+              <a:t>Histogram</a:t>
+            </a:r>
+            <a:r>
+              <a:rPr lang="fr-FR" dirty="0"/>
+              <a:t> (SIH)</a:t>
+            </a:r>
+          </a:p>
+          <a:p>
+            <a:pPr lvl="2"/>
+            <a:r>
+              <a:rPr lang="fr-FR" dirty="0" err="1"/>
+              <a:t>Spherical</a:t>
+            </a:r>
+            <a:r>
+              <a:rPr lang="fr-FR" dirty="0"/>
+              <a:t> </a:t>
+            </a:r>
+            <a:r>
+              <a:rPr lang="fr-FR" dirty="0" err="1"/>
+              <a:t>Histogram</a:t>
+            </a:r>
+            <a:r>
+              <a:rPr lang="fr-FR" dirty="0"/>
+              <a:t> (SH</a:t>
+            </a:r>
+            <a:r>
+              <a:rPr lang="fr-FR" dirty="0" smtClean="0"/>
+              <a:t>)</a:t>
+            </a:r>
+            <a:endParaRPr lang="fr-FR" dirty="0"/>
+          </a:p>
+        </p:txBody>
+      </p:sp>
+      <p:sp>
+        <p:nvSpPr>
+          <p:cNvPr id="4" name="Espace réservé de la date 3"/>
+          <p:cNvSpPr>
+            <a:spLocks noGrp="1"/>
+          </p:cNvSpPr>
+          <p:nvPr>
+            <p:ph type="dt" sz="half" idx="10"/>
+          </p:nvPr>
+        </p:nvSpPr>
+        <p:spPr/>
+        <p:txBody>
+          <a:bodyPr/>
+          <a:lstStyle/>
+          <a:p>
+            <a:fld id="{7A820A8C-07D3-4B66-B122-F8194C1154B3}" type="datetime1">
+              <a:rPr lang="fr-FR" smtClean="0"/>
+              <a:t>24/02/2014</a:t>
+            </a:fld>
+            <a:endParaRPr lang="fr-FR"/>
+          </a:p>
+        </p:txBody>
+      </p:sp>
+      <p:sp>
+        <p:nvSpPr>
+          <p:cNvPr id="5" name="Espace réservé du pied de page 4"/>
+          <p:cNvSpPr>
+            <a:spLocks noGrp="1"/>
+          </p:cNvSpPr>
+          <p:nvPr>
+            <p:ph type="ftr" sz="quarter" idx="11"/>
+          </p:nvPr>
+        </p:nvSpPr>
+        <p:spPr/>
+        <p:txBody>
+          <a:bodyPr/>
+          <a:lstStyle/>
+          <a:p>
+            <a:r>
+              <a:rPr lang="fr-FR" smtClean="0"/>
+              <a:t>Guénon Marie | Favreau Jean-Dominique | Tanguy Arnaud</a:t>
+            </a:r>
+            <a:endParaRPr lang="fr-FR"/>
+          </a:p>
+        </p:txBody>
+      </p:sp>
+      <p:sp>
+        <p:nvSpPr>
+          <p:cNvPr id="6" name="Espace réservé du numéro de diapositive 5"/>
+          <p:cNvSpPr>
+            <a:spLocks noGrp="1"/>
+          </p:cNvSpPr>
+          <p:nvPr>
+            <p:ph type="sldNum" sz="quarter" idx="12"/>
+          </p:nvPr>
+        </p:nvSpPr>
+        <p:spPr/>
+        <p:txBody>
+          <a:bodyPr/>
+          <a:lstStyle/>
+          <a:p>
+            <a:fld id="{855D9AE6-DD0B-4169-9603-BADEDE1CFE1F}" type="slidenum">
+              <a:rPr lang="fr-FR" smtClean="0"/>
+              <a:pPr/>
+              <a:t>16</a:t>
+            </a:fld>
+            <a:endParaRPr lang="fr-FR" dirty="0"/>
+          </a:p>
+        </p:txBody>
+      </p:sp>
+      <p:sp>
+        <p:nvSpPr>
+          <p:cNvPr id="7" name="Espace réservé du texte 6"/>
+          <p:cNvSpPr>
+            <a:spLocks noGrp="1"/>
+          </p:cNvSpPr>
+          <p:nvPr>
+            <p:ph type="body" sz="quarter" idx="13"/>
+          </p:nvPr>
+        </p:nvSpPr>
+        <p:spPr/>
+        <p:txBody>
+          <a:bodyPr/>
+          <a:lstStyle/>
+          <a:p>
+            <a:endParaRPr lang="fr-FR"/>
+          </a:p>
+        </p:txBody>
+      </p:sp>
+    </p:spTree>
+    <p:extLst>
+      <p:ext uri="{BB962C8B-B14F-4D97-AF65-F5344CB8AC3E}">
+        <p14:creationId xmlns:p14="http://schemas.microsoft.com/office/powerpoint/2010/main" val="2728393882"/>
+      </p:ext>
+    </p:extLst>
+  </p:cSld>
+  <p:clrMapOvr>
+    <a:masterClrMapping/>
+  </p:clrMapOvr>
+  <p:timing>
+    <p:tnLst>
+      <p:par>
+        <p:cTn id="1" dur="indefinite" restart="never" nodeType="tmRoot"/>
+      </p:par>
+    </p:tnLst>
+  </p:timing>
+</p:sld>
+</file>
+
+<file path=ppt/slides/slide17.xml><?xml version="1.0" encoding="utf-8"?>
+<p:sld xmlns:a="http://schemas.openxmlformats.org/drawingml/2006/main" xmlns:r="http://schemas.openxmlformats.org/officeDocument/2006/relationships" xmlns:p="http://schemas.openxmlformats.org/presentationml/2006/main">
+  <p:cSld>
+    <p:spTree>
+      <p:nvGrpSpPr>
+        <p:cNvPr id="1" name=""/>
+        <p:cNvGrpSpPr/>
+        <p:nvPr/>
+      </p:nvGrpSpPr>
+      <p:grpSpPr>
+        <a:xfrm>
+          <a:off x="0" y="0"/>
+          <a:ext cx="0" cy="0"/>
+          <a:chOff x="0" y="0"/>
+          <a:chExt cx="0" cy="0"/>
+        </a:xfrm>
+      </p:grpSpPr>
+      <p:sp>
+        <p:nvSpPr>
+          <p:cNvPr id="2" name="Titre 1"/>
+          <p:cNvSpPr>
+            <a:spLocks noGrp="1"/>
+          </p:cNvSpPr>
+          <p:nvPr>
+            <p:ph type="title"/>
+          </p:nvPr>
+        </p:nvSpPr>
+        <p:spPr/>
+        <p:txBody>
+          <a:bodyPr/>
+          <a:lstStyle/>
+          <a:p>
+            <a:r>
+              <a:rPr lang="fr-FR" dirty="0" smtClean="0"/>
+              <a:t>Résultats</a:t>
+            </a:r>
+            <a:endParaRPr lang="fr-FR" dirty="0"/>
+          </a:p>
+        </p:txBody>
+      </p:sp>
+      <p:sp>
+        <p:nvSpPr>
+          <p:cNvPr id="3" name="Espace réservé du contenu 2"/>
+          <p:cNvSpPr>
+            <a:spLocks noGrp="1"/>
+          </p:cNvSpPr>
+          <p:nvPr>
+            <p:ph idx="1"/>
+          </p:nvPr>
+        </p:nvSpPr>
+        <p:spPr/>
+        <p:txBody>
+          <a:bodyPr/>
+          <a:lstStyle/>
+          <a:p>
+            <a:r>
+              <a:rPr lang="fr-FR" dirty="0" err="1" smtClean="0"/>
+              <a:t>Keypoints</a:t>
+            </a:r>
+            <a:endParaRPr lang="fr-FR" dirty="0" smtClean="0"/>
+          </a:p>
+          <a:p>
+            <a:pPr lvl="1"/>
+            <a:endParaRPr lang="fr-FR" dirty="0" smtClean="0"/>
+          </a:p>
+          <a:p>
+            <a:pPr lvl="1"/>
+            <a:r>
+              <a:rPr lang="fr-FR" dirty="0"/>
+              <a:t>Multi-</a:t>
+            </a:r>
+            <a:r>
+              <a:rPr lang="fr-FR" dirty="0" err="1"/>
+              <a:t>scale</a:t>
+            </a:r>
+            <a:endParaRPr lang="fr-FR" dirty="0"/>
+          </a:p>
+          <a:p>
+            <a:pPr lvl="1"/>
+            <a:r>
+              <a:rPr lang="fr-FR" dirty="0"/>
+              <a:t>Single-</a:t>
+            </a:r>
+            <a:r>
+              <a:rPr lang="fr-FR" dirty="0" err="1"/>
+              <a:t>scale</a:t>
+            </a:r>
+            <a:endParaRPr lang="fr-FR" dirty="0"/>
+          </a:p>
+          <a:p>
+            <a:endParaRPr lang="fr-FR" dirty="0"/>
+          </a:p>
+        </p:txBody>
+      </p:sp>
+      <p:sp>
+        <p:nvSpPr>
+          <p:cNvPr id="4" name="Espace réservé de la date 3"/>
+          <p:cNvSpPr>
+            <a:spLocks noGrp="1"/>
+          </p:cNvSpPr>
+          <p:nvPr>
+            <p:ph type="dt" sz="half" idx="10"/>
+          </p:nvPr>
+        </p:nvSpPr>
+        <p:spPr/>
+        <p:txBody>
+          <a:bodyPr/>
+          <a:lstStyle/>
+          <a:p>
+            <a:fld id="{7A820A8C-07D3-4B66-B122-F8194C1154B3}" type="datetime1">
+              <a:rPr lang="fr-FR" smtClean="0"/>
+              <a:t>24/02/2014</a:t>
+            </a:fld>
+            <a:endParaRPr lang="fr-FR"/>
+          </a:p>
+        </p:txBody>
+      </p:sp>
+      <p:sp>
+        <p:nvSpPr>
+          <p:cNvPr id="5" name="Espace réservé du pied de page 4"/>
+          <p:cNvSpPr>
+            <a:spLocks noGrp="1"/>
+          </p:cNvSpPr>
+          <p:nvPr>
+            <p:ph type="ftr" sz="quarter" idx="11"/>
+          </p:nvPr>
+        </p:nvSpPr>
+        <p:spPr/>
+        <p:txBody>
+          <a:bodyPr/>
+          <a:lstStyle/>
+          <a:p>
+            <a:r>
+              <a:rPr lang="fr-FR" smtClean="0"/>
+              <a:t>Guénon Marie | Favreau Jean-Dominique | Tanguy Arnaud</a:t>
+            </a:r>
+            <a:endParaRPr lang="fr-FR"/>
+          </a:p>
+        </p:txBody>
+      </p:sp>
+      <p:sp>
+        <p:nvSpPr>
+          <p:cNvPr id="6" name="Espace réservé du numéro de diapositive 5"/>
+          <p:cNvSpPr>
+            <a:spLocks noGrp="1"/>
+          </p:cNvSpPr>
+          <p:nvPr>
+            <p:ph type="sldNum" sz="quarter" idx="12"/>
+          </p:nvPr>
+        </p:nvSpPr>
+        <p:spPr/>
+        <p:txBody>
+          <a:bodyPr/>
+          <a:lstStyle/>
+          <a:p>
+            <a:fld id="{855D9AE6-DD0B-4169-9603-BADEDE1CFE1F}" type="slidenum">
+              <a:rPr lang="fr-FR" smtClean="0"/>
+              <a:pPr/>
+              <a:t>17</a:t>
+            </a:fld>
+            <a:endParaRPr lang="fr-FR" dirty="0"/>
+          </a:p>
+        </p:txBody>
+      </p:sp>
+      <p:sp>
+        <p:nvSpPr>
+          <p:cNvPr id="7" name="Espace réservé du texte 6"/>
+          <p:cNvSpPr>
+            <a:spLocks noGrp="1"/>
+          </p:cNvSpPr>
+          <p:nvPr>
+            <p:ph type="body" sz="quarter" idx="13"/>
+          </p:nvPr>
+        </p:nvSpPr>
+        <p:spPr/>
+        <p:txBody>
+          <a:bodyPr/>
+          <a:lstStyle/>
+          <a:p>
+            <a:endParaRPr lang="fr-FR"/>
+          </a:p>
+        </p:txBody>
+      </p:sp>
+      <p:pic>
+        <p:nvPicPr>
+          <p:cNvPr id="8" name="Image 7"/>
+          <p:cNvPicPr>
+            <a:picLocks noChangeAspect="1"/>
+          </p:cNvPicPr>
+          <p:nvPr/>
+        </p:nvPicPr>
+        <p:blipFill>
+          <a:blip r:embed="rId3"/>
+          <a:stretch>
+            <a:fillRect/>
+          </a:stretch>
+        </p:blipFill>
+        <p:spPr>
+          <a:xfrm>
+            <a:off x="3571194" y="1020632"/>
+            <a:ext cx="4810125" cy="5143500"/>
+          </a:xfrm>
+          <a:prstGeom prst="rect">
+            <a:avLst/>
+          </a:prstGeom>
+        </p:spPr>
+      </p:pic>
+    </p:spTree>
+    <p:extLst>
+      <p:ext uri="{BB962C8B-B14F-4D97-AF65-F5344CB8AC3E}">
+        <p14:creationId xmlns:p14="http://schemas.microsoft.com/office/powerpoint/2010/main" val="1358980940"/>
+      </p:ext>
+    </p:extLst>
+  </p:cSld>
+  <p:clrMapOvr>
+    <a:masterClrMapping/>
+  </p:clrMapOvr>
+  <p:timing>
+    <p:tnLst>
+      <p:par>
+        <p:cTn id="1" dur="indefinite" restart="never" nodeType="tmRoot"/>
+      </p:par>
+    </p:tnLst>
+  </p:timing>
+</p:sld>
+</file>
+
+<file path=ppt/slides/slide18.xml><?xml version="1.0" encoding="utf-8"?>
+<p:sld xmlns:a="http://schemas.openxmlformats.org/drawingml/2006/main" xmlns:r="http://schemas.openxmlformats.org/officeDocument/2006/relationships" xmlns:p="http://schemas.openxmlformats.org/presentationml/2006/main">
+  <p:cSld>
+    <p:spTree>
+      <p:nvGrpSpPr>
+        <p:cNvPr id="1" name=""/>
+        <p:cNvGrpSpPr/>
+        <p:nvPr/>
+      </p:nvGrpSpPr>
+      <p:grpSpPr>
+        <a:xfrm>
+          <a:off x="0" y="0"/>
+          <a:ext cx="0" cy="0"/>
+          <a:chOff x="0" y="0"/>
+          <a:chExt cx="0" cy="0"/>
+        </a:xfrm>
+      </p:grpSpPr>
+      <p:sp>
+        <p:nvSpPr>
+          <p:cNvPr id="2" name="Titre 1"/>
+          <p:cNvSpPr>
+            <a:spLocks noGrp="1"/>
+          </p:cNvSpPr>
+          <p:nvPr>
+            <p:ph type="title"/>
+          </p:nvPr>
+        </p:nvSpPr>
+        <p:spPr/>
+        <p:txBody>
+          <a:bodyPr/>
+          <a:lstStyle/>
+          <a:p>
+            <a:r>
+              <a:rPr lang="fr-FR" dirty="0" smtClean="0"/>
+              <a:t>Résultats</a:t>
+            </a:r>
+            <a:endParaRPr lang="fr-FR" dirty="0"/>
+          </a:p>
+        </p:txBody>
+      </p:sp>
+      <p:sp>
+        <p:nvSpPr>
+          <p:cNvPr id="3" name="Espace réservé du contenu 2"/>
+          <p:cNvSpPr>
+            <a:spLocks noGrp="1"/>
+          </p:cNvSpPr>
+          <p:nvPr>
+            <p:ph idx="1"/>
+          </p:nvPr>
+        </p:nvSpPr>
+        <p:spPr/>
+        <p:txBody>
+          <a:bodyPr/>
+          <a:lstStyle/>
+          <a:p>
+            <a:r>
+              <a:rPr lang="fr-FR" dirty="0" err="1" smtClean="0"/>
+              <a:t>keypoints</a:t>
+            </a:r>
+            <a:endParaRPr lang="fr-FR" dirty="0"/>
+          </a:p>
+        </p:txBody>
+      </p:sp>
+      <p:sp>
+        <p:nvSpPr>
+          <p:cNvPr id="4" name="Espace réservé de la date 3"/>
+          <p:cNvSpPr>
+            <a:spLocks noGrp="1"/>
+          </p:cNvSpPr>
+          <p:nvPr>
+            <p:ph type="dt" sz="half" idx="10"/>
+          </p:nvPr>
+        </p:nvSpPr>
+        <p:spPr/>
+        <p:txBody>
+          <a:bodyPr/>
+          <a:lstStyle/>
+          <a:p>
+            <a:fld id="{7A820A8C-07D3-4B66-B122-F8194C1154B3}" type="datetime1">
+              <a:rPr lang="fr-FR" smtClean="0"/>
+              <a:t>24/02/2014</a:t>
+            </a:fld>
+            <a:endParaRPr lang="fr-FR"/>
+          </a:p>
+        </p:txBody>
+      </p:sp>
+      <p:sp>
+        <p:nvSpPr>
+          <p:cNvPr id="5" name="Espace réservé du pied de page 4"/>
+          <p:cNvSpPr>
+            <a:spLocks noGrp="1"/>
+          </p:cNvSpPr>
+          <p:nvPr>
+            <p:ph type="ftr" sz="quarter" idx="11"/>
+          </p:nvPr>
+        </p:nvSpPr>
+        <p:spPr/>
+        <p:txBody>
+          <a:bodyPr/>
+          <a:lstStyle/>
+          <a:p>
+            <a:r>
+              <a:rPr lang="fr-FR" smtClean="0"/>
+              <a:t>Guénon Marie | Favreau Jean-Dominique | Tanguy Arnaud</a:t>
+            </a:r>
+            <a:endParaRPr lang="fr-FR"/>
+          </a:p>
+        </p:txBody>
+      </p:sp>
+      <p:sp>
+        <p:nvSpPr>
+          <p:cNvPr id="6" name="Espace réservé du numéro de diapositive 5"/>
+          <p:cNvSpPr>
+            <a:spLocks noGrp="1"/>
+          </p:cNvSpPr>
+          <p:nvPr>
+            <p:ph type="sldNum" sz="quarter" idx="12"/>
+          </p:nvPr>
+        </p:nvSpPr>
+        <p:spPr/>
+        <p:txBody>
+          <a:bodyPr/>
+          <a:lstStyle/>
+          <a:p>
+            <a:fld id="{855D9AE6-DD0B-4169-9603-BADEDE1CFE1F}" type="slidenum">
+              <a:rPr lang="fr-FR" smtClean="0"/>
+              <a:pPr/>
+              <a:t>18</a:t>
+            </a:fld>
+            <a:endParaRPr lang="fr-FR" dirty="0"/>
+          </a:p>
+        </p:txBody>
+      </p:sp>
+      <p:sp>
+        <p:nvSpPr>
+          <p:cNvPr id="7" name="Espace réservé du texte 6"/>
+          <p:cNvSpPr>
+            <a:spLocks noGrp="1"/>
+          </p:cNvSpPr>
+          <p:nvPr>
+            <p:ph type="body" sz="quarter" idx="13"/>
+          </p:nvPr>
+        </p:nvSpPr>
+        <p:spPr/>
+        <p:txBody>
+          <a:bodyPr/>
+          <a:lstStyle/>
+          <a:p>
+            <a:endParaRPr lang="fr-FR"/>
+          </a:p>
+        </p:txBody>
+      </p:sp>
+      <p:pic>
+        <p:nvPicPr>
+          <p:cNvPr id="10" name="Image 9"/>
+          <p:cNvPicPr>
+            <a:picLocks noChangeAspect="1"/>
+          </p:cNvPicPr>
+          <p:nvPr/>
+        </p:nvPicPr>
+        <p:blipFill>
+          <a:blip r:embed="rId3"/>
+          <a:stretch>
+            <a:fillRect/>
+          </a:stretch>
+        </p:blipFill>
+        <p:spPr>
+          <a:xfrm>
+            <a:off x="551543" y="2938373"/>
+            <a:ext cx="8298769" cy="2956241"/>
+          </a:xfrm>
+          <a:prstGeom prst="rect">
+            <a:avLst/>
+          </a:prstGeom>
+        </p:spPr>
+      </p:pic>
+    </p:spTree>
+    <p:extLst>
+      <p:ext uri="{BB962C8B-B14F-4D97-AF65-F5344CB8AC3E}">
+        <p14:creationId xmlns:p14="http://schemas.microsoft.com/office/powerpoint/2010/main" val="2489443009"/>
+      </p:ext>
+    </p:extLst>
+  </p:cSld>
+  <p:clrMapOvr>
+    <a:masterClrMapping/>
+  </p:clrMapOvr>
+  <p:timing>
+    <p:tnLst>
+      <p:par>
+        <p:cTn id="1" dur="indefinite" restart="never" nodeType="tmRoot"/>
+      </p:par>
+    </p:tnLst>
+  </p:timing>
+</p:sld>
+</file>
+
+<file path=ppt/slides/slide19.xml><?xml version="1.0" encoding="utf-8"?>
+<p:sld xmlns:a="http://schemas.openxmlformats.org/drawingml/2006/main" xmlns:r="http://schemas.openxmlformats.org/officeDocument/2006/relationships" xmlns:p="http://schemas.openxmlformats.org/presentationml/2006/main">
+  <p:cSld>
+    <p:spTree>
+      <p:nvGrpSpPr>
+        <p:cNvPr id="1" name=""/>
+        <p:cNvGrpSpPr/>
+        <p:nvPr/>
+      </p:nvGrpSpPr>
+      <p:grpSpPr>
+        <a:xfrm>
+          <a:off x="0" y="0"/>
+          <a:ext cx="0" cy="0"/>
+          <a:chOff x="0" y="0"/>
+          <a:chExt cx="0" cy="0"/>
+        </a:xfrm>
+      </p:grpSpPr>
+      <p:sp>
+        <p:nvSpPr>
+          <p:cNvPr id="2" name="Titre 1"/>
+          <p:cNvSpPr>
+            <a:spLocks noGrp="1"/>
+          </p:cNvSpPr>
+          <p:nvPr>
+            <p:ph type="title"/>
+          </p:nvPr>
+        </p:nvSpPr>
+        <p:spPr/>
+        <p:txBody>
+          <a:bodyPr/>
+          <a:lstStyle/>
+          <a:p>
+            <a:r>
+              <a:rPr lang="fr-FR" dirty="0" err="1" smtClean="0"/>
+              <a:t>Résulats</a:t>
+            </a:r>
+            <a:endParaRPr lang="fr-FR" dirty="0"/>
+          </a:p>
+        </p:txBody>
+      </p:sp>
+      <p:sp>
+        <p:nvSpPr>
+          <p:cNvPr id="3" name="Espace réservé du contenu 2"/>
+          <p:cNvSpPr>
+            <a:spLocks noGrp="1"/>
+          </p:cNvSpPr>
+          <p:nvPr>
+            <p:ph idx="1"/>
+          </p:nvPr>
+        </p:nvSpPr>
+        <p:spPr/>
+        <p:txBody>
+          <a:bodyPr/>
+          <a:lstStyle/>
+          <a:p>
+            <a:r>
+              <a:rPr lang="fr-FR" dirty="0" err="1" smtClean="0"/>
+              <a:t>keypoints</a:t>
+            </a:r>
+            <a:endParaRPr lang="fr-FR" dirty="0"/>
+          </a:p>
+        </p:txBody>
+      </p:sp>
+      <p:sp>
+        <p:nvSpPr>
+          <p:cNvPr id="4" name="Espace réservé de la date 3"/>
+          <p:cNvSpPr>
+            <a:spLocks noGrp="1"/>
+          </p:cNvSpPr>
+          <p:nvPr>
+            <p:ph type="dt" sz="half" idx="10"/>
+          </p:nvPr>
+        </p:nvSpPr>
+        <p:spPr/>
+        <p:txBody>
+          <a:bodyPr/>
+          <a:lstStyle/>
+          <a:p>
+            <a:fld id="{7A820A8C-07D3-4B66-B122-F8194C1154B3}" type="datetime1">
+              <a:rPr lang="fr-FR" smtClean="0"/>
+              <a:t>24/02/2014</a:t>
+            </a:fld>
+            <a:endParaRPr lang="fr-FR"/>
+          </a:p>
+        </p:txBody>
+      </p:sp>
+      <p:sp>
+        <p:nvSpPr>
+          <p:cNvPr id="5" name="Espace réservé du pied de page 4"/>
+          <p:cNvSpPr>
+            <a:spLocks noGrp="1"/>
+          </p:cNvSpPr>
+          <p:nvPr>
+            <p:ph type="ftr" sz="quarter" idx="11"/>
+          </p:nvPr>
+        </p:nvSpPr>
+        <p:spPr/>
+        <p:txBody>
+          <a:bodyPr/>
+          <a:lstStyle/>
+          <a:p>
+            <a:r>
+              <a:rPr lang="fr-FR" smtClean="0"/>
+              <a:t>Guénon Marie | Favreau Jean-Dominique | Tanguy Arnaud</a:t>
+            </a:r>
+            <a:endParaRPr lang="fr-FR"/>
+          </a:p>
+        </p:txBody>
+      </p:sp>
+      <p:sp>
+        <p:nvSpPr>
+          <p:cNvPr id="6" name="Espace réservé du numéro de diapositive 5"/>
+          <p:cNvSpPr>
+            <a:spLocks noGrp="1"/>
+          </p:cNvSpPr>
+          <p:nvPr>
+            <p:ph type="sldNum" sz="quarter" idx="12"/>
+          </p:nvPr>
+        </p:nvSpPr>
+        <p:spPr/>
+        <p:txBody>
+          <a:bodyPr/>
+          <a:lstStyle/>
+          <a:p>
+            <a:fld id="{855D9AE6-DD0B-4169-9603-BADEDE1CFE1F}" type="slidenum">
+              <a:rPr lang="fr-FR" smtClean="0"/>
+              <a:pPr/>
+              <a:t>19</a:t>
+            </a:fld>
+            <a:endParaRPr lang="fr-FR" dirty="0"/>
+          </a:p>
+        </p:txBody>
+      </p:sp>
+      <p:sp>
+        <p:nvSpPr>
+          <p:cNvPr id="7" name="Espace réservé du texte 6"/>
+          <p:cNvSpPr>
+            <a:spLocks noGrp="1"/>
+          </p:cNvSpPr>
+          <p:nvPr>
+            <p:ph type="body" sz="quarter" idx="13"/>
+          </p:nvPr>
+        </p:nvSpPr>
+        <p:spPr/>
+        <p:txBody>
+          <a:bodyPr/>
+          <a:lstStyle/>
+          <a:p>
+            <a:endParaRPr lang="fr-FR"/>
+          </a:p>
+        </p:txBody>
+      </p:sp>
+      <p:pic>
+        <p:nvPicPr>
+          <p:cNvPr id="9" name="Image 8"/>
+          <p:cNvPicPr>
+            <a:picLocks noChangeAspect="1"/>
+          </p:cNvPicPr>
+          <p:nvPr/>
+        </p:nvPicPr>
+        <p:blipFill>
+          <a:blip r:embed="rId3"/>
+          <a:stretch>
+            <a:fillRect/>
+          </a:stretch>
+        </p:blipFill>
+        <p:spPr>
+          <a:xfrm>
+            <a:off x="1930399" y="3024506"/>
+            <a:ext cx="5405761" cy="3139626"/>
+          </a:xfrm>
+          <a:prstGeom prst="rect">
+            <a:avLst/>
+          </a:prstGeom>
+        </p:spPr>
+      </p:pic>
+    </p:spTree>
+    <p:extLst>
+      <p:ext uri="{BB962C8B-B14F-4D97-AF65-F5344CB8AC3E}">
+        <p14:creationId xmlns:p14="http://schemas.microsoft.com/office/powerpoint/2010/main" val="2890974030"/>
+      </p:ext>
+    </p:extLst>
+  </p:cSld>
+  <p:clrMapOvr>
+    <a:masterClrMapping/>
+  </p:clrMapOvr>
+  <p:timing>
+    <p:tnLst>
+      <p:par>
+        <p:cTn id="1" dur="indefinite" restart="never" nodeType="tmRoot"/>
+      </p:par>
+    </p:tnLst>
+  </p:timing>
+</p:sld>
+</file>
+
+<file path=ppt/slides/slide2.xml><?xml version="1.0" encoding="utf-8"?>
+<p:sld xmlns:a="http://schemas.openxmlformats.org/drawingml/2006/main" xmlns:r="http://schemas.openxmlformats.org/officeDocument/2006/relationships" xmlns:p="http://schemas.openxmlformats.org/presentationml/2006/main">
+  <p:cSld>
+    <p:spTree>
+      <p:nvGrpSpPr>
+        <p:cNvPr id="1" name=""/>
+        <p:cNvGrpSpPr/>
+        <p:nvPr/>
+      </p:nvGrpSpPr>
+      <p:grpSpPr>
+        <a:xfrm>
+          <a:off x="0" y="0"/>
+          <a:ext cx="0" cy="0"/>
+          <a:chOff x="0" y="0"/>
+          <a:chExt cx="0" cy="0"/>
+        </a:xfrm>
+      </p:grpSpPr>
+      <p:sp>
+        <p:nvSpPr>
+          <p:cNvPr id="2" name="Titre 1"/>
+          <p:cNvSpPr>
+            <a:spLocks noGrp="1"/>
+          </p:cNvSpPr>
+          <p:nvPr>
+            <p:ph type="title"/>
+          </p:nvPr>
+        </p:nvSpPr>
+        <p:spPr/>
+        <p:txBody>
+          <a:bodyPr/>
+          <a:lstStyle/>
+          <a:p>
+            <a:r>
+              <a:rPr lang="fr-FR" dirty="0" smtClean="0"/>
+              <a:t>Introduction</a:t>
+            </a:r>
+            <a:endParaRPr lang="fr-FR" dirty="0"/>
+          </a:p>
+        </p:txBody>
+      </p:sp>
+      <p:sp>
+        <p:nvSpPr>
+          <p:cNvPr id="3" name="Espace réservé du contenu 2"/>
+          <p:cNvSpPr>
+            <a:spLocks noGrp="1"/>
+          </p:cNvSpPr>
+          <p:nvPr>
+            <p:ph idx="1"/>
+          </p:nvPr>
+        </p:nvSpPr>
+        <p:spPr/>
+        <p:txBody>
+          <a:bodyPr/>
+          <a:lstStyle/>
+          <a:p>
+            <a:endParaRPr lang="fr-FR"/>
+          </a:p>
+        </p:txBody>
+      </p:sp>
+      <p:sp>
+        <p:nvSpPr>
+          <p:cNvPr id="5" name="Espace réservé de la date 4"/>
+          <p:cNvSpPr>
+            <a:spLocks noGrp="1"/>
+          </p:cNvSpPr>
+          <p:nvPr>
+            <p:ph type="dt" sz="half" idx="10"/>
+          </p:nvPr>
+        </p:nvSpPr>
+        <p:spPr/>
+        <p:txBody>
+          <a:bodyPr/>
+          <a:lstStyle/>
+          <a:p>
+            <a:fld id="{92E85FFA-5A66-462E-AC90-B6B0254965D2}" type="datetime1">
+              <a:rPr lang="fr-FR" smtClean="0"/>
+              <a:t>24/02/2014</a:t>
+            </a:fld>
+            <a:endParaRPr lang="fr-FR"/>
+          </a:p>
+        </p:txBody>
+      </p:sp>
+      <p:sp>
+        <p:nvSpPr>
+          <p:cNvPr id="6" name="Espace réservé du pied de page 5"/>
+          <p:cNvSpPr>
+            <a:spLocks noGrp="1"/>
+          </p:cNvSpPr>
+          <p:nvPr>
+            <p:ph type="ftr" sz="quarter" idx="11"/>
+          </p:nvPr>
+        </p:nvSpPr>
+        <p:spPr/>
+        <p:txBody>
+          <a:bodyPr/>
+          <a:lstStyle/>
+          <a:p>
+            <a:r>
+              <a:rPr lang="fr-FR" dirty="0" smtClean="0"/>
+              <a:t>Guénon Marie | Favreau Jean-Dominique | Tanguy Arnaud</a:t>
+            </a:r>
+            <a:endParaRPr lang="fr-FR" dirty="0"/>
+          </a:p>
+        </p:txBody>
+      </p:sp>
+      <p:sp>
+        <p:nvSpPr>
+          <p:cNvPr id="4" name="Espace réservé du numéro de diapositive 3"/>
+          <p:cNvSpPr>
+            <a:spLocks noGrp="1"/>
+          </p:cNvSpPr>
+          <p:nvPr>
+            <p:ph type="sldNum" sz="quarter" idx="12"/>
+          </p:nvPr>
+        </p:nvSpPr>
+        <p:spPr/>
+        <p:txBody>
+          <a:bodyPr/>
+          <a:lstStyle/>
+          <a:p>
+            <a:fld id="{855D9AE6-DD0B-4169-9603-BADEDE1CFE1F}" type="slidenum">
+              <a:rPr lang="fr-FR" smtClean="0"/>
+              <a:t>2</a:t>
+            </a:fld>
+            <a:endParaRPr lang="fr-FR"/>
+          </a:p>
+        </p:txBody>
+      </p:sp>
+      <p:pic>
+        <p:nvPicPr>
+          <p:cNvPr id="7" name="Image 6"/>
+          <p:cNvPicPr>
+            <a:picLocks noChangeAspect="1"/>
+          </p:cNvPicPr>
+          <p:nvPr/>
+        </p:nvPicPr>
+        <p:blipFill>
+          <a:blip r:embed="rId3"/>
+          <a:stretch>
+            <a:fillRect/>
+          </a:stretch>
+        </p:blipFill>
+        <p:spPr>
+          <a:xfrm>
+            <a:off x="402771" y="4661705"/>
+            <a:ext cx="7881258" cy="1577791"/>
+          </a:xfrm>
+          <a:prstGeom prst="rect">
+            <a:avLst/>
+          </a:prstGeom>
+        </p:spPr>
+      </p:pic>
+    </p:spTree>
+    <p:extLst>
+      <p:ext uri="{BB962C8B-B14F-4D97-AF65-F5344CB8AC3E}">
+        <p14:creationId xmlns:p14="http://schemas.microsoft.com/office/powerpoint/2010/main" val="4281426717"/>
+      </p:ext>
+    </p:extLst>
+  </p:cSld>
+  <p:clrMapOvr>
+    <a:masterClrMapping/>
+  </p:clrMapOvr>
+  <p:timing>
+    <p:tnLst>
+      <p:par>
+        <p:cTn id="1" dur="indefinite" restart="never" nodeType="tmRoot"/>
+      </p:par>
+    </p:tnLst>
+  </p:timing>
+</p:sld>
+</file>
+
+<file path=ppt/slides/slide20.xml><?xml version="1.0" encoding="utf-8"?>
+<p:sld xmlns:a="http://schemas.openxmlformats.org/drawingml/2006/main" xmlns:r="http://schemas.openxmlformats.org/officeDocument/2006/relationships" xmlns:p="http://schemas.openxmlformats.org/presentationml/2006/main">
+  <p:cSld>
+    <p:spTree>
+      <p:nvGrpSpPr>
+        <p:cNvPr id="1" name=""/>
+        <p:cNvGrpSpPr/>
+        <p:nvPr/>
+      </p:nvGrpSpPr>
+      <p:grpSpPr>
+        <a:xfrm>
+          <a:off x="0" y="0"/>
+          <a:ext cx="0" cy="0"/>
+          <a:chOff x="0" y="0"/>
+          <a:chExt cx="0" cy="0"/>
+        </a:xfrm>
+      </p:grpSpPr>
+      <p:sp>
+        <p:nvSpPr>
+          <p:cNvPr id="2" name="Titre 1"/>
+          <p:cNvSpPr>
+            <a:spLocks noGrp="1"/>
+          </p:cNvSpPr>
+          <p:nvPr>
+            <p:ph type="title"/>
+          </p:nvPr>
+        </p:nvSpPr>
+        <p:spPr/>
+        <p:txBody>
+          <a:bodyPr/>
+          <a:lstStyle/>
+          <a:p>
+            <a:r>
+              <a:rPr lang="fr-FR" dirty="0" smtClean="0"/>
+              <a:t>Résultats</a:t>
+            </a:r>
+            <a:endParaRPr lang="fr-FR" dirty="0"/>
+          </a:p>
+        </p:txBody>
+      </p:sp>
+      <p:sp>
+        <p:nvSpPr>
+          <p:cNvPr id="3" name="Espace réservé du contenu 2"/>
+          <p:cNvSpPr>
+            <a:spLocks noGrp="1"/>
+          </p:cNvSpPr>
+          <p:nvPr>
+            <p:ph idx="1"/>
+          </p:nvPr>
+        </p:nvSpPr>
+        <p:spPr/>
+        <p:txBody>
+          <a:bodyPr/>
+          <a:lstStyle/>
+          <a:p>
+            <a:r>
+              <a:rPr lang="fr-FR" dirty="0" err="1" smtClean="0"/>
+              <a:t>Landmarks</a:t>
+            </a:r>
+            <a:endParaRPr lang="fr-FR" dirty="0"/>
+          </a:p>
+        </p:txBody>
+      </p:sp>
+      <p:sp>
+        <p:nvSpPr>
+          <p:cNvPr id="4" name="Espace réservé de la date 3"/>
+          <p:cNvSpPr>
+            <a:spLocks noGrp="1"/>
+          </p:cNvSpPr>
+          <p:nvPr>
+            <p:ph type="dt" sz="half" idx="10"/>
+          </p:nvPr>
+        </p:nvSpPr>
+        <p:spPr/>
+        <p:txBody>
+          <a:bodyPr/>
+          <a:lstStyle/>
+          <a:p>
+            <a:fld id="{7A820A8C-07D3-4B66-B122-F8194C1154B3}" type="datetime1">
+              <a:rPr lang="fr-FR" smtClean="0"/>
+              <a:t>24/02/2014</a:t>
+            </a:fld>
+            <a:endParaRPr lang="fr-FR"/>
+          </a:p>
+        </p:txBody>
+      </p:sp>
+      <p:sp>
+        <p:nvSpPr>
+          <p:cNvPr id="5" name="Espace réservé du pied de page 4"/>
+          <p:cNvSpPr>
+            <a:spLocks noGrp="1"/>
+          </p:cNvSpPr>
+          <p:nvPr>
+            <p:ph type="ftr" sz="quarter" idx="11"/>
+          </p:nvPr>
+        </p:nvSpPr>
+        <p:spPr/>
+        <p:txBody>
+          <a:bodyPr/>
+          <a:lstStyle/>
+          <a:p>
+            <a:r>
+              <a:rPr lang="fr-FR" smtClean="0"/>
+              <a:t>Guénon Marie | Favreau Jean-Dominique | Tanguy Arnaud</a:t>
+            </a:r>
+            <a:endParaRPr lang="fr-FR"/>
+          </a:p>
+        </p:txBody>
+      </p:sp>
+      <p:sp>
+        <p:nvSpPr>
+          <p:cNvPr id="6" name="Espace réservé du numéro de diapositive 5"/>
+          <p:cNvSpPr>
+            <a:spLocks noGrp="1"/>
+          </p:cNvSpPr>
+          <p:nvPr>
+            <p:ph type="sldNum" sz="quarter" idx="12"/>
+          </p:nvPr>
+        </p:nvSpPr>
+        <p:spPr/>
+        <p:txBody>
+          <a:bodyPr/>
+          <a:lstStyle/>
+          <a:p>
+            <a:fld id="{855D9AE6-DD0B-4169-9603-BADEDE1CFE1F}" type="slidenum">
+              <a:rPr lang="fr-FR" smtClean="0"/>
+              <a:pPr/>
+              <a:t>20</a:t>
+            </a:fld>
+            <a:endParaRPr lang="fr-FR" dirty="0"/>
+          </a:p>
+        </p:txBody>
+      </p:sp>
+      <p:sp>
+        <p:nvSpPr>
+          <p:cNvPr id="7" name="Espace réservé du texte 6"/>
+          <p:cNvSpPr>
+            <a:spLocks noGrp="1"/>
+          </p:cNvSpPr>
+          <p:nvPr>
+            <p:ph type="body" sz="quarter" idx="13"/>
+          </p:nvPr>
+        </p:nvSpPr>
+        <p:spPr/>
+        <p:txBody>
+          <a:bodyPr/>
+          <a:lstStyle/>
+          <a:p>
+            <a:endParaRPr lang="fr-FR"/>
+          </a:p>
+        </p:txBody>
+      </p:sp>
+      <p:pic>
+        <p:nvPicPr>
+          <p:cNvPr id="9" name="Image 8"/>
+          <p:cNvPicPr>
+            <a:picLocks noChangeAspect="1"/>
+          </p:cNvPicPr>
+          <p:nvPr/>
+        </p:nvPicPr>
+        <p:blipFill>
+          <a:blip r:embed="rId2"/>
+          <a:stretch>
+            <a:fillRect/>
+          </a:stretch>
+        </p:blipFill>
+        <p:spPr>
+          <a:xfrm>
+            <a:off x="608012" y="3021937"/>
+            <a:ext cx="7953375" cy="3019425"/>
+          </a:xfrm>
+          <a:prstGeom prst="rect">
+            <a:avLst/>
+          </a:prstGeom>
+        </p:spPr>
+      </p:pic>
+    </p:spTree>
+    <p:extLst>
+      <p:ext uri="{BB962C8B-B14F-4D97-AF65-F5344CB8AC3E}">
+        <p14:creationId xmlns:p14="http://schemas.microsoft.com/office/powerpoint/2010/main" val="3201820051"/>
+      </p:ext>
+    </p:extLst>
+  </p:cSld>
+  <p:clrMapOvr>
+    <a:masterClrMapping/>
+  </p:clrMapOvr>
+  <p:timing>
+    <p:tnLst>
+      <p:par>
+        <p:cTn id="1" dur="indefinite" restart="never" nodeType="tmRoot"/>
+      </p:par>
+    </p:tnLst>
+  </p:timing>
+</p:sld>
+</file>
+
+<file path=ppt/slides/slide21.xml><?xml version="1.0" encoding="utf-8"?>
+<p:sld xmlns:a="http://schemas.openxmlformats.org/drawingml/2006/main" xmlns:r="http://schemas.openxmlformats.org/officeDocument/2006/relationships" xmlns:p="http://schemas.openxmlformats.org/presentationml/2006/main">
+  <p:cSld>
+    <p:spTree>
+      <p:nvGrpSpPr>
+        <p:cNvPr id="1" name=""/>
+        <p:cNvGrpSpPr/>
+        <p:nvPr/>
+      </p:nvGrpSpPr>
+      <p:grpSpPr>
+        <a:xfrm>
+          <a:off x="0" y="0"/>
+          <a:ext cx="0" cy="0"/>
+          <a:chOff x="0" y="0"/>
+          <a:chExt cx="0" cy="0"/>
+        </a:xfrm>
+      </p:grpSpPr>
+      <p:sp>
+        <p:nvSpPr>
+          <p:cNvPr id="5" name="Espace réservé du pied de page 4"/>
+          <p:cNvSpPr>
+            <a:spLocks noGrp="1"/>
+          </p:cNvSpPr>
+          <p:nvPr>
+            <p:ph type="ftr" sz="quarter" idx="11"/>
+          </p:nvPr>
+        </p:nvSpPr>
+        <p:spPr/>
+        <p:txBody>
+          <a:bodyPr/>
+          <a:lstStyle/>
+          <a:p>
+            <a:r>
+              <a:rPr lang="fr-FR" smtClean="0"/>
+              <a:t>Guénon Marie | Favreau Jean-Dominique | Tanguy Arnaud</a:t>
+            </a:r>
+            <a:endParaRPr lang="fr-FR"/>
+          </a:p>
+        </p:txBody>
+      </p:sp>
+      <p:sp>
+        <p:nvSpPr>
+          <p:cNvPr id="6" name="Espace réservé du numéro de diapositive 5"/>
+          <p:cNvSpPr>
+            <a:spLocks noGrp="1"/>
+          </p:cNvSpPr>
+          <p:nvPr>
+            <p:ph type="sldNum" sz="quarter" idx="12"/>
+          </p:nvPr>
+        </p:nvSpPr>
+        <p:spPr/>
+        <p:txBody>
+          <a:bodyPr/>
+          <a:lstStyle/>
+          <a:p>
+            <a:fld id="{855D9AE6-DD0B-4169-9603-BADEDE1CFE1F}" type="slidenum">
+              <a:rPr lang="fr-FR" smtClean="0"/>
+              <a:pPr/>
+              <a:t>21</a:t>
             </a:fld>
             <a:endParaRPr lang="fr-FR" dirty="0"/>
           </a:p>
@@ -7934,7 +10479,7 @@
 </p:sld>
 </file>
 
-<file path=ppt/slides/slide11.xml><?xml version="1.0" encoding="utf-8"?>
+<file path=ppt/slides/slide22.xml><?xml version="1.0" encoding="utf-8"?>
 <p:sld xmlns:a="http://schemas.openxmlformats.org/drawingml/2006/main" xmlns:r="http://schemas.openxmlformats.org/officeDocument/2006/relationships" xmlns:p="http://schemas.openxmlformats.org/presentationml/2006/main">
   <p:cSld>
     <p:spTree>
@@ -8061,7 +10606,7 @@
             <a:fld id="{855D9AE6-DD0B-4169-9603-BADEDE1CFE1F}" type="slidenum">
               <a:rPr lang="fr-FR" smtClean="0"/>
               <a:pPr/>
-              <a:t>11</a:t>
+              <a:t>22</a:t>
             </a:fld>
             <a:endParaRPr lang="fr-FR" dirty="0"/>
           </a:p>
@@ -8130,7 +10675,7 @@
 </p:sld>
 </file>
 
-<file path=ppt/slides/slide12.xml><?xml version="1.0" encoding="utf-8"?>
+<file path=ppt/slides/slide23.xml><?xml version="1.0" encoding="utf-8"?>
 <p:sld xmlns:a="http://schemas.openxmlformats.org/drawingml/2006/main" xmlns:r="http://schemas.openxmlformats.org/officeDocument/2006/relationships" xmlns:p="http://schemas.openxmlformats.org/presentationml/2006/main">
   <p:cSld>
     <p:spTree>
@@ -8265,7 +10810,7 @@
             <a:fld id="{855D9AE6-DD0B-4169-9603-BADEDE1CFE1F}" type="slidenum">
               <a:rPr lang="fr-FR" smtClean="0"/>
               <a:pPr/>
-              <a:t>12</a:t>
+              <a:t>23</a:t>
             </a:fld>
             <a:endParaRPr lang="fr-FR" dirty="0"/>
           </a:p>
@@ -8330,7 +10875,7 @@
         </p:blipFill>
         <p:spPr>
           <a:xfrm>
-            <a:off x="987782" y="4603684"/>
+            <a:off x="987782" y="4608447"/>
             <a:ext cx="8029575" cy="666750"/>
           </a:xfrm>
           <a:prstGeom prst="rect">
@@ -8358,7 +10903,7 @@
 </p:sld>
 </file>
 
-<file path=ppt/slides/slide13.xml><?xml version="1.0" encoding="utf-8"?>
+<file path=ppt/slides/slide24.xml><?xml version="1.0" encoding="utf-8"?>
 <p:sld xmlns:a="http://schemas.openxmlformats.org/drawingml/2006/main" xmlns:r="http://schemas.openxmlformats.org/officeDocument/2006/relationships" xmlns:p="http://schemas.openxmlformats.org/presentationml/2006/main">
   <p:cSld>
     <p:spTree>
@@ -8480,7 +11025,7 @@
           <a:p>
             <a:fld id="{855D9AE6-DD0B-4169-9603-BADEDE1CFE1F}" type="slidenum">
               <a:rPr lang="fr-FR" smtClean="0"/>
-              <a:t>13</a:t>
+              <a:t>24</a:t>
             </a:fld>
             <a:endParaRPr lang="fr-FR"/>
           </a:p>
@@ -8506,7 +11051,7 @@
 </p:sld>
 </file>
 
-<file path=ppt/slides/slide14.xml><?xml version="1.0" encoding="utf-8"?>
+<file path=ppt/slides/slide25.xml><?xml version="1.0" encoding="utf-8"?>
 <p:sld xmlns:a="http://schemas.openxmlformats.org/drawingml/2006/main" xmlns:r="http://schemas.openxmlformats.org/officeDocument/2006/relationships" xmlns:p="http://schemas.openxmlformats.org/presentationml/2006/main">
   <p:cSld>
     <p:spTree>
@@ -8664,7 +11209,7 @@
           <a:p>
             <a:fld id="{855D9AE6-DD0B-4169-9603-BADEDE1CFE1F}" type="slidenum">
               <a:rPr lang="fr-FR" smtClean="0"/>
-              <a:t>14</a:t>
+              <a:t>25</a:t>
             </a:fld>
             <a:endParaRPr lang="fr-FR"/>
           </a:p>
@@ -8690,7 +11235,7 @@
 </p:sld>
 </file>
 
-<file path=ppt/slides/slide15.xml><?xml version="1.0" encoding="utf-8"?>
+<file path=ppt/slides/slide26.xml><?xml version="1.0" encoding="utf-8"?>
 <p:sld xmlns:a="http://schemas.openxmlformats.org/drawingml/2006/main" xmlns:r="http://schemas.openxmlformats.org/officeDocument/2006/relationships" xmlns:p="http://schemas.openxmlformats.org/presentationml/2006/main">
   <p:cSld>
     <p:spTree>
@@ -8793,7 +11338,7 @@
           <a:p>
             <a:fld id="{855D9AE6-DD0B-4169-9603-BADEDE1CFE1F}" type="slidenum">
               <a:rPr lang="fr-FR" smtClean="0"/>
-              <a:t>15</a:t>
+              <a:t>26</a:t>
             </a:fld>
             <a:endParaRPr lang="fr-FR"/>
           </a:p>
@@ -8862,178 +11407,6 @@
 </p:sld>
 </file>
 
-<file path=ppt/slides/slide2.xml><?xml version="1.0" encoding="utf-8"?>
-<p:sld xmlns:a="http://schemas.openxmlformats.org/drawingml/2006/main" xmlns:r="http://schemas.openxmlformats.org/officeDocument/2006/relationships" xmlns:p="http://schemas.openxmlformats.org/presentationml/2006/main">
-  <p:cSld>
-    <p:spTree>
-      <p:nvGrpSpPr>
-        <p:cNvPr id="1" name=""/>
-        <p:cNvGrpSpPr/>
-        <p:nvPr/>
-      </p:nvGrpSpPr>
-      <p:grpSpPr>
-        <a:xfrm>
-          <a:off x="0" y="0"/>
-          <a:ext cx="0" cy="0"/>
-          <a:chOff x="0" y="0"/>
-          <a:chExt cx="0" cy="0"/>
-        </a:xfrm>
-      </p:grpSpPr>
-      <p:sp>
-        <p:nvSpPr>
-          <p:cNvPr id="2" name="Titre 1"/>
-          <p:cNvSpPr>
-            <a:spLocks noGrp="1"/>
-          </p:cNvSpPr>
-          <p:nvPr>
-            <p:ph type="title"/>
-          </p:nvPr>
-        </p:nvSpPr>
-        <p:spPr/>
-        <p:txBody>
-          <a:bodyPr/>
-          <a:lstStyle/>
-          <a:p>
-            <a:r>
-              <a:rPr lang="fr-FR" dirty="0" smtClean="0"/>
-              <a:t>Introduction</a:t>
-            </a:r>
-            <a:endParaRPr lang="fr-FR" dirty="0"/>
-          </a:p>
-        </p:txBody>
-      </p:sp>
-      <p:sp>
-        <p:nvSpPr>
-          <p:cNvPr id="3" name="Espace réservé du contenu 2"/>
-          <p:cNvSpPr>
-            <a:spLocks noGrp="1"/>
-          </p:cNvSpPr>
-          <p:nvPr>
-            <p:ph idx="1"/>
-          </p:nvPr>
-        </p:nvSpPr>
-        <p:spPr/>
-        <p:txBody>
-          <a:bodyPr/>
-          <a:lstStyle/>
-          <a:p>
-            <a:endParaRPr lang="fr-FR"/>
-          </a:p>
-        </p:txBody>
-      </p:sp>
-      <p:sp>
-        <p:nvSpPr>
-          <p:cNvPr id="5" name="Espace réservé de la date 4"/>
-          <p:cNvSpPr>
-            <a:spLocks noGrp="1"/>
-          </p:cNvSpPr>
-          <p:nvPr>
-            <p:ph type="dt" sz="half" idx="10"/>
-          </p:nvPr>
-        </p:nvSpPr>
-        <p:spPr/>
-        <p:txBody>
-          <a:bodyPr/>
-          <a:lstStyle/>
-          <a:p>
-            <a:fld id="{92E85FFA-5A66-462E-AC90-B6B0254965D2}" type="datetime1">
-              <a:rPr lang="fr-FR" smtClean="0"/>
-              <a:t>24/02/2014</a:t>
-            </a:fld>
-            <a:endParaRPr lang="fr-FR"/>
-          </a:p>
-        </p:txBody>
-      </p:sp>
-      <p:sp>
-        <p:nvSpPr>
-          <p:cNvPr id="6" name="Espace réservé du pied de page 5"/>
-          <p:cNvSpPr>
-            <a:spLocks noGrp="1"/>
-          </p:cNvSpPr>
-          <p:nvPr>
-            <p:ph type="ftr" sz="quarter" idx="11"/>
-          </p:nvPr>
-        </p:nvSpPr>
-        <p:spPr/>
-        <p:txBody>
-          <a:bodyPr/>
-          <a:lstStyle/>
-          <a:p>
-            <a:r>
-              <a:rPr lang="fr-FR" dirty="0" smtClean="0"/>
-              <a:t>Guénon Marie | Favreau Jean-Dominique | Tanguy Arnaud</a:t>
-            </a:r>
-            <a:endParaRPr lang="fr-FR" dirty="0"/>
-          </a:p>
-        </p:txBody>
-      </p:sp>
-      <p:sp>
-        <p:nvSpPr>
-          <p:cNvPr id="4" name="Espace réservé du numéro de diapositive 3"/>
-          <p:cNvSpPr>
-            <a:spLocks noGrp="1"/>
-          </p:cNvSpPr>
-          <p:nvPr>
-            <p:ph type="sldNum" sz="quarter" idx="12"/>
-          </p:nvPr>
-        </p:nvSpPr>
-        <p:spPr/>
-        <p:txBody>
-          <a:bodyPr/>
-          <a:lstStyle/>
-          <a:p>
-            <a:fld id="{855D9AE6-DD0B-4169-9603-BADEDE1CFE1F}" type="slidenum">
-              <a:rPr lang="fr-FR" smtClean="0"/>
-              <a:t>2</a:t>
-            </a:fld>
-            <a:endParaRPr lang="fr-FR"/>
-          </a:p>
-        </p:txBody>
-      </p:sp>
-      <p:pic>
-        <p:nvPicPr>
-          <p:cNvPr id="7" name="Image 6"/>
-          <p:cNvPicPr>
-            <a:picLocks noChangeAspect="1"/>
-          </p:cNvPicPr>
-          <p:nvPr/>
-        </p:nvPicPr>
-        <p:blipFill>
-          <a:blip r:embed="rId3"/>
-          <a:stretch>
-            <a:fillRect/>
-          </a:stretch>
-        </p:blipFill>
-        <p:spPr>
-          <a:xfrm>
-            <a:off x="402771" y="4661705"/>
-            <a:ext cx="7881258" cy="1577791"/>
-          </a:xfrm>
-          <a:prstGeom prst="rect">
-            <a:avLst/>
-          </a:prstGeom>
-        </p:spPr>
-      </p:pic>
-    </p:spTree>
-    <p:extLst>
-      <p:ext uri="{BB962C8B-B14F-4D97-AF65-F5344CB8AC3E}">
-        <p14:creationId xmlns:p14="http://schemas.microsoft.com/office/powerpoint/2010/main" val="4281426717"/>
-      </p:ext>
-    </p:extLst>
-  </p:cSld>
-  <p:clrMapOvr>
-    <a:masterClrMapping/>
-  </p:clrMapOvr>
-  <p:timing>
-    <p:tnLst>
-      <p:par>
-        <p:cTn id="1" dur="indefinite" restart="never" nodeType="tmRoot"/>
-      </p:par>
-    </p:tnLst>
-  </p:timing>
-</p:sld>
-</file>
-
 <file path=ppt/slides/slide3.xml><?xml version="1.0" encoding="utf-8"?>
 <p:sld xmlns:a="http://schemas.openxmlformats.org/drawingml/2006/main" xmlns:r="http://schemas.openxmlformats.org/officeDocument/2006/relationships" xmlns:p="http://schemas.openxmlformats.org/presentationml/2006/main">
   <p:cSld>
@@ -9087,7 +11460,7 @@
         <p:spPr/>
         <p:txBody>
           <a:bodyPr>
-            <a:normAutofit lnSpcReduction="10000"/>
+            <a:normAutofit/>
           </a:bodyPr>
           <a:lstStyle/>
           <a:p>
@@ -9129,22 +11502,6 @@
             <a:r>
               <a:rPr lang="fr-FR" dirty="0" err="1" smtClean="0"/>
               <a:t>Keypoints</a:t>
-            </a:r>
-            <a:endParaRPr lang="fr-FR" dirty="0" smtClean="0"/>
-          </a:p>
-          <a:p>
-            <a:pPr lvl="1"/>
-            <a:r>
-              <a:rPr lang="fr-FR" dirty="0" err="1" smtClean="0"/>
-              <a:t>Descriptor</a:t>
-            </a:r>
-            <a:r>
-              <a:rPr lang="fr-FR" dirty="0" smtClean="0"/>
-              <a:t>-Landmark Score </a:t>
-            </a:r>
-            <a:r>
-              <a:rPr lang="fr-FR" dirty="0" err="1" smtClean="0"/>
-              <a:t>Maps</a:t>
             </a:r>
             <a:endParaRPr lang="fr-FR" dirty="0" smtClean="0"/>
           </a:p>
@@ -9313,7 +11670,10 @@
           <a:bodyPr/>
           <a:lstStyle/>
           <a:p>
-            <a:endParaRPr lang="fr-FR"/>
+            <a:r>
+              <a:rPr lang="fr-FR" dirty="0"/>
+              <a:t>Principe général</a:t>
+            </a:r>
           </a:p>
         </p:txBody>
       </p:sp>
@@ -9332,7 +11692,11 @@
           <a:bodyPr/>
           <a:lstStyle/>
           <a:p>
-            <a:endParaRPr lang="fr-FR"/>
+            <a:r>
+              <a:rPr lang="fr-FR" dirty="0" smtClean="0"/>
+              <a:t>Détection de visage en 2D</a:t>
+            </a:r>
+            <a:endParaRPr lang="fr-FR" dirty="0"/>
           </a:p>
         </p:txBody>
       </p:sp>
@@ -9399,9 +11763,10 @@
           <a:p>
             <a:fld id="{855D9AE6-DD0B-4169-9603-BADEDE1CFE1F}" type="slidenum">
               <a:rPr lang="fr-FR" smtClean="0"/>
+              <a:pPr/>
               <a:t>4</a:t>
             </a:fld>
-            <a:endParaRPr lang="fr-FR"/>
+            <a:endParaRPr lang="fr-FR" dirty="0"/>
           </a:p>
         </p:txBody>
       </p:sp>
@@ -9420,14 +11785,55 @@
           <a:bodyPr/>
           <a:lstStyle/>
           <a:p>
-            <a:endParaRPr lang="fr-FR" dirty="0"/>
-          </a:p>
-        </p:txBody>
-      </p:sp>
+            <a:endParaRPr lang="fr-FR"/>
+          </a:p>
+        </p:txBody>
+      </p:sp>
+      <p:pic>
+        <p:nvPicPr>
+          <p:cNvPr id="3076" name="Picture 4" descr="http://docs.opencv.org/trunk/_images/haar.png"/>
+          <p:cNvPicPr>
+            <a:picLocks noChangeAspect="1" noChangeArrowheads="1"/>
+          </p:cNvPicPr>
+          <p:nvPr/>
+        </p:nvPicPr>
+        <p:blipFill>
+          <a:blip r:embed="rId2">
+            <a:extLst>
+              <a:ext uri="{28A0092B-C50C-407E-A947-70E740481C1C}">
+                <a14:useLocalDpi xmlns:a14="http://schemas.microsoft.com/office/drawing/2010/main" val="0"/>
+              </a:ext>
+            </a:extLst>
+          </a:blip>
+          <a:srcRect/>
+          <a:stretch>
+            <a:fillRect/>
+          </a:stretch>
+        </p:blipFill>
+        <p:spPr bwMode="auto">
+          <a:xfrm>
+            <a:off x="3384993" y="3195572"/>
+            <a:ext cx="3181350" cy="1933576"/>
+          </a:xfrm>
+          <a:prstGeom prst="rect">
+            <a:avLst/>
+          </a:prstGeom>
+          <a:noFill/>
+          <a:extLst>
+            <a:ext uri="{909E8E84-426E-40DD-AFC4-6F175D3DCCD1}">
+              <a14:hiddenFill xmlns:a14="http://schemas.microsoft.com/office/drawing/2010/main">
+                <a:solidFill>
+                  <a:srgbClr val="FFFFFF"/>
+                </a:solidFill>
+              </a14:hiddenFill>
+            </a:ext>
+          </a:extLst>
+        </p:spPr>
+      </p:pic>
     </p:spTree>
     <p:extLst>
       <p:ext uri="{BB962C8B-B14F-4D97-AF65-F5344CB8AC3E}">
-        <p14:creationId xmlns:p14="http://schemas.microsoft.com/office/powerpoint/2010/main" val="4269403955"/>
+        <p14:creationId xmlns:p14="http://schemas.microsoft.com/office/powerpoint/2010/main" val="3344829858"/>
       </p:ext>
     </p:extLst>
   </p:cSld>
@@ -9478,7 +11884,7 @@
           <a:p>
             <a:r>
               <a:rPr lang="fr-FR" dirty="0" smtClean="0"/>
-              <a:t>Résultats</a:t>
+              <a:t>Principe général</a:t>
             </a:r>
             <a:endParaRPr lang="fr-FR" dirty="0"/>
           </a:p>
@@ -9496,168 +11902,12 @@
         </p:nvSpPr>
         <p:spPr/>
         <p:txBody>
-          <a:bodyPr>
-            <a:normAutofit fontScale="92500" lnSpcReduction="20000"/>
-          </a:bodyPr>
-          <a:lstStyle/>
-          <a:p>
-            <a:r>
-              <a:rPr lang="fr-FR" dirty="0" err="1" smtClean="0"/>
-              <a:t>Kepoints</a:t>
-            </a:r>
-            <a:endParaRPr lang="fr-FR" dirty="0" smtClean="0"/>
-          </a:p>
-          <a:p>
-            <a:pPr lvl="1"/>
-            <a:endParaRPr lang="fr-FR" dirty="0"/>
-          </a:p>
-          <a:p>
-            <a:pPr lvl="1"/>
+          <a:bodyPr/>
+          <a:lstStyle/>
+          <a:p>
             <a:r>
               <a:rPr lang="fr-FR" dirty="0" smtClean="0"/>
-              <a:t>10 descripteurs :</a:t>
-            </a:r>
-          </a:p>
-          <a:p>
-            <a:pPr lvl="2"/>
-            <a:r>
-              <a:rPr lang="fr-FR" dirty="0"/>
-              <a:t>First principal </a:t>
-            </a:r>
-            <a:r>
-              <a:rPr lang="fr-FR" dirty="0" err="1"/>
-              <a:t>curvature</a:t>
-            </a:r>
-            <a:r>
-              <a:rPr lang="fr-FR" dirty="0"/>
-              <a:t> (k1)</a:t>
-            </a:r>
-          </a:p>
-          <a:p>
-            <a:pPr lvl="2"/>
-            <a:r>
-              <a:rPr lang="fr-FR" dirty="0"/>
-              <a:t>Second principal </a:t>
-            </a:r>
-            <a:r>
-              <a:rPr lang="fr-FR" dirty="0" err="1"/>
-              <a:t>curvature</a:t>
-            </a:r>
-            <a:r>
-              <a:rPr lang="fr-FR" dirty="0"/>
-              <a:t> (k2)</a:t>
-            </a:r>
-          </a:p>
-          <a:p>
-            <a:pPr lvl="2"/>
-            <a:r>
-              <a:rPr lang="fr-FR" dirty="0" err="1"/>
-              <a:t>Gaussian</a:t>
-            </a:r>
-            <a:r>
-              <a:rPr lang="fr-FR" dirty="0"/>
-              <a:t> </a:t>
-            </a:r>
-            <a:r>
-              <a:rPr lang="fr-FR" dirty="0" err="1"/>
-              <a:t>curvature</a:t>
-            </a:r>
-            <a:r>
-              <a:rPr lang="fr-FR" dirty="0"/>
-              <a:t> (K)</a:t>
-            </a:r>
-          </a:p>
-          <a:p>
-            <a:pPr lvl="2"/>
-            <a:r>
-              <a:rPr lang="fr-FR" dirty="0" err="1"/>
-              <a:t>Mean</a:t>
-            </a:r>
-            <a:r>
-              <a:rPr lang="fr-FR" dirty="0"/>
-              <a:t> </a:t>
-            </a:r>
-            <a:r>
-              <a:rPr lang="fr-FR" dirty="0" err="1"/>
-              <a:t>curvature</a:t>
-            </a:r>
-            <a:r>
-              <a:rPr lang="fr-FR" dirty="0"/>
-              <a:t> (H)</a:t>
-            </a:r>
-          </a:p>
-          <a:p>
-            <a:pPr lvl="2"/>
-            <a:r>
-              <a:rPr lang="fr-FR" dirty="0"/>
-              <a:t>Shape Index (SI)</a:t>
-            </a:r>
-          </a:p>
-          <a:p>
-            <a:pPr lvl="2"/>
-            <a:r>
-              <a:rPr lang="fr-FR" dirty="0"/>
-              <a:t>Log </a:t>
-            </a:r>
-            <a:r>
-              <a:rPr lang="fr-FR" dirty="0" err="1"/>
-              <a:t>Curvedness</a:t>
-            </a:r>
-            <a:r>
-              <a:rPr lang="fr-FR" dirty="0"/>
-              <a:t> (LC)</a:t>
-            </a:r>
-          </a:p>
-          <a:p>
-            <a:pPr lvl="2"/>
-            <a:r>
-              <a:rPr lang="fr-FR" dirty="0"/>
-              <a:t>Distance to Local Plane (DLP)</a:t>
-            </a:r>
-          </a:p>
-          <a:p>
-            <a:pPr lvl="2"/>
-            <a:r>
-              <a:rPr lang="fr-FR" dirty="0"/>
-              <a:t>Local Volume (VOL)</a:t>
-            </a:r>
-          </a:p>
-          <a:p>
-            <a:pPr lvl="2"/>
-            <a:r>
-              <a:rPr lang="fr-FR" dirty="0"/>
-              <a:t>Spin Image </a:t>
-            </a:r>
-            <a:r>
-              <a:rPr lang="fr-FR" dirty="0" err="1"/>
-              <a:t>Histogram</a:t>
-            </a:r>
-            <a:r>
-              <a:rPr lang="fr-FR" dirty="0"/>
-              <a:t> (SIH)</a:t>
-            </a:r>
-          </a:p>
-          <a:p>
-            <a:pPr lvl="2"/>
-            <a:r>
-              <a:rPr lang="fr-FR" dirty="0" err="1"/>
-              <a:t>Spherical</a:t>
-            </a:r>
-            <a:r>
-              <a:rPr lang="fr-FR" dirty="0"/>
-              <a:t> </a:t>
-            </a:r>
-            <a:r>
-              <a:rPr lang="fr-FR" dirty="0" err="1"/>
-              <a:t>Histogram</a:t>
-            </a:r>
-            <a:r>
-              <a:rPr lang="fr-FR" dirty="0"/>
-              <a:t> (SH</a:t>
-            </a:r>
-            <a:r>
-              <a:rPr lang="fr-FR" dirty="0" smtClean="0"/>
-              <a:t>)</a:t>
+              <a:t>État de l’art 3D</a:t>
             </a:r>
             <a:endParaRPr lang="fr-FR" dirty="0"/>
           </a:p>
@@ -9726,36 +11976,59 @@
           <a:p>
             <a:fld id="{855D9AE6-DD0B-4169-9603-BADEDE1CFE1F}" type="slidenum">
               <a:rPr lang="fr-FR" smtClean="0"/>
-              <a:pPr/>
               <a:t>5</a:t>
             </a:fld>
+            <a:endParaRPr lang="fr-FR"/>
+          </a:p>
+        </p:txBody>
+      </p:sp>
+      <p:sp>
+        <p:nvSpPr>
+          <p:cNvPr id="7" name="Espace réservé du texte 6"/>
+          <p:cNvSpPr>
+            <a:spLocks noGrp="1"/>
+          </p:cNvSpPr>
+          <p:nvPr>
+            <p:ph type="body" sz="quarter" idx="13"/>
+          </p:nvPr>
+        </p:nvSpPr>
+        <p:spPr/>
+        <p:txBody>
+          <a:bodyPr/>
+          <a:lstStyle/>
+          <a:p>
             <a:endParaRPr lang="fr-FR" dirty="0"/>
           </a:p>
         </p:txBody>
       </p:sp>
-      <p:sp>
-        <p:nvSpPr>
-          <p:cNvPr id="7" name="Espace réservé du texte 6"/>
-          <p:cNvSpPr>
-            <a:spLocks noGrp="1"/>
-          </p:cNvSpPr>
-          <p:nvPr>
-            <p:ph type="body" sz="quarter" idx="13"/>
-          </p:nvPr>
-        </p:nvSpPr>
-        <p:spPr/>
-        <p:txBody>
-          <a:bodyPr/>
-          <a:lstStyle/>
-          <a:p>
-            <a:endParaRPr lang="fr-FR"/>
-          </a:p>
-        </p:txBody>
-      </p:sp>
+      <p:pic>
+        <p:nvPicPr>
+          <p:cNvPr id="8" name="Image 7"/>
+          <p:cNvPicPr>
+            <a:picLocks noChangeAspect="1"/>
+          </p:cNvPicPr>
+          <p:nvPr/>
+        </p:nvPicPr>
+        <p:blipFill>
+          <a:blip r:embed="rId2"/>
+          <a:stretch>
+            <a:fillRect/>
+          </a:stretch>
+        </p:blipFill>
+        <p:spPr>
+          <a:xfrm>
+            <a:off x="870302" y="2577663"/>
+            <a:ext cx="7042148" cy="3824387"/>
+          </a:xfrm>
+          <a:prstGeom prst="rect">
+            <a:avLst/>
+          </a:prstGeom>
+        </p:spPr>
+      </p:pic>
     </p:spTree>
     <p:extLst>
       <p:ext uri="{BB962C8B-B14F-4D97-AF65-F5344CB8AC3E}">
-        <p14:creationId xmlns:p14="http://schemas.microsoft.com/office/powerpoint/2010/main" val="2728393882"/>
+        <p14:creationId xmlns:p14="http://schemas.microsoft.com/office/powerpoint/2010/main" val="4269403955"/>
       </p:ext>
     </p:extLst>
   </p:cSld>
@@ -9805,63 +12078,31 @@
           <a:lstStyle/>
           <a:p>
             <a:r>
+              <a:rPr lang="fr-FR" dirty="0"/>
+              <a:t>Principe général</a:t>
+            </a:r>
+          </a:p>
+        </p:txBody>
+      </p:sp>
+      <p:sp>
+        <p:nvSpPr>
+          <p:cNvPr id="3" name="Espace réservé du contenu 2"/>
+          <p:cNvSpPr>
+            <a:spLocks noGrp="1"/>
+          </p:cNvSpPr>
+          <p:nvPr>
+            <p:ph idx="1"/>
+          </p:nvPr>
+        </p:nvSpPr>
+        <p:spPr/>
+        <p:txBody>
+          <a:bodyPr/>
+          <a:lstStyle/>
+          <a:p>
+            <a:r>
               <a:rPr lang="fr-FR" dirty="0" smtClean="0"/>
-              <a:t>Résultats</a:t>
-            </a:r>
-            <a:endParaRPr lang="fr-FR" dirty="0"/>
-          </a:p>
-        </p:txBody>
-      </p:sp>
-      <p:sp>
-        <p:nvSpPr>
-          <p:cNvPr id="3" name="Espace réservé du contenu 2"/>
-          <p:cNvSpPr>
-            <a:spLocks noGrp="1"/>
-          </p:cNvSpPr>
-          <p:nvPr>
-            <p:ph idx="1"/>
-          </p:nvPr>
-        </p:nvSpPr>
-        <p:spPr/>
-        <p:txBody>
-          <a:bodyPr/>
-          <a:lstStyle/>
-          <a:p>
-            <a:r>
-              <a:rPr lang="fr-FR" dirty="0" err="1" smtClean="0"/>
-              <a:t>Keypoints</a:t>
-            </a:r>
-            <a:endParaRPr lang="fr-FR" dirty="0" smtClean="0"/>
-          </a:p>
-          <a:p>
-            <a:pPr lvl="1"/>
-            <a:endParaRPr lang="fr-FR" dirty="0" smtClean="0"/>
-          </a:p>
-          <a:p>
-            <a:pPr lvl="1"/>
-            <a:r>
-              <a:rPr lang="fr-FR" dirty="0"/>
-              <a:t>Multi-</a:t>
-            </a:r>
-            <a:r>
-              <a:rPr lang="fr-FR" dirty="0" err="1"/>
-              <a:t>scale</a:t>
-            </a:r>
-            <a:endParaRPr lang="fr-FR" dirty="0"/>
-          </a:p>
-          <a:p>
-            <a:pPr lvl="1"/>
-            <a:r>
-              <a:rPr lang="fr-FR" dirty="0"/>
-              <a:t>Single-</a:t>
-            </a:r>
-            <a:r>
-              <a:rPr lang="fr-FR" dirty="0" err="1"/>
-              <a:t>scale</a:t>
-            </a:r>
-            <a:endParaRPr lang="fr-FR" dirty="0"/>
-          </a:p>
-          <a:p>
+              <a:t>L’algorithme</a:t>
+            </a:r>
             <a:endParaRPr lang="fr-FR" dirty="0"/>
           </a:p>
         </p:txBody>
@@ -9964,15 +12205,15 @@
           <p:nvPr/>
         </p:nvPicPr>
         <p:blipFill>
-          <a:blip r:embed="rId3"/>
+          <a:blip r:embed="rId2"/>
           <a:stretch>
             <a:fillRect/>
           </a:stretch>
         </p:blipFill>
         <p:spPr>
           <a:xfrm>
-            <a:off x="3571194" y="1020632"/>
-            <a:ext cx="4810125" cy="5143500"/>
+            <a:off x="368366" y="3027553"/>
+            <a:ext cx="8648991" cy="2734419"/>
           </a:xfrm>
           <a:prstGeom prst="rect">
             <a:avLst/>
@@ -9982,7 +12223,7 @@
     </p:spTree>
     <p:extLst>
       <p:ext uri="{BB962C8B-B14F-4D97-AF65-F5344CB8AC3E}">
-        <p14:creationId xmlns:p14="http://schemas.microsoft.com/office/powerpoint/2010/main" val="1358980940"/>
+        <p14:creationId xmlns:p14="http://schemas.microsoft.com/office/powerpoint/2010/main" val="90994896"/>
       </p:ext>
     </p:extLst>
   </p:cSld>
@@ -10018,52 +12259,6 @@
       </p:grpSpPr>
       <p:sp>
         <p:nvSpPr>
-          <p:cNvPr id="2" name="Titre 1"/>
-          <p:cNvSpPr>
-            <a:spLocks noGrp="1"/>
-          </p:cNvSpPr>
-          <p:nvPr>
-            <p:ph type="title"/>
-          </p:nvPr>
-        </p:nvSpPr>
-        <p:spPr/>
-        <p:txBody>
-          <a:bodyPr/>
-          <a:lstStyle/>
-          <a:p>
-            <a:r>
-              <a:rPr lang="fr-FR" dirty="0" smtClean="0"/>
-              <a:t>Résultats</a:t>
-            </a:r>
-            <a:endParaRPr lang="fr-FR" dirty="0"/>
-          </a:p>
-        </p:txBody>
-      </p:sp>
-      <p:sp>
-        <p:nvSpPr>
-          <p:cNvPr id="3" name="Espace réservé du contenu 2"/>
-          <p:cNvSpPr>
-            <a:spLocks noGrp="1"/>
-          </p:cNvSpPr>
-          <p:nvPr>
-            <p:ph idx="1"/>
-          </p:nvPr>
-        </p:nvSpPr>
-        <p:spPr/>
-        <p:txBody>
-          <a:bodyPr/>
-          <a:lstStyle/>
-          <a:p>
-            <a:r>
-              <a:rPr lang="fr-FR" dirty="0" err="1" smtClean="0"/>
-              <a:t>keypoints</a:t>
-            </a:r>
-            <a:endParaRPr lang="fr-FR" dirty="0"/>
-          </a:p>
-        </p:txBody>
-      </p:sp>
-      <p:sp>
-        <p:nvSpPr>
           <p:cNvPr id="4" name="Espace réservé de la date 3"/>
           <p:cNvSpPr>
             <a:spLocks noGrp="1"/>
@@ -10148,6 +12343,61 @@
           <a:lstStyle/>
           <a:p>
             <a:endParaRPr lang="fr-FR"/>
+          </a:p>
+        </p:txBody>
+      </p:sp>
+      <p:sp>
+        <p:nvSpPr>
+          <p:cNvPr id="8" name="Titre 1"/>
+          <p:cNvSpPr>
+            <a:spLocks noGrp="1"/>
+          </p:cNvSpPr>
+          <p:nvPr>
+            <p:ph type="title"/>
+          </p:nvPr>
+        </p:nvSpPr>
+        <p:spPr>
+          <a:xfrm>
+            <a:off x="677334" y="609600"/>
+            <a:ext cx="8596668" cy="1320800"/>
+          </a:xfrm>
+        </p:spPr>
+        <p:txBody>
+          <a:bodyPr/>
+          <a:lstStyle/>
+          <a:p>
+            <a:r>
+              <a:rPr lang="fr-FR" dirty="0"/>
+              <a:t>Principe général</a:t>
+            </a:r>
+          </a:p>
+        </p:txBody>
+      </p:sp>
+      <p:sp>
+        <p:nvSpPr>
+          <p:cNvPr id="9" name="Espace réservé du contenu 2"/>
+          <p:cNvSpPr>
+            <a:spLocks noGrp="1"/>
+          </p:cNvSpPr>
+          <p:nvPr>
+            <p:ph idx="1"/>
+          </p:nvPr>
+        </p:nvSpPr>
+        <p:spPr>
+          <a:xfrm>
+            <a:off x="677334" y="2160589"/>
+            <a:ext cx="8596668" cy="4003543"/>
+          </a:xfrm>
+        </p:spPr>
+        <p:txBody>
+          <a:bodyPr/>
+          <a:lstStyle/>
+          <a:p>
+            <a:r>
+              <a:rPr lang="fr-FR" dirty="0" smtClean="0"/>
+              <a:t>L’algorithme</a:t>
+            </a:r>
+            <a:endParaRPr lang="fr-FR" dirty="0"/>
           </a:p>
         </p:txBody>
       </p:sp>
@@ -10160,15 +12410,15 @@
           <p:nvPr/>
         </p:nvPicPr>
         <p:blipFill>
-          <a:blip r:embed="rId3"/>
+          <a:blip r:embed="rId2"/>
           <a:stretch>
             <a:fillRect/>
           </a:stretch>
         </p:blipFill>
         <p:spPr>
           <a:xfrm>
-            <a:off x="551543" y="2938373"/>
-            <a:ext cx="8298769" cy="2956241"/>
+            <a:off x="555136" y="3198246"/>
+            <a:ext cx="8718866" cy="2425939"/>
           </a:xfrm>
           <a:prstGeom prst="rect">
             <a:avLst/>
@@ -10178,7 +12428,7 @@
     </p:spTree>
     <p:extLst>
       <p:ext uri="{BB962C8B-B14F-4D97-AF65-F5344CB8AC3E}">
-        <p14:creationId xmlns:p14="http://schemas.microsoft.com/office/powerpoint/2010/main" val="2489443009"/>
+        <p14:creationId xmlns:p14="http://schemas.microsoft.com/office/powerpoint/2010/main" val="1260249065"/>
       </p:ext>
     </p:extLst>
   </p:cSld>
@@ -10228,31 +12478,51 @@
           <a:lstStyle/>
           <a:p>
             <a:r>
+              <a:rPr lang="fr-FR" dirty="0" smtClean="0"/>
+              <a:t>Détails techniques</a:t>
+            </a:r>
+            <a:endParaRPr lang="fr-FR" dirty="0"/>
+          </a:p>
+        </p:txBody>
+      </p:sp>
+      <p:sp>
+        <p:nvSpPr>
+          <p:cNvPr id="3" name="Espace réservé du contenu 2"/>
+          <p:cNvSpPr>
+            <a:spLocks noGrp="1"/>
+          </p:cNvSpPr>
+          <p:nvPr>
+            <p:ph idx="1"/>
+          </p:nvPr>
+        </p:nvSpPr>
+        <p:spPr/>
+        <p:txBody>
+          <a:bodyPr/>
+          <a:lstStyle/>
+          <a:p>
+            <a:r>
               <a:rPr lang="fr-FR" dirty="0" err="1" smtClean="0"/>
-              <a:t>Résulats</a:t>
-            </a:r>
+              <a:t>Keypoints</a:t>
+            </a:r>
+            <a:endParaRPr lang="fr-FR" dirty="0" smtClean="0"/>
+          </a:p>
+          <a:p>
+            <a:pPr lvl="1"/>
             <a:endParaRPr lang="fr-FR" dirty="0"/>
           </a:p>
-        </p:txBody>
-      </p:sp>
-      <p:sp>
-        <p:nvSpPr>
-          <p:cNvPr id="3" name="Espace réservé du contenu 2"/>
-          <p:cNvSpPr>
-            <a:spLocks noGrp="1"/>
-          </p:cNvSpPr>
-          <p:nvPr>
-            <p:ph idx="1"/>
-          </p:nvPr>
-        </p:nvSpPr>
-        <p:spPr/>
-        <p:txBody>
-          <a:bodyPr/>
-          <a:lstStyle/>
-          <a:p>
-            <a:r>
-              <a:rPr lang="fr-FR" dirty="0" err="1" smtClean="0"/>
-              <a:t>keypoints</a:t>
+          <a:p>
+            <a:pPr lvl="1"/>
+            <a:r>
+              <a:rPr lang="fr-FR" dirty="0" smtClean="0"/>
+              <a:t>Offline</a:t>
+            </a:r>
+            <a:endParaRPr lang="fr-FR" dirty="0"/>
+          </a:p>
+          <a:p>
+            <a:pPr lvl="1"/>
+            <a:r>
+              <a:rPr lang="fr-FR" dirty="0" smtClean="0"/>
+              <a:t>Online</a:t>
             </a:r>
             <a:endParaRPr lang="fr-FR" dirty="0"/>
           </a:p>
@@ -10349,22 +12619,22 @@
       </p:sp>
       <p:pic>
         <p:nvPicPr>
-          <p:cNvPr id="9" name="Image 8"/>
+          <p:cNvPr id="8" name="Image 7"/>
           <p:cNvPicPr>
             <a:picLocks noChangeAspect="1"/>
           </p:cNvPicPr>
           <p:nvPr/>
         </p:nvPicPr>
         <p:blipFill>
-          <a:blip r:embed="rId3"/>
+          <a:blip r:embed="rId2"/>
           <a:stretch>
             <a:fillRect/>
           </a:stretch>
         </p:blipFill>
         <p:spPr>
           <a:xfrm>
-            <a:off x="1930399" y="3024506"/>
-            <a:ext cx="5405761" cy="3139626"/>
+            <a:off x="3826140" y="2314445"/>
+            <a:ext cx="3971925" cy="2705100"/>
           </a:xfrm>
           <a:prstGeom prst="rect">
             <a:avLst/>
@@ -10374,7 +12644,7 @@
     </p:spTree>
     <p:extLst>
       <p:ext uri="{BB962C8B-B14F-4D97-AF65-F5344CB8AC3E}">
-        <p14:creationId xmlns:p14="http://schemas.microsoft.com/office/powerpoint/2010/main" val="2890974030"/>
+        <p14:creationId xmlns:p14="http://schemas.microsoft.com/office/powerpoint/2010/main" val="3274354639"/>
       </p:ext>
     </p:extLst>
   </p:cSld>
@@ -10425,7 +12695,7 @@
           <a:p>
             <a:r>
               <a:rPr lang="fr-FR" dirty="0" smtClean="0"/>
-              <a:t>Résultats</a:t>
+              <a:t>Détails techniques</a:t>
             </a:r>
             <a:endParaRPr lang="fr-FR" dirty="0"/>
           </a:p>
@@ -10448,7 +12718,7 @@
           <a:p>
             <a:r>
               <a:rPr lang="fr-FR" dirty="0" err="1" smtClean="0"/>
-              <a:t>Landmarks</a:t>
+              <a:t>Keypoints</a:t>
             </a:r>
             <a:endParaRPr lang="fr-FR" dirty="0"/>
           </a:p>
@@ -10545,22 +12815,21 @@
       </p:sp>
       <p:pic>
         <p:nvPicPr>
-          <p:cNvPr id="9" name="Image 8"/>
+          <p:cNvPr id="8" name="Image 7"/>
           <p:cNvPicPr>
             <a:picLocks noChangeAspect="1"/>
           </p:cNvPicPr>
           <p:nvPr/>
         </p:nvPicPr>
-        <p:blipFill>
+        <p:blipFill rotWithShape="1">
           <a:blip r:embed="rId2"/>
-          <a:stretch>
-            <a:fillRect/>
-          </a:stretch>
+          <a:srcRect l="26224"/>
+          <a:stretch/>
         </p:blipFill>
         <p:spPr>
           <a:xfrm>
-            <a:off x="608012" y="3021937"/>
-            <a:ext cx="7953375" cy="3019425"/>
+            <a:off x="2780778" y="1641545"/>
+            <a:ext cx="6008219" cy="4219575"/>
           </a:xfrm>
           <a:prstGeom prst="rect">
             <a:avLst/>
@@ -10570,7 +12839,7 @@
     </p:spTree>
     <p:extLst>
       <p:ext uri="{BB962C8B-B14F-4D97-AF65-F5344CB8AC3E}">
-        <p14:creationId xmlns:p14="http://schemas.microsoft.com/office/powerpoint/2010/main" val="3201820051"/>
+        <p14:creationId xmlns:p14="http://schemas.microsoft.com/office/powerpoint/2010/main" val="1305021976"/>
       </p:ext>
     </p:extLst>
   </p:cSld>

--- a/article.pptx
+++ b/article.pptx
@@ -5,10 +5,10 @@
     <p:sldMasterId id="2147483797" r:id="rId1"/>
   </p:sldMasterIdLst>
   <p:notesMasterIdLst>
-    <p:notesMasterId r:id="rId28"/>
+    <p:notesMasterId r:id="rId29"/>
   </p:notesMasterIdLst>
   <p:handoutMasterIdLst>
-    <p:handoutMasterId r:id="rId29"/>
+    <p:handoutMasterId r:id="rId30"/>
   </p:handoutMasterIdLst>
   <p:sldIdLst>
     <p:sldId id="256" r:id="rId2"/>
@@ -26,17 +26,18 @@
     <p:sldId id="287" r:id="rId14"/>
     <p:sldId id="278" r:id="rId15"/>
     <p:sldId id="288" r:id="rId16"/>
-    <p:sldId id="263" r:id="rId17"/>
-    <p:sldId id="264" r:id="rId18"/>
-    <p:sldId id="265" r:id="rId19"/>
-    <p:sldId id="266" r:id="rId20"/>
-    <p:sldId id="267" r:id="rId21"/>
-    <p:sldId id="269" r:id="rId22"/>
-    <p:sldId id="270" r:id="rId23"/>
-    <p:sldId id="271" r:id="rId24"/>
-    <p:sldId id="258" r:id="rId25"/>
-    <p:sldId id="262" r:id="rId26"/>
-    <p:sldId id="259" r:id="rId27"/>
+    <p:sldId id="289" r:id="rId17"/>
+    <p:sldId id="263" r:id="rId18"/>
+    <p:sldId id="264" r:id="rId19"/>
+    <p:sldId id="265" r:id="rId20"/>
+    <p:sldId id="266" r:id="rId21"/>
+    <p:sldId id="267" r:id="rId22"/>
+    <p:sldId id="269" r:id="rId23"/>
+    <p:sldId id="270" r:id="rId24"/>
+    <p:sldId id="271" r:id="rId25"/>
+    <p:sldId id="258" r:id="rId26"/>
+    <p:sldId id="262" r:id="rId27"/>
+    <p:sldId id="259" r:id="rId28"/>
   </p:sldIdLst>
   <p:sldSz cx="12192000" cy="6858000"/>
   <p:notesSz cx="6858000" cy="9144000"/>
@@ -793,6 +794,94 @@
           <a:p>
             <a:r>
               <a:rPr lang="fr-FR" dirty="0" smtClean="0"/>
+              <a:t>Pas de problèmes à la rotation et aux occlusions</a:t>
+            </a:r>
+            <a:endParaRPr lang="fr-FR" dirty="0"/>
+          </a:p>
+        </p:txBody>
+      </p:sp>
+      <p:sp>
+        <p:nvSpPr>
+          <p:cNvPr id="4" name="Espace réservé du numéro de diapositive 3"/>
+          <p:cNvSpPr>
+            <a:spLocks noGrp="1"/>
+          </p:cNvSpPr>
+          <p:nvPr>
+            <p:ph type="sldNum" sz="quarter" idx="10"/>
+          </p:nvPr>
+        </p:nvSpPr>
+        <p:spPr/>
+        <p:txBody>
+          <a:bodyPr/>
+          <a:lstStyle/>
+          <a:p>
+            <a:fld id="{F73375FC-922A-4E4F-B7C5-7F3C172AFA72}" type="slidenum">
+              <a:rPr lang="fr-FR" smtClean="0"/>
+              <a:t>23</a:t>
+            </a:fld>
+            <a:endParaRPr lang="fr-FR"/>
+          </a:p>
+        </p:txBody>
+      </p:sp>
+    </p:spTree>
+    <p:extLst>
+      <p:ext uri="{BB962C8B-B14F-4D97-AF65-F5344CB8AC3E}">
+        <p14:creationId xmlns:p14="http://schemas.microsoft.com/office/powerpoint/2010/main" val="740557011"/>
+      </p:ext>
+    </p:extLst>
+  </p:cSld>
+  <p:clrMapOvr>
+    <a:masterClrMapping/>
+  </p:clrMapOvr>
+</p:notes>
+</file>
+
+<file path=ppt/notesSlides/notesSlide11.xml><?xml version="1.0" encoding="utf-8"?>
+<p:notes xmlns:a="http://schemas.openxmlformats.org/drawingml/2006/main" xmlns:r="http://schemas.openxmlformats.org/officeDocument/2006/relationships" xmlns:p="http://schemas.openxmlformats.org/presentationml/2006/main">
+  <p:cSld>
+    <p:spTree>
+      <p:nvGrpSpPr>
+        <p:cNvPr id="1" name=""/>
+        <p:cNvGrpSpPr/>
+        <p:nvPr/>
+      </p:nvGrpSpPr>
+      <p:grpSpPr>
+        <a:xfrm>
+          <a:off x="0" y="0"/>
+          <a:ext cx="0" cy="0"/>
+          <a:chOff x="0" y="0"/>
+          <a:chExt cx="0" cy="0"/>
+        </a:xfrm>
+      </p:grpSpPr>
+      <p:sp>
+        <p:nvSpPr>
+          <p:cNvPr id="2" name="Espace réservé de l'image des diapositives 1"/>
+          <p:cNvSpPr>
+            <a:spLocks noGrp="1" noRot="1" noChangeAspect="1"/>
+          </p:cNvSpPr>
+          <p:nvPr>
+            <p:ph type="sldImg"/>
+          </p:nvPr>
+        </p:nvSpPr>
+        <p:spPr/>
+      </p:sp>
+      <p:sp>
+        <p:nvSpPr>
+          <p:cNvPr id="3" name="Espace réservé des commentaires 2"/>
+          <p:cNvSpPr>
+            <a:spLocks noGrp="1"/>
+          </p:cNvSpPr>
+          <p:nvPr>
+            <p:ph type="body" idx="1"/>
+          </p:nvPr>
+        </p:nvSpPr>
+        <p:spPr/>
+        <p:txBody>
+          <a:bodyPr/>
+          <a:lstStyle/>
+          <a:p>
+            <a:r>
+              <a:rPr lang="fr-FR" dirty="0" smtClean="0"/>
               <a:t>+ long sur le </a:t>
             </a:r>
             <a:r>
@@ -851,7 +940,7 @@
           <a:p>
             <a:fld id="{F73375FC-922A-4E4F-B7C5-7F3C172AFA72}" type="slidenum">
               <a:rPr lang="fr-FR" smtClean="0"/>
-              <a:t>23</a:t>
+              <a:t>24</a:t>
             </a:fld>
             <a:endParaRPr lang="fr-FR"/>
           </a:p>
@@ -1083,24 +1172,12 @@
           <a:lstStyle/>
           <a:p>
             <a:r>
-              <a:rPr lang="fr-FR" dirty="0" err="1" smtClean="0"/>
-              <a:t>Keypoint</a:t>
-            </a:r>
-            <a:r>
               <a:rPr lang="fr-FR" dirty="0" smtClean="0"/>
-              <a:t> associé au</a:t>
+              <a:t>Taille</a:t>
             </a:r>
             <a:r>
               <a:rPr lang="fr-FR" baseline="0" dirty="0" smtClean="0"/>
-              <a:t> </a:t>
-            </a:r>
-            <a:r>
-              <a:rPr lang="fr-FR" baseline="0" dirty="0" err="1" smtClean="0"/>
-              <a:t>landmark</a:t>
-            </a:r>
-            <a:r>
-              <a:rPr lang="fr-FR" baseline="0" dirty="0" smtClean="0"/>
-              <a:t> le plus proche (en distance) pour le moment</a:t>
+              <a:t> du voisinage</a:t>
             </a:r>
             <a:endParaRPr lang="fr-FR" dirty="0"/>
           </a:p>
@@ -1123,7 +1200,7 @@
           <a:p>
             <a:fld id="{F73375FC-922A-4E4F-B7C5-7F3C172AFA72}" type="slidenum">
               <a:rPr lang="fr-FR" smtClean="0"/>
-              <a:t>16</a:t>
+              <a:t>13</a:t>
             </a:fld>
             <a:endParaRPr lang="fr-FR"/>
           </a:p>
@@ -1132,7 +1209,7 @@
     </p:spTree>
     <p:extLst>
       <p:ext uri="{BB962C8B-B14F-4D97-AF65-F5344CB8AC3E}">
-        <p14:creationId xmlns:p14="http://schemas.microsoft.com/office/powerpoint/2010/main" val="3267377133"/>
+        <p14:creationId xmlns:p14="http://schemas.microsoft.com/office/powerpoint/2010/main" val="2394770522"/>
       </p:ext>
     </p:extLst>
   </p:cSld>
@@ -1187,86 +1264,26 @@
           <a:lstStyle/>
           <a:p>
             <a:r>
+              <a:rPr lang="fr-FR" dirty="0" err="1" smtClean="0"/>
+              <a:t>Keypoint</a:t>
+            </a:r>
+            <a:r>
               <a:rPr lang="fr-FR" dirty="0" smtClean="0"/>
-              <a:t>Multi :</a:t>
-            </a:r>
-            <a:endParaRPr lang="fr-FR" dirty="0" smtClean="0"/>
-          </a:p>
-          <a:p>
-            <a:pPr marL="628650" lvl="1" indent="-171450">
-              <a:buFont typeface="Arial" panose="020B0604020202020204" pitchFamily="34" charset="0"/>
-              <a:buChar char="•"/>
-            </a:pPr>
-            <a:r>
-              <a:rPr lang="fr-FR" dirty="0" smtClean="0"/>
-              <a:t>Bin</a:t>
+              <a:t> associé au</a:t>
             </a:r>
             <a:r>
               <a:rPr lang="fr-FR" baseline="0" dirty="0" smtClean="0"/>
-              <a:t> s</a:t>
-            </a:r>
-            <a:r>
-              <a:rPr lang="fr-FR" dirty="0" smtClean="0"/>
-              <a:t>ize</a:t>
+              <a:t> </a:t>
+            </a:r>
+            <a:r>
+              <a:rPr lang="fr-FR" baseline="0" dirty="0" err="1" smtClean="0"/>
+              <a:t>landmark</a:t>
             </a:r>
             <a:r>
               <a:rPr lang="fr-FR" baseline="0" dirty="0" smtClean="0"/>
-              <a:t> de 2,5 à 10mm</a:t>
-            </a:r>
-          </a:p>
-          <a:p>
-            <a:pPr marL="628650" lvl="1" indent="-171450">
-              <a:buFont typeface="Arial" panose="020B0604020202020204" pitchFamily="34" charset="0"/>
-              <a:buChar char="•"/>
-            </a:pPr>
-            <a:r>
-              <a:rPr lang="fr-FR" dirty="0" smtClean="0"/>
-              <a:t>Taille</a:t>
-            </a:r>
-            <a:r>
-              <a:rPr lang="fr-FR" baseline="0" dirty="0" smtClean="0"/>
-              <a:t> du voisinage : 5, 15,30, 45 et 60mm</a:t>
-            </a:r>
-            <a:endParaRPr lang="fr-FR" dirty="0" smtClean="0"/>
-          </a:p>
-          <a:p>
-            <a:endParaRPr lang="fr-FR" baseline="0" dirty="0" smtClean="0"/>
-          </a:p>
-          <a:p>
-            <a:r>
-              <a:rPr lang="fr-FR" baseline="0" dirty="0" smtClean="0"/>
-              <a:t>Single :</a:t>
-            </a:r>
-            <a:endParaRPr lang="fr-FR" baseline="0" dirty="0" smtClean="0"/>
-          </a:p>
-          <a:p>
-            <a:pPr marL="628650" lvl="1" indent="-171450">
-              <a:buFont typeface="Arial" panose="020B0604020202020204" pitchFamily="34" charset="0"/>
-              <a:buChar char="•"/>
-            </a:pPr>
-            <a:r>
-              <a:rPr lang="fr-FR" baseline="0" dirty="0" smtClean="0"/>
-              <a:t>Bin size 5</a:t>
-            </a:r>
-          </a:p>
-          <a:p>
-            <a:pPr marL="628650" lvl="1" indent="-171450">
-              <a:buFont typeface="Arial" panose="020B0604020202020204" pitchFamily="34" charset="0"/>
-              <a:buChar char="•"/>
-            </a:pPr>
-            <a:r>
-              <a:rPr lang="fr-FR" baseline="0" dirty="0" smtClean="0"/>
-              <a:t>Taille du voisinage : 15mm</a:t>
-            </a:r>
-          </a:p>
-          <a:p>
-            <a:endParaRPr lang="fr-FR" baseline="0" dirty="0" smtClean="0"/>
-          </a:p>
-          <a:p>
-            <a:r>
-              <a:rPr lang="fr-FR" baseline="0" dirty="0" smtClean="0"/>
-              <a:t>Faux positifs dans les cheveux,</a:t>
-            </a:r>
+              <a:t> le plus proche (en distance) pour le moment</a:t>
+            </a:r>
+            <a:endParaRPr lang="fr-FR" dirty="0"/>
           </a:p>
         </p:txBody>
       </p:sp>
@@ -1296,7 +1313,7 @@
     </p:spTree>
     <p:extLst>
       <p:ext uri="{BB962C8B-B14F-4D97-AF65-F5344CB8AC3E}">
-        <p14:creationId xmlns:p14="http://schemas.microsoft.com/office/powerpoint/2010/main" val="2641821909"/>
+        <p14:creationId xmlns:p14="http://schemas.microsoft.com/office/powerpoint/2010/main" val="3267377133"/>
       </p:ext>
     </p:extLst>
   </p:cSld>
@@ -1352,37 +1369,94 @@
           <a:p>
             <a:r>
               <a:rPr lang="fr-FR" dirty="0" smtClean="0"/>
-              <a:t>Pour config 2,</a:t>
+              <a:t>Multi :</a:t>
+            </a:r>
+            <a:endParaRPr lang="fr-FR" dirty="0" smtClean="0"/>
+          </a:p>
+          <a:p>
+            <a:pPr marL="628650" lvl="1" indent="-171450">
+              <a:buFont typeface="Arial" panose="020B0604020202020204" pitchFamily="34" charset="0"/>
+              <a:buChar char="•"/>
+            </a:pPr>
+            <a:r>
+              <a:rPr lang="fr-FR" dirty="0" smtClean="0"/>
+              <a:t>Bin</a:t>
             </a:r>
             <a:r>
               <a:rPr lang="fr-FR" baseline="0" dirty="0" smtClean="0"/>
-              <a:t> </a:t>
+              <a:t> s</a:t>
             </a:r>
             <a:r>
               <a:rPr lang="fr-FR" dirty="0" smtClean="0"/>
-              <a:t>Nez détecté à 99,47% pour r=10mm</a:t>
-            </a:r>
-          </a:p>
-          <a:p>
+              <a:t>ize</a:t>
+            </a:r>
+            <a:r>
+              <a:rPr lang="fr-FR" baseline="0" dirty="0" smtClean="0"/>
+              <a:t> de 2,5 à 10mm</a:t>
+            </a:r>
+          </a:p>
+          <a:p>
+            <a:pPr marL="628650" lvl="1" indent="-171450">
+              <a:buFont typeface="Arial" panose="020B0604020202020204" pitchFamily="34" charset="0"/>
+              <a:buChar char="•"/>
+            </a:pPr>
             <a:r>
               <a:rPr lang="fr-FR" dirty="0" smtClean="0"/>
-              <a:t>Mais pas tous les </a:t>
-            </a:r>
-            <a:r>
-              <a:rPr lang="fr-FR" dirty="0" err="1" smtClean="0"/>
-              <a:t>landmarks</a:t>
+              <a:t>Taille</a:t>
             </a:r>
             <a:r>
               <a:rPr lang="fr-FR" baseline="0" dirty="0" smtClean="0"/>
-              <a:t> </a:t>
-            </a:r>
-            <a:r>
-              <a:rPr lang="fr-FR" baseline="0" dirty="0" smtClean="0">
-                <a:sym typeface="Wingdings" panose="05000000000000000000" pitchFamily="2" charset="2"/>
-              </a:rPr>
-              <a:t> initialisation d’une autre méthode</a:t>
-            </a:r>
-            <a:endParaRPr lang="fr-FR" dirty="0"/>
+              <a:t> du voisinage : 5, 15,30, 45 et 60mm</a:t>
+            </a:r>
+            <a:endParaRPr lang="fr-FR" dirty="0" smtClean="0"/>
+          </a:p>
+          <a:p>
+            <a:endParaRPr lang="fr-FR" baseline="0" dirty="0" smtClean="0"/>
+          </a:p>
+          <a:p>
+            <a:r>
+              <a:rPr lang="fr-FR" baseline="0" dirty="0" smtClean="0"/>
+              <a:t>Single :</a:t>
+            </a:r>
+            <a:endParaRPr lang="fr-FR" baseline="0" dirty="0" smtClean="0"/>
+          </a:p>
+          <a:p>
+            <a:pPr marL="628650" lvl="1" indent="-171450">
+              <a:buFont typeface="Arial" panose="020B0604020202020204" pitchFamily="34" charset="0"/>
+              <a:buChar char="•"/>
+            </a:pPr>
+            <a:r>
+              <a:rPr lang="fr-FR" baseline="0" dirty="0" smtClean="0"/>
+              <a:t>Bin size 5</a:t>
+            </a:r>
+          </a:p>
+          <a:p>
+            <a:pPr marL="628650" lvl="1" indent="-171450">
+              <a:buFont typeface="Arial" panose="020B0604020202020204" pitchFamily="34" charset="0"/>
+              <a:buChar char="•"/>
+            </a:pPr>
+            <a:r>
+              <a:rPr lang="fr-FR" baseline="0" dirty="0" smtClean="0"/>
+              <a:t>Taille du voisinage : 15mm</a:t>
+            </a:r>
+          </a:p>
+          <a:p>
+            <a:endParaRPr lang="fr-FR" baseline="0" dirty="0" smtClean="0"/>
+          </a:p>
+          <a:p>
+            <a:r>
+              <a:rPr lang="fr-FR" baseline="0" dirty="0" smtClean="0"/>
+              <a:t>Faux positifs dans les cheveux</a:t>
+            </a:r>
+          </a:p>
+          <a:p>
+            <a:endParaRPr lang="fr-FR" baseline="0" dirty="0" smtClean="0"/>
+          </a:p>
+          <a:p>
+            <a:r>
+              <a:rPr lang="fr-FR" baseline="0" dirty="0" smtClean="0"/>
+              <a:t>Bin : pour SIH et SH (dis la largeur des colonnes de l’histogramme)</a:t>
+            </a:r>
           </a:p>
         </p:txBody>
       </p:sp>
@@ -1412,7 +1486,7 @@
     </p:spTree>
     <p:extLst>
       <p:ext uri="{BB962C8B-B14F-4D97-AF65-F5344CB8AC3E}">
-        <p14:creationId xmlns:p14="http://schemas.microsoft.com/office/powerpoint/2010/main" val="78258231"/>
+        <p14:creationId xmlns:p14="http://schemas.microsoft.com/office/powerpoint/2010/main" val="2641821909"/>
       </p:ext>
     </p:extLst>
   </p:cSld>
@@ -1468,44 +1542,35 @@
           <a:p>
             <a:r>
               <a:rPr lang="fr-FR" dirty="0" smtClean="0"/>
-              <a:t>Répétabilité = Les points sont détectés toujours au même endroit (de façon fiable)</a:t>
-            </a:r>
-          </a:p>
-          <a:p>
-            <a:endParaRPr lang="fr-FR" dirty="0" smtClean="0"/>
-          </a:p>
-          <a:p>
+              <a:t>Pour config 2,</a:t>
+            </a:r>
+            <a:r>
+              <a:rPr lang="fr-FR" baseline="0" dirty="0" smtClean="0"/>
+              <a:t> </a:t>
+            </a:r>
             <a:r>
               <a:rPr lang="fr-FR" dirty="0" smtClean="0"/>
-              <a:t>Hand-</a:t>
-            </a:r>
-            <a:r>
-              <a:rPr lang="fr-FR" dirty="0" err="1" smtClean="0"/>
-              <a:t>placed</a:t>
-            </a:r>
+              <a:t>Nez détecté à 99,47% pour r=10mm</a:t>
+            </a:r>
+          </a:p>
+          <a:p>
             <a:r>
               <a:rPr lang="fr-FR" dirty="0" smtClean="0"/>
-              <a:t> </a:t>
-            </a:r>
-            <a:r>
-              <a:rPr lang="fr-FR" dirty="0" err="1" smtClean="0"/>
-              <a:t>landmark</a:t>
-            </a:r>
-            <a:r>
-              <a:rPr lang="fr-FR" dirty="0" smtClean="0"/>
-              <a:t> = compare les </a:t>
+              <a:t>Mais pas tous les </a:t>
             </a:r>
             <a:r>
               <a:rPr lang="fr-FR" dirty="0" err="1" smtClean="0"/>
               <a:t>landmarks</a:t>
             </a:r>
             <a:r>
-              <a:rPr lang="fr-FR" dirty="0" smtClean="0"/>
-              <a:t> placés</a:t>
-            </a:r>
-            <a:r>
               <a:rPr lang="fr-FR" baseline="0" dirty="0" smtClean="0"/>
-              <a:t> à la main sur deux visages différents (96% de répétabilité à 10mm)</a:t>
+              <a:t> </a:t>
+            </a:r>
+            <a:r>
+              <a:rPr lang="fr-FR" baseline="0" dirty="0" smtClean="0">
+                <a:sym typeface="Wingdings" panose="05000000000000000000" pitchFamily="2" charset="2"/>
+              </a:rPr>
+              <a:t> initialisation d’une autre méthode</a:t>
             </a:r>
             <a:endParaRPr lang="fr-FR" dirty="0"/>
           </a:p>
@@ -1537,7 +1602,7 @@
     </p:spTree>
     <p:extLst>
       <p:ext uri="{BB962C8B-B14F-4D97-AF65-F5344CB8AC3E}">
-        <p14:creationId xmlns:p14="http://schemas.microsoft.com/office/powerpoint/2010/main" val="902835846"/>
+        <p14:creationId xmlns:p14="http://schemas.microsoft.com/office/powerpoint/2010/main" val="78258231"/>
       </p:ext>
     </p:extLst>
   </p:cSld>
@@ -1593,25 +1658,44 @@
           <a:p>
             <a:r>
               <a:rPr lang="fr-FR" dirty="0" smtClean="0"/>
-              <a:t>Pas + performant sur des rayons </a:t>
+              <a:t>Répétabilité = Les points sont détectés toujours au même endroit (de façon fiable)</a:t>
+            </a:r>
+          </a:p>
+          <a:p>
+            <a:endParaRPr lang="fr-FR" dirty="0" smtClean="0"/>
+          </a:p>
+          <a:p>
+            <a:r>
+              <a:rPr lang="fr-FR" dirty="0" smtClean="0"/>
+              <a:t>Hand-</a:t>
             </a:r>
             <a:r>
               <a:rPr lang="fr-FR" dirty="0" err="1" smtClean="0"/>
-              <a:t>ptt</a:t>
+              <a:t>placed</a:t>
             </a:r>
             <a:r>
               <a:rPr lang="fr-FR" dirty="0" smtClean="0"/>
-              <a:t> (10mm)</a:t>
-            </a:r>
-          </a:p>
-          <a:p>
+              <a:t> </a:t>
+            </a:r>
+            <a:r>
+              <a:rPr lang="fr-FR" dirty="0" err="1" smtClean="0"/>
+              <a:t>landmark</a:t>
+            </a:r>
             <a:r>
               <a:rPr lang="fr-FR" dirty="0" smtClean="0"/>
-              <a:t>Au</a:t>
+              <a:t> = compare les </a:t>
+            </a:r>
+            <a:r>
+              <a:rPr lang="fr-FR" dirty="0" err="1" smtClean="0"/>
+              <a:t>landmarks</a:t>
+            </a:r>
+            <a:r>
+              <a:rPr lang="fr-FR" dirty="0" smtClean="0"/>
+              <a:t> placés</a:t>
             </a:r>
             <a:r>
               <a:rPr lang="fr-FR" baseline="0" dirty="0" smtClean="0"/>
-              <a:t> MOINS 3 pts à 20mm</a:t>
+              <a:t> à la main sur deux visages différents (96% de répétabilité à 10mm)</a:t>
             </a:r>
             <a:endParaRPr lang="fr-FR" dirty="0"/>
           </a:p>
@@ -1634,7 +1718,7 @@
           <a:p>
             <a:fld id="{F73375FC-922A-4E4F-B7C5-7F3C172AFA72}" type="slidenum">
               <a:rPr lang="fr-FR" smtClean="0"/>
-              <a:t>21</a:t>
+              <a:t>20</a:t>
             </a:fld>
             <a:endParaRPr lang="fr-FR"/>
           </a:p>
@@ -1643,7 +1727,7 @@
     </p:spTree>
     <p:extLst>
       <p:ext uri="{BB962C8B-B14F-4D97-AF65-F5344CB8AC3E}">
-        <p14:creationId xmlns:p14="http://schemas.microsoft.com/office/powerpoint/2010/main" val="2971701253"/>
+        <p14:creationId xmlns:p14="http://schemas.microsoft.com/office/powerpoint/2010/main" val="902835846"/>
       </p:ext>
     </p:extLst>
   </p:cSld>
@@ -1699,7 +1783,25 @@
           <a:p>
             <a:r>
               <a:rPr lang="fr-FR" dirty="0" smtClean="0"/>
-              <a:t>Pas de problèmes à la rotation et aux occlusions</a:t>
+              <a:t>Pas + performant sur des rayons </a:t>
+            </a:r>
+            <a:r>
+              <a:rPr lang="fr-FR" dirty="0" err="1" smtClean="0"/>
+              <a:t>ptt</a:t>
+            </a:r>
+            <a:r>
+              <a:rPr lang="fr-FR" dirty="0" smtClean="0"/>
+              <a:t> (10mm)</a:t>
+            </a:r>
+          </a:p>
+          <a:p>
+            <a:r>
+              <a:rPr lang="fr-FR" dirty="0" smtClean="0"/>
+              <a:t>Au</a:t>
+            </a:r>
+            <a:r>
+              <a:rPr lang="fr-FR" baseline="0" dirty="0" smtClean="0"/>
+              <a:t> MOINS 3 pts à 20mm</a:t>
             </a:r>
             <a:endParaRPr lang="fr-FR" dirty="0"/>
           </a:p>
@@ -1731,7 +1833,7 @@
     </p:spTree>
     <p:extLst>
       <p:ext uri="{BB962C8B-B14F-4D97-AF65-F5344CB8AC3E}">
-        <p14:creationId xmlns:p14="http://schemas.microsoft.com/office/powerpoint/2010/main" val="740557011"/>
+        <p14:creationId xmlns:p14="http://schemas.microsoft.com/office/powerpoint/2010/main" val="2971701253"/>
       </p:ext>
     </p:extLst>
   </p:cSld>
@@ -7943,7 +8045,73 @@
           <a:bodyPr/>
           <a:lstStyle/>
           <a:p>
-            <a:endParaRPr lang="fr-FR"/>
+            <a:pPr>
+              <a:buClr>
+                <a:schemeClr val="bg1"/>
+              </a:buClr>
+              <a:buFont typeface="+mj-lt"/>
+              <a:buAutoNum type="arabicPeriod"/>
+            </a:pPr>
+            <a:r>
+              <a:rPr lang="fr-FR" dirty="0"/>
+              <a:t>Principe général</a:t>
+            </a:r>
+          </a:p>
+          <a:p>
+            <a:pPr>
+              <a:buClr>
+                <a:schemeClr val="bg1"/>
+              </a:buClr>
+              <a:buFont typeface="+mj-lt"/>
+              <a:buAutoNum type="arabicPeriod"/>
+            </a:pPr>
+            <a:r>
+              <a:rPr lang="fr-FR" dirty="0"/>
+              <a:t>Détails techniques</a:t>
+            </a:r>
+          </a:p>
+          <a:p>
+            <a:pPr lvl="1"/>
+            <a:r>
+              <a:rPr lang="fr-FR" dirty="0" err="1">
+                <a:solidFill>
+                  <a:schemeClr val="bg1"/>
+                </a:solidFill>
+              </a:rPr>
+              <a:t>Keypoints</a:t>
+            </a:r>
+            <a:endParaRPr lang="fr-FR" dirty="0">
+              <a:solidFill>
+                <a:schemeClr val="bg1"/>
+              </a:solidFill>
+            </a:endParaRPr>
+          </a:p>
+          <a:p>
+            <a:pPr lvl="1"/>
+            <a:r>
+              <a:rPr lang="fr-FR" dirty="0" err="1"/>
+              <a:t>Landmarks</a:t>
+            </a:r>
+            <a:endParaRPr lang="fr-FR" dirty="0"/>
+          </a:p>
+          <a:p>
+            <a:pPr>
+              <a:buFont typeface="+mj-lt"/>
+              <a:buAutoNum type="arabicPeriod"/>
+            </a:pPr>
+            <a:r>
+              <a:rPr lang="fr-FR" dirty="0"/>
+              <a:t>Résultats</a:t>
+            </a:r>
+          </a:p>
+          <a:p>
+            <a:endParaRPr lang="fr-FR" dirty="0"/>
+          </a:p>
+          <a:p>
+            <a:endParaRPr lang="fr-FR" dirty="0"/>
+          </a:p>
+          <a:p>
+            <a:endParaRPr lang="fr-FR" dirty="0"/>
           </a:p>
         </p:txBody>
       </p:sp>
@@ -8174,7 +8342,73 @@
           <a:bodyPr/>
           <a:lstStyle/>
           <a:p>
-            <a:endParaRPr lang="fr-FR"/>
+            <a:pPr>
+              <a:buClr>
+                <a:schemeClr val="bg1"/>
+              </a:buClr>
+              <a:buFont typeface="+mj-lt"/>
+              <a:buAutoNum type="arabicPeriod"/>
+            </a:pPr>
+            <a:r>
+              <a:rPr lang="fr-FR" dirty="0"/>
+              <a:t>Principe général</a:t>
+            </a:r>
+          </a:p>
+          <a:p>
+            <a:pPr>
+              <a:buClr>
+                <a:schemeClr val="bg1"/>
+              </a:buClr>
+              <a:buFont typeface="+mj-lt"/>
+              <a:buAutoNum type="arabicPeriod"/>
+            </a:pPr>
+            <a:r>
+              <a:rPr lang="fr-FR" dirty="0"/>
+              <a:t>Détails techniques</a:t>
+            </a:r>
+          </a:p>
+          <a:p>
+            <a:pPr lvl="1"/>
+            <a:r>
+              <a:rPr lang="fr-FR" dirty="0" err="1">
+                <a:solidFill>
+                  <a:schemeClr val="bg1"/>
+                </a:solidFill>
+              </a:rPr>
+              <a:t>Keypoints</a:t>
+            </a:r>
+            <a:endParaRPr lang="fr-FR" dirty="0">
+              <a:solidFill>
+                <a:schemeClr val="bg1"/>
+              </a:solidFill>
+            </a:endParaRPr>
+          </a:p>
+          <a:p>
+            <a:pPr lvl="1"/>
+            <a:r>
+              <a:rPr lang="fr-FR" dirty="0" err="1"/>
+              <a:t>Landmarks</a:t>
+            </a:r>
+            <a:endParaRPr lang="fr-FR" dirty="0"/>
+          </a:p>
+          <a:p>
+            <a:pPr>
+              <a:buFont typeface="+mj-lt"/>
+              <a:buAutoNum type="arabicPeriod"/>
+            </a:pPr>
+            <a:r>
+              <a:rPr lang="fr-FR" dirty="0"/>
+              <a:t>Résultats</a:t>
+            </a:r>
+          </a:p>
+          <a:p>
+            <a:endParaRPr lang="fr-FR" dirty="0"/>
+          </a:p>
+          <a:p>
+            <a:endParaRPr lang="fr-FR" dirty="0"/>
+          </a:p>
+          <a:p>
+            <a:endParaRPr lang="fr-FR" dirty="0"/>
           </a:p>
         </p:txBody>
       </p:sp>
@@ -8370,7 +8604,73 @@
           <a:bodyPr/>
           <a:lstStyle/>
           <a:p>
-            <a:endParaRPr lang="fr-FR"/>
+            <a:pPr>
+              <a:buClr>
+                <a:schemeClr val="bg1"/>
+              </a:buClr>
+              <a:buFont typeface="+mj-lt"/>
+              <a:buAutoNum type="arabicPeriod"/>
+            </a:pPr>
+            <a:r>
+              <a:rPr lang="fr-FR" dirty="0"/>
+              <a:t>Principe général</a:t>
+            </a:r>
+          </a:p>
+          <a:p>
+            <a:pPr>
+              <a:buClr>
+                <a:schemeClr val="bg1"/>
+              </a:buClr>
+              <a:buFont typeface="+mj-lt"/>
+              <a:buAutoNum type="arabicPeriod"/>
+            </a:pPr>
+            <a:r>
+              <a:rPr lang="fr-FR" dirty="0"/>
+              <a:t>Détails techniques</a:t>
+            </a:r>
+          </a:p>
+          <a:p>
+            <a:pPr lvl="1"/>
+            <a:r>
+              <a:rPr lang="fr-FR" dirty="0" err="1">
+                <a:solidFill>
+                  <a:schemeClr val="bg1"/>
+                </a:solidFill>
+              </a:rPr>
+              <a:t>Keypoints</a:t>
+            </a:r>
+            <a:endParaRPr lang="fr-FR" dirty="0">
+              <a:solidFill>
+                <a:schemeClr val="bg1"/>
+              </a:solidFill>
+            </a:endParaRPr>
+          </a:p>
+          <a:p>
+            <a:pPr lvl="1"/>
+            <a:r>
+              <a:rPr lang="fr-FR" dirty="0" err="1"/>
+              <a:t>Landmarks</a:t>
+            </a:r>
+            <a:endParaRPr lang="fr-FR" dirty="0"/>
+          </a:p>
+          <a:p>
+            <a:pPr>
+              <a:buFont typeface="+mj-lt"/>
+              <a:buAutoNum type="arabicPeriod"/>
+            </a:pPr>
+            <a:r>
+              <a:rPr lang="fr-FR" dirty="0"/>
+              <a:t>Résultats</a:t>
+            </a:r>
+          </a:p>
+          <a:p>
+            <a:endParaRPr lang="fr-FR" dirty="0"/>
+          </a:p>
+          <a:p>
+            <a:endParaRPr lang="fr-FR" dirty="0"/>
+          </a:p>
+          <a:p>
+            <a:endParaRPr lang="fr-FR" dirty="0"/>
           </a:p>
         </p:txBody>
       </p:sp>
@@ -8622,7 +8922,73 @@
           <a:bodyPr/>
           <a:lstStyle/>
           <a:p>
-            <a:endParaRPr lang="fr-FR"/>
+            <a:pPr>
+              <a:buClr>
+                <a:schemeClr val="bg1"/>
+              </a:buClr>
+              <a:buFont typeface="+mj-lt"/>
+              <a:buAutoNum type="arabicPeriod"/>
+            </a:pPr>
+            <a:r>
+              <a:rPr lang="fr-FR" dirty="0"/>
+              <a:t>Principe général</a:t>
+            </a:r>
+          </a:p>
+          <a:p>
+            <a:pPr>
+              <a:buClr>
+                <a:schemeClr val="bg1"/>
+              </a:buClr>
+              <a:buFont typeface="+mj-lt"/>
+              <a:buAutoNum type="arabicPeriod"/>
+            </a:pPr>
+            <a:r>
+              <a:rPr lang="fr-FR" dirty="0"/>
+              <a:t>Détails techniques</a:t>
+            </a:r>
+          </a:p>
+          <a:p>
+            <a:pPr lvl="1"/>
+            <a:r>
+              <a:rPr lang="fr-FR" dirty="0" err="1">
+                <a:solidFill>
+                  <a:schemeClr val="bg1"/>
+                </a:solidFill>
+              </a:rPr>
+              <a:t>Keypoints</a:t>
+            </a:r>
+            <a:endParaRPr lang="fr-FR" dirty="0">
+              <a:solidFill>
+                <a:schemeClr val="bg1"/>
+              </a:solidFill>
+            </a:endParaRPr>
+          </a:p>
+          <a:p>
+            <a:pPr lvl="1"/>
+            <a:r>
+              <a:rPr lang="fr-FR" dirty="0" err="1"/>
+              <a:t>Landmarks</a:t>
+            </a:r>
+            <a:endParaRPr lang="fr-FR" dirty="0"/>
+          </a:p>
+          <a:p>
+            <a:pPr>
+              <a:buFont typeface="+mj-lt"/>
+              <a:buAutoNum type="arabicPeriod"/>
+            </a:pPr>
+            <a:r>
+              <a:rPr lang="fr-FR" dirty="0"/>
+              <a:t>Résultats</a:t>
+            </a:r>
+          </a:p>
+          <a:p>
+            <a:endParaRPr lang="fr-FR" dirty="0"/>
+          </a:p>
+          <a:p>
+            <a:endParaRPr lang="fr-FR" dirty="0"/>
+          </a:p>
+          <a:p>
+            <a:endParaRPr lang="fr-FR" dirty="0"/>
           </a:p>
         </p:txBody>
       </p:sp>
@@ -8635,7 +9001,7 @@
           <p:nvPr/>
         </p:nvPicPr>
         <p:blipFill rotWithShape="1">
-          <a:blip r:embed="rId2"/>
+          <a:blip r:embed="rId3"/>
           <a:srcRect l="26224"/>
           <a:stretch/>
         </p:blipFill>
@@ -8817,7 +9183,73 @@
           <a:bodyPr/>
           <a:lstStyle/>
           <a:p>
-            <a:endParaRPr lang="fr-FR"/>
+            <a:pPr>
+              <a:buClr>
+                <a:schemeClr val="bg1"/>
+              </a:buClr>
+              <a:buFont typeface="+mj-lt"/>
+              <a:buAutoNum type="arabicPeriod"/>
+            </a:pPr>
+            <a:r>
+              <a:rPr lang="fr-FR" dirty="0"/>
+              <a:t>Principe général</a:t>
+            </a:r>
+          </a:p>
+          <a:p>
+            <a:pPr>
+              <a:buClr>
+                <a:schemeClr val="bg1"/>
+              </a:buClr>
+              <a:buFont typeface="+mj-lt"/>
+              <a:buAutoNum type="arabicPeriod"/>
+            </a:pPr>
+            <a:r>
+              <a:rPr lang="fr-FR" dirty="0"/>
+              <a:t>Détails techniques</a:t>
+            </a:r>
+          </a:p>
+          <a:p>
+            <a:pPr lvl="1"/>
+            <a:r>
+              <a:rPr lang="fr-FR" dirty="0" err="1">
+                <a:solidFill>
+                  <a:schemeClr val="bg1"/>
+                </a:solidFill>
+              </a:rPr>
+              <a:t>Keypoints</a:t>
+            </a:r>
+            <a:endParaRPr lang="fr-FR" dirty="0">
+              <a:solidFill>
+                <a:schemeClr val="bg1"/>
+              </a:solidFill>
+            </a:endParaRPr>
+          </a:p>
+          <a:p>
+            <a:pPr lvl="1"/>
+            <a:r>
+              <a:rPr lang="fr-FR" dirty="0" err="1"/>
+              <a:t>Landmarks</a:t>
+            </a:r>
+            <a:endParaRPr lang="fr-FR" dirty="0"/>
+          </a:p>
+          <a:p>
+            <a:pPr>
+              <a:buFont typeface="+mj-lt"/>
+              <a:buAutoNum type="arabicPeriod"/>
+            </a:pPr>
+            <a:r>
+              <a:rPr lang="fr-FR" dirty="0"/>
+              <a:t>Résultats</a:t>
+            </a:r>
+          </a:p>
+          <a:p>
+            <a:endParaRPr lang="fr-FR" dirty="0"/>
+          </a:p>
+          <a:p>
+            <a:endParaRPr lang="fr-FR" dirty="0"/>
+          </a:p>
+          <a:p>
+            <a:endParaRPr lang="fr-FR" dirty="0"/>
           </a:p>
         </p:txBody>
       </p:sp>
@@ -9013,10 +9445,100 @@
           <a:bodyPr/>
           <a:lstStyle/>
           <a:p>
-            <a:endParaRPr lang="fr-FR"/>
-          </a:p>
-        </p:txBody>
-      </p:sp>
+            <a:pPr>
+              <a:buClr>
+                <a:schemeClr val="bg1"/>
+              </a:buClr>
+              <a:buFont typeface="+mj-lt"/>
+              <a:buAutoNum type="arabicPeriod"/>
+            </a:pPr>
+            <a:r>
+              <a:rPr lang="fr-FR" dirty="0"/>
+              <a:t>Principe général</a:t>
+            </a:r>
+          </a:p>
+          <a:p>
+            <a:pPr>
+              <a:buClr>
+                <a:schemeClr val="bg1"/>
+              </a:buClr>
+              <a:buFont typeface="+mj-lt"/>
+              <a:buAutoNum type="arabicPeriod"/>
+            </a:pPr>
+            <a:r>
+              <a:rPr lang="fr-FR" dirty="0"/>
+              <a:t>Détails techniques</a:t>
+            </a:r>
+          </a:p>
+          <a:p>
+            <a:pPr lvl="1"/>
+            <a:r>
+              <a:rPr lang="fr-FR" dirty="0" err="1"/>
+              <a:t>Keypoints</a:t>
+            </a:r>
+            <a:endParaRPr lang="fr-FR" dirty="0"/>
+          </a:p>
+          <a:p>
+            <a:pPr lvl="1"/>
+            <a:r>
+              <a:rPr lang="fr-FR" dirty="0" err="1">
+                <a:solidFill>
+                  <a:schemeClr val="bg1"/>
+                </a:solidFill>
+              </a:rPr>
+              <a:t>Landmarks</a:t>
+            </a:r>
+            <a:endParaRPr lang="fr-FR" dirty="0">
+              <a:solidFill>
+                <a:schemeClr val="bg1"/>
+              </a:solidFill>
+            </a:endParaRPr>
+          </a:p>
+          <a:p>
+            <a:pPr>
+              <a:buFont typeface="+mj-lt"/>
+              <a:buAutoNum type="arabicPeriod"/>
+            </a:pPr>
+            <a:r>
+              <a:rPr lang="fr-FR" dirty="0"/>
+              <a:t>Résultats</a:t>
+            </a:r>
+          </a:p>
+          <a:p>
+            <a:endParaRPr lang="fr-FR" dirty="0"/>
+          </a:p>
+          <a:p>
+            <a:endParaRPr lang="fr-FR" dirty="0"/>
+          </a:p>
+          <a:p>
+            <a:endParaRPr lang="fr-FR" dirty="0"/>
+          </a:p>
+        </p:txBody>
+      </p:sp>
+      <p:pic>
+        <p:nvPicPr>
+          <p:cNvPr id="8" name="Image 7"/>
+          <p:cNvPicPr>
+            <a:picLocks noChangeAspect="1"/>
+          </p:cNvPicPr>
+          <p:nvPr/>
+        </p:nvPicPr>
+        <p:blipFill>
+          <a:blip r:embed="rId2"/>
+          <a:stretch>
+            <a:fillRect/>
+          </a:stretch>
+        </p:blipFill>
+        <p:spPr>
+          <a:xfrm>
+            <a:off x="291398" y="2958165"/>
+            <a:ext cx="9375254" cy="1876882"/>
+          </a:xfrm>
+          <a:prstGeom prst="rect">
+            <a:avLst/>
+          </a:prstGeom>
+        </p:spPr>
+      </p:pic>
     </p:spTree>
     <p:extLst>
       <p:ext uri="{BB962C8B-B14F-4D97-AF65-F5344CB8AC3E}">
@@ -9071,186 +9593,7 @@
           <a:p>
             <a:r>
               <a:rPr lang="fr-FR" dirty="0" smtClean="0"/>
-              <a:t>Résultats</a:t>
-            </a:r>
-            <a:endParaRPr lang="fr-FR" dirty="0"/>
-          </a:p>
-        </p:txBody>
-      </p:sp>
-      <p:sp>
-        <p:nvSpPr>
-          <p:cNvPr id="3" name="Espace réservé du contenu 2"/>
-          <p:cNvSpPr>
-            <a:spLocks noGrp="1"/>
-          </p:cNvSpPr>
-          <p:nvPr>
-            <p:ph idx="1"/>
-          </p:nvPr>
-        </p:nvSpPr>
-        <p:spPr/>
-        <p:txBody>
-          <a:bodyPr>
-            <a:normAutofit fontScale="92500" lnSpcReduction="20000"/>
-          </a:bodyPr>
-          <a:lstStyle/>
-          <a:p>
-            <a:r>
-              <a:rPr lang="fr-FR" dirty="0" err="1" smtClean="0"/>
-              <a:t>Kepoints</a:t>
-            </a:r>
-            <a:endParaRPr lang="fr-FR" dirty="0" smtClean="0"/>
-          </a:p>
-          <a:p>
-            <a:pPr lvl="1"/>
-            <a:endParaRPr lang="fr-FR" dirty="0"/>
-          </a:p>
-          <a:p>
-            <a:pPr lvl="1"/>
-            <a:r>
-              <a:rPr lang="fr-FR" dirty="0" smtClean="0"/>
-              <a:t>10 descripteurs :</a:t>
-            </a:r>
-          </a:p>
-          <a:p>
-            <a:pPr lvl="2"/>
-            <a:r>
-              <a:rPr lang="fr-FR" dirty="0"/>
-              <a:t>First principal </a:t>
-            </a:r>
-            <a:r>
-              <a:rPr lang="fr-FR" dirty="0" err="1"/>
-              <a:t>curvature</a:t>
-            </a:r>
-            <a:r>
-              <a:rPr lang="fr-FR" dirty="0"/>
-              <a:t> (k1)</a:t>
-            </a:r>
-          </a:p>
-          <a:p>
-            <a:pPr lvl="2"/>
-            <a:r>
-              <a:rPr lang="fr-FR" dirty="0"/>
-              <a:t>Second principal </a:t>
-            </a:r>
-            <a:r>
-              <a:rPr lang="fr-FR" dirty="0" err="1"/>
-              <a:t>curvature</a:t>
-            </a:r>
-            <a:r>
-              <a:rPr lang="fr-FR" dirty="0"/>
-              <a:t> (k2)</a:t>
-            </a:r>
-          </a:p>
-          <a:p>
-            <a:pPr lvl="2"/>
-            <a:r>
-              <a:rPr lang="fr-FR" dirty="0" err="1"/>
-              <a:t>Gaussian</a:t>
-            </a:r>
-            <a:r>
-              <a:rPr lang="fr-FR" dirty="0"/>
-              <a:t> </a:t>
-            </a:r>
-            <a:r>
-              <a:rPr lang="fr-FR" dirty="0" err="1"/>
-              <a:t>curvature</a:t>
-            </a:r>
-            <a:r>
-              <a:rPr lang="fr-FR" dirty="0"/>
-              <a:t> (K)</a:t>
-            </a:r>
-          </a:p>
-          <a:p>
-            <a:pPr lvl="2"/>
-            <a:r>
-              <a:rPr lang="fr-FR" dirty="0" err="1"/>
-              <a:t>Mean</a:t>
-            </a:r>
-            <a:r>
-              <a:rPr lang="fr-FR" dirty="0"/>
-              <a:t> </a:t>
-            </a:r>
-            <a:r>
-              <a:rPr lang="fr-FR" dirty="0" err="1"/>
-              <a:t>curvature</a:t>
-            </a:r>
-            <a:r>
-              <a:rPr lang="fr-FR" dirty="0"/>
-              <a:t> (H)</a:t>
-            </a:r>
-          </a:p>
-          <a:p>
-            <a:pPr lvl="2"/>
-            <a:r>
-              <a:rPr lang="fr-FR" dirty="0"/>
-              <a:t>Shape Index (SI)</a:t>
-            </a:r>
-          </a:p>
-          <a:p>
-            <a:pPr lvl="2"/>
-            <a:r>
-              <a:rPr lang="fr-FR" dirty="0"/>
-              <a:t>Log </a:t>
-            </a:r>
-            <a:r>
-              <a:rPr lang="fr-FR" dirty="0" err="1"/>
-              <a:t>Curvedness</a:t>
-            </a:r>
-            <a:r>
-              <a:rPr lang="fr-FR" dirty="0"/>
-              <a:t> (LC)</a:t>
-            </a:r>
-          </a:p>
-          <a:p>
-            <a:pPr lvl="2"/>
-            <a:r>
-              <a:rPr lang="fr-FR" dirty="0"/>
-              <a:t>Distance to Local Plane (DLP)</a:t>
-            </a:r>
-          </a:p>
-          <a:p>
-            <a:pPr lvl="2"/>
-            <a:r>
-              <a:rPr lang="fr-FR" dirty="0"/>
-              <a:t>Local Volume (VOL)</a:t>
-            </a:r>
-          </a:p>
-          <a:p>
-            <a:pPr lvl="2"/>
-            <a:r>
-              <a:rPr lang="fr-FR" dirty="0"/>
-              <a:t>Spin Image </a:t>
-            </a:r>
-            <a:r>
-              <a:rPr lang="fr-FR" dirty="0" err="1"/>
-              <a:t>Histogram</a:t>
-            </a:r>
-            <a:r>
-              <a:rPr lang="fr-FR" dirty="0"/>
-              <a:t> (SIH)</a:t>
-            </a:r>
-          </a:p>
-          <a:p>
-            <a:pPr lvl="2"/>
-            <a:r>
-              <a:rPr lang="fr-FR" dirty="0" err="1"/>
-              <a:t>Spherical</a:t>
-            </a:r>
-            <a:r>
-              <a:rPr lang="fr-FR" dirty="0"/>
-              <a:t> </a:t>
-            </a:r>
-            <a:r>
-              <a:rPr lang="fr-FR" dirty="0" err="1"/>
-              <a:t>Histogram</a:t>
-            </a:r>
-            <a:r>
-              <a:rPr lang="fr-FR" dirty="0"/>
-              <a:t> (SH</a:t>
-            </a:r>
-            <a:r>
-              <a:rPr lang="fr-FR" dirty="0" smtClean="0"/>
-              <a:t>)</a:t>
+              <a:t>Détails techniques</a:t>
             </a:r>
             <a:endParaRPr lang="fr-FR" dirty="0"/>
           </a:p>
@@ -9341,14 +9684,158 @@
           <a:bodyPr/>
           <a:lstStyle/>
           <a:p>
-            <a:endParaRPr lang="fr-FR"/>
+            <a:pPr>
+              <a:buClr>
+                <a:schemeClr val="bg1"/>
+              </a:buClr>
+              <a:buFont typeface="+mj-lt"/>
+              <a:buAutoNum type="arabicPeriod"/>
+            </a:pPr>
+            <a:r>
+              <a:rPr lang="fr-FR" dirty="0"/>
+              <a:t>Principe général</a:t>
+            </a:r>
+          </a:p>
+          <a:p>
+            <a:pPr>
+              <a:buClr>
+                <a:schemeClr val="bg1"/>
+              </a:buClr>
+              <a:buFont typeface="+mj-lt"/>
+              <a:buAutoNum type="arabicPeriod"/>
+            </a:pPr>
+            <a:r>
+              <a:rPr lang="fr-FR" dirty="0"/>
+              <a:t>Détails techniques</a:t>
+            </a:r>
+          </a:p>
+          <a:p>
+            <a:pPr lvl="1"/>
+            <a:r>
+              <a:rPr lang="fr-FR" dirty="0" err="1"/>
+              <a:t>Keypoints</a:t>
+            </a:r>
+            <a:endParaRPr lang="fr-FR" dirty="0"/>
+          </a:p>
+          <a:p>
+            <a:pPr lvl="1"/>
+            <a:r>
+              <a:rPr lang="fr-FR" dirty="0" err="1">
+                <a:solidFill>
+                  <a:schemeClr val="bg1"/>
+                </a:solidFill>
+              </a:rPr>
+              <a:t>Landmarks</a:t>
+            </a:r>
+            <a:endParaRPr lang="fr-FR" dirty="0">
+              <a:solidFill>
+                <a:schemeClr val="bg1"/>
+              </a:solidFill>
+            </a:endParaRPr>
+          </a:p>
+          <a:p>
+            <a:pPr>
+              <a:buFont typeface="+mj-lt"/>
+              <a:buAutoNum type="arabicPeriod"/>
+            </a:pPr>
+            <a:r>
+              <a:rPr lang="fr-FR" dirty="0"/>
+              <a:t>Résultats</a:t>
+            </a:r>
+          </a:p>
+          <a:p>
+            <a:endParaRPr lang="fr-FR" dirty="0"/>
+          </a:p>
+          <a:p>
+            <a:endParaRPr lang="fr-FR" dirty="0"/>
+          </a:p>
+          <a:p>
+            <a:endParaRPr lang="fr-FR" dirty="0"/>
+          </a:p>
+          <a:p>
+            <a:endParaRPr lang="fr-FR" dirty="0"/>
+          </a:p>
+        </p:txBody>
+      </p:sp>
+      <p:pic>
+        <p:nvPicPr>
+          <p:cNvPr id="10" name="Image 9"/>
+          <p:cNvPicPr>
+            <a:picLocks noChangeAspect="1"/>
+          </p:cNvPicPr>
+          <p:nvPr/>
+        </p:nvPicPr>
+        <p:blipFill rotWithShape="1">
+          <a:blip r:embed="rId2"/>
+          <a:srcRect t="33966" r="81512" b="33262"/>
+          <a:stretch/>
+        </p:blipFill>
+        <p:spPr>
+          <a:xfrm>
+            <a:off x="4959224" y="2672458"/>
+            <a:ext cx="2454974" cy="2979803"/>
+          </a:xfrm>
+          <a:prstGeom prst="rect">
+            <a:avLst/>
+          </a:prstGeom>
+        </p:spPr>
+      </p:pic>
+      <p:pic>
+        <p:nvPicPr>
+          <p:cNvPr id="11" name="Image 10"/>
+          <p:cNvPicPr>
+            <a:picLocks noChangeAspect="1"/>
+          </p:cNvPicPr>
+          <p:nvPr/>
+        </p:nvPicPr>
+        <p:blipFill>
+          <a:blip r:embed="rId3"/>
+          <a:stretch>
+            <a:fillRect/>
+          </a:stretch>
+        </p:blipFill>
+        <p:spPr>
+          <a:xfrm>
+            <a:off x="677334" y="2672458"/>
+            <a:ext cx="2422086" cy="2979803"/>
+          </a:xfrm>
+          <a:prstGeom prst="rect">
+            <a:avLst/>
+          </a:prstGeom>
+        </p:spPr>
+      </p:pic>
+      <p:sp>
+        <p:nvSpPr>
+          <p:cNvPr id="12" name="Espace réservé du contenu 2"/>
+          <p:cNvSpPr>
+            <a:spLocks noGrp="1"/>
+          </p:cNvSpPr>
+          <p:nvPr>
+            <p:ph idx="1"/>
+          </p:nvPr>
+        </p:nvSpPr>
+        <p:spPr>
+          <a:xfrm>
+            <a:off x="677334" y="2160589"/>
+            <a:ext cx="8596668" cy="4003543"/>
+          </a:xfrm>
+        </p:spPr>
+        <p:txBody>
+          <a:bodyPr/>
+          <a:lstStyle/>
+          <a:p>
+            <a:r>
+              <a:rPr lang="fr-FR" dirty="0" err="1" smtClean="0"/>
+              <a:t>Landmarks</a:t>
+            </a:r>
+            <a:endParaRPr lang="fr-FR" dirty="0"/>
           </a:p>
         </p:txBody>
       </p:sp>
     </p:spTree>
     <p:extLst>
       <p:ext uri="{BB962C8B-B14F-4D97-AF65-F5344CB8AC3E}">
-        <p14:creationId xmlns:p14="http://schemas.microsoft.com/office/powerpoint/2010/main" val="2728393882"/>
+        <p14:creationId xmlns:p14="http://schemas.microsoft.com/office/powerpoint/2010/main" val="1036265162"/>
       </p:ext>
     </p:extLst>
   </p:cSld>
@@ -9417,44 +9904,169 @@
         </p:nvSpPr>
         <p:spPr/>
         <p:txBody>
-          <a:bodyPr/>
+          <a:bodyPr>
+            <a:normAutofit fontScale="92500" lnSpcReduction="20000"/>
+          </a:bodyPr>
           <a:lstStyle/>
           <a:p>
             <a:r>
               <a:rPr lang="fr-FR" dirty="0" err="1" smtClean="0"/>
-              <a:t>Keypoints</a:t>
+              <a:t>Kepoints</a:t>
             </a:r>
             <a:endParaRPr lang="fr-FR" dirty="0" smtClean="0"/>
           </a:p>
           <a:p>
             <a:pPr lvl="1"/>
-            <a:endParaRPr lang="fr-FR" dirty="0" smtClean="0"/>
+            <a:endParaRPr lang="fr-FR" dirty="0"/>
           </a:p>
           <a:p>
             <a:pPr lvl="1"/>
             <a:r>
+              <a:rPr lang="fr-FR" dirty="0" smtClean="0"/>
+              <a:t>10 descripteurs :</a:t>
+            </a:r>
+          </a:p>
+          <a:p>
+            <a:pPr lvl="2"/>
+            <a:r>
               <a:rPr lang="fr-FR" dirty="0"/>
-              <a:t>Multi-</a:t>
+              <a:t>First principal </a:t>
             </a:r>
             <a:r>
               <a:rPr lang="fr-FR" dirty="0" err="1"/>
-              <a:t>scale</a:t>
-            </a:r>
-            <a:endParaRPr lang="fr-FR" dirty="0"/>
-          </a:p>
-          <a:p>
-            <a:pPr lvl="1"/>
+              <a:t>curvature</a:t>
+            </a:r>
             <a:r>
               <a:rPr lang="fr-FR" dirty="0"/>
-              <a:t>Single-</a:t>
+              <a:t> (k1)</a:t>
+            </a:r>
+          </a:p>
+          <a:p>
+            <a:pPr lvl="2"/>
+            <a:r>
+              <a:rPr lang="fr-FR" dirty="0"/>
+              <a:t>Second principal </a:t>
             </a:r>
             <a:r>
               <a:rPr lang="fr-FR" dirty="0" err="1"/>
-              <a:t>scale</a:t>
-            </a:r>
-            <a:endParaRPr lang="fr-FR" dirty="0"/>
-          </a:p>
-          <a:p>
+              <a:t>curvature</a:t>
+            </a:r>
+            <a:r>
+              <a:rPr lang="fr-FR" dirty="0"/>
+              <a:t> (k2)</a:t>
+            </a:r>
+          </a:p>
+          <a:p>
+            <a:pPr lvl="2"/>
+            <a:r>
+              <a:rPr lang="fr-FR" dirty="0" err="1"/>
+              <a:t>Gaussian</a:t>
+            </a:r>
+            <a:r>
+              <a:rPr lang="fr-FR" dirty="0"/>
+              <a:t> </a:t>
+            </a:r>
+            <a:r>
+              <a:rPr lang="fr-FR" dirty="0" err="1"/>
+              <a:t>curvature</a:t>
+            </a:r>
+            <a:r>
+              <a:rPr lang="fr-FR" dirty="0"/>
+              <a:t> (K)</a:t>
+            </a:r>
+          </a:p>
+          <a:p>
+            <a:pPr lvl="2"/>
+            <a:r>
+              <a:rPr lang="fr-FR" dirty="0" err="1"/>
+              <a:t>Mean</a:t>
+            </a:r>
+            <a:r>
+              <a:rPr lang="fr-FR" dirty="0"/>
+              <a:t> </a:t>
+            </a:r>
+            <a:r>
+              <a:rPr lang="fr-FR" dirty="0" err="1"/>
+              <a:t>curvature</a:t>
+            </a:r>
+            <a:r>
+              <a:rPr lang="fr-FR" dirty="0"/>
+              <a:t> (H)</a:t>
+            </a:r>
+          </a:p>
+          <a:p>
+            <a:pPr lvl="2"/>
+            <a:r>
+              <a:rPr lang="fr-FR" dirty="0"/>
+              <a:t>Shape Index (SI)</a:t>
+            </a:r>
+          </a:p>
+          <a:p>
+            <a:pPr lvl="2"/>
+            <a:r>
+              <a:rPr lang="fr-FR" dirty="0"/>
+              <a:t>Log </a:t>
+            </a:r>
+            <a:r>
+              <a:rPr lang="fr-FR" dirty="0" err="1"/>
+              <a:t>Curvedness</a:t>
+            </a:r>
+            <a:r>
+              <a:rPr lang="fr-FR" dirty="0"/>
+              <a:t> (LC)</a:t>
+            </a:r>
+          </a:p>
+          <a:p>
+            <a:pPr lvl="2"/>
+            <a:r>
+              <a:rPr lang="fr-FR" dirty="0"/>
+              <a:t>Distance to Local Plane (DLP)</a:t>
+            </a:r>
+          </a:p>
+          <a:p>
+            <a:pPr lvl="2"/>
+            <a:r>
+              <a:rPr lang="fr-FR" dirty="0"/>
+              <a:t>Local Volume (VOL)</a:t>
+            </a:r>
+          </a:p>
+          <a:p>
+            <a:pPr lvl="2"/>
+            <a:r>
+              <a:rPr lang="fr-FR" dirty="0"/>
+              <a:t>Spin Image </a:t>
+            </a:r>
+            <a:r>
+              <a:rPr lang="fr-FR" dirty="0" err="1"/>
+              <a:t>Histogram</a:t>
+            </a:r>
+            <a:r>
+              <a:rPr lang="fr-FR" dirty="0"/>
+              <a:t> (SIH)</a:t>
+            </a:r>
+          </a:p>
+          <a:p>
+            <a:pPr lvl="2"/>
+            <a:r>
+              <a:rPr lang="fr-FR" dirty="0" err="1"/>
+              <a:t>Spherical</a:t>
+            </a:r>
+            <a:r>
+              <a:rPr lang="fr-FR" dirty="0"/>
+              <a:t> </a:t>
+            </a:r>
+            <a:r>
+              <a:rPr lang="fr-FR" dirty="0" err="1"/>
+              <a:t>Histogram</a:t>
+            </a:r>
+            <a:r>
+              <a:rPr lang="fr-FR" dirty="0"/>
+              <a:t> (SH</a:t>
+            </a:r>
+            <a:r>
+              <a:rPr lang="fr-FR" dirty="0" smtClean="0"/>
+              <a:t>)</a:t>
+            </a:r>
             <a:endParaRPr lang="fr-FR" dirty="0"/>
           </a:p>
         </p:txBody>
@@ -9544,7 +10156,348 @@
           <a:bodyPr/>
           <a:lstStyle/>
           <a:p>
+            <a:pPr>
+              <a:buClr>
+                <a:schemeClr val="bg1"/>
+              </a:buClr>
+              <a:buFont typeface="+mj-lt"/>
+              <a:buAutoNum type="arabicPeriod"/>
+            </a:pPr>
+            <a:r>
+              <a:rPr lang="fr-FR" dirty="0"/>
+              <a:t>Principe général</a:t>
+            </a:r>
+          </a:p>
+          <a:p>
+            <a:pPr>
+              <a:buClr>
+                <a:schemeClr val="bg1"/>
+              </a:buClr>
+              <a:buFont typeface="+mj-lt"/>
+              <a:buAutoNum type="arabicPeriod"/>
+            </a:pPr>
+            <a:r>
+              <a:rPr lang="fr-FR" dirty="0" smtClean="0"/>
+              <a:t>Détails techniques</a:t>
+            </a:r>
+          </a:p>
+          <a:p>
+            <a:pPr>
+              <a:buFont typeface="+mj-lt"/>
+              <a:buAutoNum type="arabicPeriod"/>
+            </a:pPr>
+            <a:r>
+              <a:rPr lang="fr-FR" dirty="0" smtClean="0"/>
+              <a:t>Résultats</a:t>
+            </a:r>
+            <a:endParaRPr lang="fr-FR" dirty="0"/>
+          </a:p>
+          <a:p>
+            <a:pPr lvl="1"/>
+            <a:r>
+              <a:rPr lang="fr-FR" dirty="0" err="1">
+                <a:solidFill>
+                  <a:schemeClr val="bg1"/>
+                </a:solidFill>
+              </a:rPr>
+              <a:t>Keypoints</a:t>
+            </a:r>
+            <a:endParaRPr lang="fr-FR" dirty="0">
+              <a:solidFill>
+                <a:schemeClr val="bg1"/>
+              </a:solidFill>
+            </a:endParaRPr>
+          </a:p>
+          <a:p>
+            <a:pPr lvl="1"/>
+            <a:r>
+              <a:rPr lang="fr-FR" dirty="0" err="1"/>
+              <a:t>Landmarks</a:t>
+            </a:r>
+            <a:endParaRPr lang="fr-FR" dirty="0"/>
+          </a:p>
+          <a:p>
+            <a:pPr lvl="1"/>
+            <a:r>
+              <a:rPr lang="fr-FR" dirty="0"/>
+              <a:t>Temps de calcul</a:t>
+            </a:r>
+          </a:p>
+          <a:p>
+            <a:endParaRPr lang="fr-FR" dirty="0"/>
+          </a:p>
+        </p:txBody>
+      </p:sp>
+    </p:spTree>
+    <p:extLst>
+      <p:ext uri="{BB962C8B-B14F-4D97-AF65-F5344CB8AC3E}">
+        <p14:creationId xmlns:p14="http://schemas.microsoft.com/office/powerpoint/2010/main" val="2728393882"/>
+      </p:ext>
+    </p:extLst>
+  </p:cSld>
+  <p:clrMapOvr>
+    <a:masterClrMapping/>
+  </p:clrMapOvr>
+  <p:timing>
+    <p:tnLst>
+      <p:par>
+        <p:cTn id="1" dur="indefinite" restart="never" nodeType="tmRoot"/>
+      </p:par>
+    </p:tnLst>
+  </p:timing>
+</p:sld>
+</file>
+
+<file path=ppt/slides/slide18.xml><?xml version="1.0" encoding="utf-8"?>
+<p:sld xmlns:a="http://schemas.openxmlformats.org/drawingml/2006/main" xmlns:r="http://schemas.openxmlformats.org/officeDocument/2006/relationships" xmlns:p="http://schemas.openxmlformats.org/presentationml/2006/main">
+  <p:cSld>
+    <p:spTree>
+      <p:nvGrpSpPr>
+        <p:cNvPr id="1" name=""/>
+        <p:cNvGrpSpPr/>
+        <p:nvPr/>
+      </p:nvGrpSpPr>
+      <p:grpSpPr>
+        <a:xfrm>
+          <a:off x="0" y="0"/>
+          <a:ext cx="0" cy="0"/>
+          <a:chOff x="0" y="0"/>
+          <a:chExt cx="0" cy="0"/>
+        </a:xfrm>
+      </p:grpSpPr>
+      <p:sp>
+        <p:nvSpPr>
+          <p:cNvPr id="2" name="Titre 1"/>
+          <p:cNvSpPr>
+            <a:spLocks noGrp="1"/>
+          </p:cNvSpPr>
+          <p:nvPr>
+            <p:ph type="title"/>
+          </p:nvPr>
+        </p:nvSpPr>
+        <p:spPr/>
+        <p:txBody>
+          <a:bodyPr/>
+          <a:lstStyle/>
+          <a:p>
+            <a:r>
+              <a:rPr lang="fr-FR" dirty="0" smtClean="0"/>
+              <a:t>Résultats</a:t>
+            </a:r>
+            <a:endParaRPr lang="fr-FR" dirty="0"/>
+          </a:p>
+        </p:txBody>
+      </p:sp>
+      <p:sp>
+        <p:nvSpPr>
+          <p:cNvPr id="3" name="Espace réservé du contenu 2"/>
+          <p:cNvSpPr>
+            <a:spLocks noGrp="1"/>
+          </p:cNvSpPr>
+          <p:nvPr>
+            <p:ph idx="1"/>
+          </p:nvPr>
+        </p:nvSpPr>
+        <p:spPr/>
+        <p:txBody>
+          <a:bodyPr/>
+          <a:lstStyle/>
+          <a:p>
+            <a:r>
+              <a:rPr lang="fr-FR" dirty="0" err="1" smtClean="0"/>
+              <a:t>Keypoints</a:t>
+            </a:r>
+            <a:endParaRPr lang="fr-FR" dirty="0" smtClean="0"/>
+          </a:p>
+          <a:p>
+            <a:pPr lvl="1"/>
+            <a:endParaRPr lang="fr-FR" dirty="0" smtClean="0"/>
+          </a:p>
+          <a:p>
+            <a:pPr lvl="1"/>
+            <a:r>
+              <a:rPr lang="fr-FR" dirty="0"/>
+              <a:t>Multi-</a:t>
+            </a:r>
+            <a:r>
+              <a:rPr lang="fr-FR" dirty="0" err="1"/>
+              <a:t>scale</a:t>
+            </a:r>
+            <a:endParaRPr lang="fr-FR" dirty="0"/>
+          </a:p>
+          <a:p>
+            <a:pPr lvl="1"/>
+            <a:r>
+              <a:rPr lang="fr-FR" dirty="0"/>
+              <a:t>Single-</a:t>
+            </a:r>
+            <a:r>
+              <a:rPr lang="fr-FR" dirty="0" err="1"/>
+              <a:t>scale</a:t>
+            </a:r>
+            <a:endParaRPr lang="fr-FR" dirty="0"/>
+          </a:p>
+          <a:p>
+            <a:endParaRPr lang="fr-FR" dirty="0"/>
+          </a:p>
+        </p:txBody>
+      </p:sp>
+      <p:sp>
+        <p:nvSpPr>
+          <p:cNvPr id="4" name="Espace réservé de la date 3"/>
+          <p:cNvSpPr>
+            <a:spLocks noGrp="1"/>
+          </p:cNvSpPr>
+          <p:nvPr>
+            <p:ph type="dt" sz="half" idx="10"/>
+          </p:nvPr>
+        </p:nvSpPr>
+        <p:spPr/>
+        <p:txBody>
+          <a:bodyPr/>
+          <a:lstStyle/>
+          <a:p>
+            <a:fld id="{7A820A8C-07D3-4B66-B122-F8194C1154B3}" type="datetime1">
+              <a:rPr lang="fr-FR" smtClean="0"/>
+              <a:t>24/02/2014</a:t>
+            </a:fld>
             <a:endParaRPr lang="fr-FR"/>
+          </a:p>
+        </p:txBody>
+      </p:sp>
+      <p:sp>
+        <p:nvSpPr>
+          <p:cNvPr id="5" name="Espace réservé du pied de page 4"/>
+          <p:cNvSpPr>
+            <a:spLocks noGrp="1"/>
+          </p:cNvSpPr>
+          <p:nvPr>
+            <p:ph type="ftr" sz="quarter" idx="11"/>
+          </p:nvPr>
+        </p:nvSpPr>
+        <p:spPr/>
+        <p:txBody>
+          <a:bodyPr/>
+          <a:lstStyle/>
+          <a:p>
+            <a:r>
+              <a:rPr lang="fr-FR" smtClean="0"/>
+              <a:t>Guénon Marie | Favreau Jean-Dominique | Tanguy Arnaud</a:t>
+            </a:r>
+            <a:endParaRPr lang="fr-FR"/>
+          </a:p>
+        </p:txBody>
+      </p:sp>
+      <p:sp>
+        <p:nvSpPr>
+          <p:cNvPr id="6" name="Espace réservé du numéro de diapositive 5"/>
+          <p:cNvSpPr>
+            <a:spLocks noGrp="1"/>
+          </p:cNvSpPr>
+          <p:nvPr>
+            <p:ph type="sldNum" sz="quarter" idx="12"/>
+          </p:nvPr>
+        </p:nvSpPr>
+        <p:spPr/>
+        <p:txBody>
+          <a:bodyPr/>
+          <a:lstStyle/>
+          <a:p>
+            <a:fld id="{855D9AE6-DD0B-4169-9603-BADEDE1CFE1F}" type="slidenum">
+              <a:rPr lang="fr-FR" smtClean="0"/>
+              <a:pPr/>
+              <a:t>18</a:t>
+            </a:fld>
+            <a:endParaRPr lang="fr-FR" dirty="0"/>
+          </a:p>
+        </p:txBody>
+      </p:sp>
+      <p:sp>
+        <p:nvSpPr>
+          <p:cNvPr id="7" name="Espace réservé du texte 6"/>
+          <p:cNvSpPr>
+            <a:spLocks noGrp="1"/>
+          </p:cNvSpPr>
+          <p:nvPr>
+            <p:ph type="body" sz="quarter" idx="13"/>
+          </p:nvPr>
+        </p:nvSpPr>
+        <p:spPr/>
+        <p:txBody>
+          <a:bodyPr/>
+          <a:lstStyle/>
+          <a:p>
+            <a:pPr>
+              <a:buClr>
+                <a:schemeClr val="bg1"/>
+              </a:buClr>
+              <a:buFont typeface="+mj-lt"/>
+              <a:buAutoNum type="arabicPeriod"/>
+            </a:pPr>
+            <a:r>
+              <a:rPr lang="fr-FR" dirty="0"/>
+              <a:t>Principe général</a:t>
+            </a:r>
+          </a:p>
+          <a:p>
+            <a:pPr>
+              <a:buClr>
+                <a:schemeClr val="bg1"/>
+              </a:buClr>
+              <a:buFont typeface="+mj-lt"/>
+              <a:buAutoNum type="arabicPeriod"/>
+            </a:pPr>
+            <a:r>
+              <a:rPr lang="fr-FR" dirty="0"/>
+              <a:t>Détails techniques</a:t>
+            </a:r>
+          </a:p>
+          <a:p>
+            <a:pPr>
+              <a:buFont typeface="+mj-lt"/>
+              <a:buAutoNum type="arabicPeriod"/>
+            </a:pPr>
+            <a:r>
+              <a:rPr lang="fr-FR" dirty="0"/>
+              <a:t>Résultats</a:t>
+            </a:r>
+          </a:p>
+          <a:p>
+            <a:pPr lvl="1"/>
+            <a:r>
+              <a:rPr lang="fr-FR" dirty="0" err="1">
+                <a:solidFill>
+                  <a:schemeClr val="bg1"/>
+                </a:solidFill>
+              </a:rPr>
+              <a:t>Keypoints</a:t>
+            </a:r>
+            <a:endParaRPr lang="fr-FR" dirty="0">
+              <a:solidFill>
+                <a:schemeClr val="bg1"/>
+              </a:solidFill>
+            </a:endParaRPr>
+          </a:p>
+          <a:p>
+            <a:pPr lvl="1"/>
+            <a:r>
+              <a:rPr lang="fr-FR" dirty="0" err="1"/>
+              <a:t>Landmarks</a:t>
+            </a:r>
+            <a:endParaRPr lang="fr-FR" dirty="0"/>
+          </a:p>
+          <a:p>
+            <a:pPr lvl="1"/>
+            <a:r>
+              <a:rPr lang="fr-FR" dirty="0"/>
+              <a:t>Temps de calcul</a:t>
+            </a:r>
+          </a:p>
+          <a:p>
+            <a:endParaRPr lang="fr-FR" dirty="0"/>
+          </a:p>
+          <a:p>
+            <a:endParaRPr lang="fr-FR" dirty="0"/>
           </a:p>
         </p:txBody>
       </p:sp>
@@ -9592,7 +10545,7 @@
 </p:sld>
 </file>
 
-<file path=ppt/slides/slide18.xml><?xml version="1.0" encoding="utf-8"?>
+<file path=ppt/slides/slide19.xml><?xml version="1.0" encoding="utf-8"?>
 <p:sld xmlns:a="http://schemas.openxmlformats.org/drawingml/2006/main" xmlns:r="http://schemas.openxmlformats.org/officeDocument/2006/relationships" xmlns:p="http://schemas.openxmlformats.org/presentationml/2006/main">
   <p:cSld>
     <p:spTree>
@@ -9719,7 +10672,7 @@
             <a:fld id="{855D9AE6-DD0B-4169-9603-BADEDE1CFE1F}" type="slidenum">
               <a:rPr lang="fr-FR" smtClean="0"/>
               <a:pPr/>
-              <a:t>18</a:t>
+              <a:t>19</a:t>
             </a:fld>
             <a:endParaRPr lang="fr-FR" dirty="0"/>
           </a:p>
@@ -9740,7 +10693,77 @@
           <a:bodyPr/>
           <a:lstStyle/>
           <a:p>
-            <a:endParaRPr lang="fr-FR"/>
+            <a:pPr>
+              <a:buClr>
+                <a:schemeClr val="bg1"/>
+              </a:buClr>
+              <a:buFont typeface="+mj-lt"/>
+              <a:buAutoNum type="arabicPeriod"/>
+            </a:pPr>
+            <a:r>
+              <a:rPr lang="fr-FR" dirty="0"/>
+              <a:t>Principe général</a:t>
+            </a:r>
+          </a:p>
+          <a:p>
+            <a:pPr>
+              <a:buClr>
+                <a:schemeClr val="bg1"/>
+              </a:buClr>
+              <a:buFont typeface="+mj-lt"/>
+              <a:buAutoNum type="arabicPeriod"/>
+            </a:pPr>
+            <a:r>
+              <a:rPr lang="fr-FR" dirty="0"/>
+              <a:t>Détails techniques</a:t>
+            </a:r>
+          </a:p>
+          <a:p>
+            <a:pPr>
+              <a:buFont typeface="+mj-lt"/>
+              <a:buAutoNum type="arabicPeriod"/>
+            </a:pPr>
+            <a:r>
+              <a:rPr lang="fr-FR" dirty="0"/>
+              <a:t>Résultats</a:t>
+            </a:r>
+          </a:p>
+          <a:p>
+            <a:pPr lvl="1"/>
+            <a:r>
+              <a:rPr lang="fr-FR" dirty="0" err="1">
+                <a:solidFill>
+                  <a:schemeClr val="bg1"/>
+                </a:solidFill>
+              </a:rPr>
+              <a:t>Keypoints</a:t>
+            </a:r>
+            <a:endParaRPr lang="fr-FR" dirty="0">
+              <a:solidFill>
+                <a:schemeClr val="bg1"/>
+              </a:solidFill>
+            </a:endParaRPr>
+          </a:p>
+          <a:p>
+            <a:pPr lvl="1"/>
+            <a:r>
+              <a:rPr lang="fr-FR" dirty="0" err="1"/>
+              <a:t>Landmarks</a:t>
+            </a:r>
+            <a:endParaRPr lang="fr-FR" dirty="0"/>
+          </a:p>
+          <a:p>
+            <a:pPr lvl="1"/>
+            <a:r>
+              <a:rPr lang="fr-FR" dirty="0"/>
+              <a:t>Temps de calcul</a:t>
+            </a:r>
+          </a:p>
+          <a:p>
+            <a:endParaRPr lang="fr-FR" dirty="0"/>
+          </a:p>
+          <a:p>
+            <a:endParaRPr lang="fr-FR" dirty="0"/>
           </a:p>
         </p:txBody>
       </p:sp>
@@ -9788,202 +10811,6 @@
 </p:sld>
 </file>
 
-<file path=ppt/slides/slide19.xml><?xml version="1.0" encoding="utf-8"?>
-<p:sld xmlns:a="http://schemas.openxmlformats.org/drawingml/2006/main" xmlns:r="http://schemas.openxmlformats.org/officeDocument/2006/relationships" xmlns:p="http://schemas.openxmlformats.org/presentationml/2006/main">
-  <p:cSld>
-    <p:spTree>
-      <p:nvGrpSpPr>
-        <p:cNvPr id="1" name=""/>
-        <p:cNvGrpSpPr/>
-        <p:nvPr/>
-      </p:nvGrpSpPr>
-      <p:grpSpPr>
-        <a:xfrm>
-          <a:off x="0" y="0"/>
-          <a:ext cx="0" cy="0"/>
-          <a:chOff x="0" y="0"/>
-          <a:chExt cx="0" cy="0"/>
-        </a:xfrm>
-      </p:grpSpPr>
-      <p:sp>
-        <p:nvSpPr>
-          <p:cNvPr id="2" name="Titre 1"/>
-          <p:cNvSpPr>
-            <a:spLocks noGrp="1"/>
-          </p:cNvSpPr>
-          <p:nvPr>
-            <p:ph type="title"/>
-          </p:nvPr>
-        </p:nvSpPr>
-        <p:spPr/>
-        <p:txBody>
-          <a:bodyPr/>
-          <a:lstStyle/>
-          <a:p>
-            <a:r>
-              <a:rPr lang="fr-FR" dirty="0" err="1" smtClean="0"/>
-              <a:t>Résulats</a:t>
-            </a:r>
-            <a:endParaRPr lang="fr-FR" dirty="0"/>
-          </a:p>
-        </p:txBody>
-      </p:sp>
-      <p:sp>
-        <p:nvSpPr>
-          <p:cNvPr id="3" name="Espace réservé du contenu 2"/>
-          <p:cNvSpPr>
-            <a:spLocks noGrp="1"/>
-          </p:cNvSpPr>
-          <p:nvPr>
-            <p:ph idx="1"/>
-          </p:nvPr>
-        </p:nvSpPr>
-        <p:spPr/>
-        <p:txBody>
-          <a:bodyPr/>
-          <a:lstStyle/>
-          <a:p>
-            <a:r>
-              <a:rPr lang="fr-FR" dirty="0" err="1" smtClean="0"/>
-              <a:t>keypoints</a:t>
-            </a:r>
-            <a:endParaRPr lang="fr-FR" dirty="0"/>
-          </a:p>
-        </p:txBody>
-      </p:sp>
-      <p:sp>
-        <p:nvSpPr>
-          <p:cNvPr id="4" name="Espace réservé de la date 3"/>
-          <p:cNvSpPr>
-            <a:spLocks noGrp="1"/>
-          </p:cNvSpPr>
-          <p:nvPr>
-            <p:ph type="dt" sz="half" idx="10"/>
-          </p:nvPr>
-        </p:nvSpPr>
-        <p:spPr/>
-        <p:txBody>
-          <a:bodyPr/>
-          <a:lstStyle/>
-          <a:p>
-            <a:fld id="{7A820A8C-07D3-4B66-B122-F8194C1154B3}" type="datetime1">
-              <a:rPr lang="fr-FR" smtClean="0"/>
-              <a:t>24/02/2014</a:t>
-            </a:fld>
-            <a:endParaRPr lang="fr-FR"/>
-          </a:p>
-        </p:txBody>
-      </p:sp>
-      <p:sp>
-        <p:nvSpPr>
-          <p:cNvPr id="5" name="Espace réservé du pied de page 4"/>
-          <p:cNvSpPr>
-            <a:spLocks noGrp="1"/>
-          </p:cNvSpPr>
-          <p:nvPr>
-            <p:ph type="ftr" sz="quarter" idx="11"/>
-          </p:nvPr>
-        </p:nvSpPr>
-        <p:spPr/>
-        <p:txBody>
-          <a:bodyPr/>
-          <a:lstStyle/>
-          <a:p>
-            <a:r>
-              <a:rPr lang="fr-FR" smtClean="0"/>
-              <a:t>Guénon Marie | Favreau Jean-Dominique | Tanguy Arnaud</a:t>
-            </a:r>
-            <a:endParaRPr lang="fr-FR"/>
-          </a:p>
-        </p:txBody>
-      </p:sp>
-      <p:sp>
-        <p:nvSpPr>
-          <p:cNvPr id="6" name="Espace réservé du numéro de diapositive 5"/>
-          <p:cNvSpPr>
-            <a:spLocks noGrp="1"/>
-          </p:cNvSpPr>
-          <p:nvPr>
-            <p:ph type="sldNum" sz="quarter" idx="12"/>
-          </p:nvPr>
-        </p:nvSpPr>
-        <p:spPr/>
-        <p:txBody>
-          <a:bodyPr/>
-          <a:lstStyle/>
-          <a:p>
-            <a:fld id="{855D9AE6-DD0B-4169-9603-BADEDE1CFE1F}" type="slidenum">
-              <a:rPr lang="fr-FR" smtClean="0"/>
-              <a:pPr/>
-              <a:t>19</a:t>
-            </a:fld>
-            <a:endParaRPr lang="fr-FR" dirty="0"/>
-          </a:p>
-        </p:txBody>
-      </p:sp>
-      <p:sp>
-        <p:nvSpPr>
-          <p:cNvPr id="7" name="Espace réservé du texte 6"/>
-          <p:cNvSpPr>
-            <a:spLocks noGrp="1"/>
-          </p:cNvSpPr>
-          <p:nvPr>
-            <p:ph type="body" sz="quarter" idx="13"/>
-          </p:nvPr>
-        </p:nvSpPr>
-        <p:spPr/>
-        <p:txBody>
-          <a:bodyPr/>
-          <a:lstStyle/>
-          <a:p>
-            <a:endParaRPr lang="fr-FR"/>
-          </a:p>
-        </p:txBody>
-      </p:sp>
-      <p:pic>
-        <p:nvPicPr>
-          <p:cNvPr id="9" name="Image 8"/>
-          <p:cNvPicPr>
-            <a:picLocks noChangeAspect="1"/>
-          </p:cNvPicPr>
-          <p:nvPr/>
-        </p:nvPicPr>
-        <p:blipFill>
-          <a:blip r:embed="rId3"/>
-          <a:stretch>
-            <a:fillRect/>
-          </a:stretch>
-        </p:blipFill>
-        <p:spPr>
-          <a:xfrm>
-            <a:off x="1930399" y="3024506"/>
-            <a:ext cx="5405761" cy="3139626"/>
-          </a:xfrm>
-          <a:prstGeom prst="rect">
-            <a:avLst/>
-          </a:prstGeom>
-        </p:spPr>
-      </p:pic>
-    </p:spTree>
-    <p:extLst>
-      <p:ext uri="{BB962C8B-B14F-4D97-AF65-F5344CB8AC3E}">
-        <p14:creationId xmlns:p14="http://schemas.microsoft.com/office/powerpoint/2010/main" val="2890974030"/>
-      </p:ext>
-    </p:extLst>
-  </p:cSld>
-  <p:clrMapOvr>
-    <a:masterClrMapping/>
-  </p:clrMapOvr>
-  <p:timing>
-    <p:tnLst>
-      <p:par>
-        <p:cTn id="1" dur="indefinite" restart="never" nodeType="tmRoot"/>
-      </p:par>
-    </p:tnLst>
-  </p:timing>
-</p:sld>
-</file>
-
 <file path=ppt/slides/slide2.xml><?xml version="1.0" encoding="utf-8"?>
 <p:sld xmlns:a="http://schemas.openxmlformats.org/drawingml/2006/main" xmlns:r="http://schemas.openxmlformats.org/officeDocument/2006/relationships" xmlns:p="http://schemas.openxmlformats.org/presentationml/2006/main">
   <p:cSld>
@@ -10039,7 +10866,7 @@
           <a:bodyPr/>
           <a:lstStyle/>
           <a:p>
-            <a:endParaRPr lang="fr-FR"/>
+            <a:endParaRPr lang="fr-FR" dirty="0"/>
           </a:p>
         </p:txBody>
       </p:sp>
@@ -10189,8 +11016,8 @@
           <a:lstStyle/>
           <a:p>
             <a:r>
-              <a:rPr lang="fr-FR" dirty="0" smtClean="0"/>
-              <a:t>Résultats</a:t>
+              <a:rPr lang="fr-FR" dirty="0" err="1" smtClean="0"/>
+              <a:t>Résulats</a:t>
             </a:r>
             <a:endParaRPr lang="fr-FR" dirty="0"/>
           </a:p>
@@ -10213,7 +11040,7 @@
           <a:p>
             <a:r>
               <a:rPr lang="fr-FR" dirty="0" err="1" smtClean="0"/>
-              <a:t>Landmarks</a:t>
+              <a:t>keypoints</a:t>
             </a:r>
             <a:endParaRPr lang="fr-FR" dirty="0"/>
           </a:p>
@@ -10304,7 +11131,343 @@
           <a:bodyPr/>
           <a:lstStyle/>
           <a:p>
+            <a:pPr>
+              <a:buClr>
+                <a:schemeClr val="bg1"/>
+              </a:buClr>
+              <a:buFont typeface="+mj-lt"/>
+              <a:buAutoNum type="arabicPeriod"/>
+            </a:pPr>
+            <a:r>
+              <a:rPr lang="fr-FR" dirty="0"/>
+              <a:t>Principe général</a:t>
+            </a:r>
+          </a:p>
+          <a:p>
+            <a:pPr>
+              <a:buClr>
+                <a:schemeClr val="bg1"/>
+              </a:buClr>
+              <a:buFont typeface="+mj-lt"/>
+              <a:buAutoNum type="arabicPeriod"/>
+            </a:pPr>
+            <a:r>
+              <a:rPr lang="fr-FR" dirty="0"/>
+              <a:t>Détails techniques</a:t>
+            </a:r>
+          </a:p>
+          <a:p>
+            <a:pPr>
+              <a:buFont typeface="+mj-lt"/>
+              <a:buAutoNum type="arabicPeriod"/>
+            </a:pPr>
+            <a:r>
+              <a:rPr lang="fr-FR" dirty="0"/>
+              <a:t>Résultats</a:t>
+            </a:r>
+          </a:p>
+          <a:p>
+            <a:pPr lvl="1"/>
+            <a:r>
+              <a:rPr lang="fr-FR" dirty="0" err="1">
+                <a:solidFill>
+                  <a:schemeClr val="bg1"/>
+                </a:solidFill>
+              </a:rPr>
+              <a:t>Keypoints</a:t>
+            </a:r>
+            <a:endParaRPr lang="fr-FR" dirty="0">
+              <a:solidFill>
+                <a:schemeClr val="bg1"/>
+              </a:solidFill>
+            </a:endParaRPr>
+          </a:p>
+          <a:p>
+            <a:pPr lvl="1"/>
+            <a:r>
+              <a:rPr lang="fr-FR" dirty="0" err="1"/>
+              <a:t>Landmarks</a:t>
+            </a:r>
+            <a:endParaRPr lang="fr-FR" dirty="0"/>
+          </a:p>
+          <a:p>
+            <a:pPr lvl="1"/>
+            <a:r>
+              <a:rPr lang="fr-FR" dirty="0"/>
+              <a:t>Temps de calcul</a:t>
+            </a:r>
+          </a:p>
+          <a:p>
+            <a:endParaRPr lang="fr-FR" dirty="0"/>
+          </a:p>
+          <a:p>
+            <a:endParaRPr lang="fr-FR" dirty="0"/>
+          </a:p>
+        </p:txBody>
+      </p:sp>
+      <p:pic>
+        <p:nvPicPr>
+          <p:cNvPr id="9" name="Image 8"/>
+          <p:cNvPicPr>
+            <a:picLocks noChangeAspect="1"/>
+          </p:cNvPicPr>
+          <p:nvPr/>
+        </p:nvPicPr>
+        <p:blipFill>
+          <a:blip r:embed="rId3"/>
+          <a:stretch>
+            <a:fillRect/>
+          </a:stretch>
+        </p:blipFill>
+        <p:spPr>
+          <a:xfrm>
+            <a:off x="1930399" y="3024506"/>
+            <a:ext cx="5405761" cy="3139626"/>
+          </a:xfrm>
+          <a:prstGeom prst="rect">
+            <a:avLst/>
+          </a:prstGeom>
+        </p:spPr>
+      </p:pic>
+    </p:spTree>
+    <p:extLst>
+      <p:ext uri="{BB962C8B-B14F-4D97-AF65-F5344CB8AC3E}">
+        <p14:creationId xmlns:p14="http://schemas.microsoft.com/office/powerpoint/2010/main" val="2890974030"/>
+      </p:ext>
+    </p:extLst>
+  </p:cSld>
+  <p:clrMapOvr>
+    <a:masterClrMapping/>
+  </p:clrMapOvr>
+  <p:timing>
+    <p:tnLst>
+      <p:par>
+        <p:cTn id="1" dur="indefinite" restart="never" nodeType="tmRoot"/>
+      </p:par>
+    </p:tnLst>
+  </p:timing>
+</p:sld>
+</file>
+
+<file path=ppt/slides/slide21.xml><?xml version="1.0" encoding="utf-8"?>
+<p:sld xmlns:a="http://schemas.openxmlformats.org/drawingml/2006/main" xmlns:r="http://schemas.openxmlformats.org/officeDocument/2006/relationships" xmlns:p="http://schemas.openxmlformats.org/presentationml/2006/main">
+  <p:cSld>
+    <p:spTree>
+      <p:nvGrpSpPr>
+        <p:cNvPr id="1" name=""/>
+        <p:cNvGrpSpPr/>
+        <p:nvPr/>
+      </p:nvGrpSpPr>
+      <p:grpSpPr>
+        <a:xfrm>
+          <a:off x="0" y="0"/>
+          <a:ext cx="0" cy="0"/>
+          <a:chOff x="0" y="0"/>
+          <a:chExt cx="0" cy="0"/>
+        </a:xfrm>
+      </p:grpSpPr>
+      <p:sp>
+        <p:nvSpPr>
+          <p:cNvPr id="2" name="Titre 1"/>
+          <p:cNvSpPr>
+            <a:spLocks noGrp="1"/>
+          </p:cNvSpPr>
+          <p:nvPr>
+            <p:ph type="title"/>
+          </p:nvPr>
+        </p:nvSpPr>
+        <p:spPr/>
+        <p:txBody>
+          <a:bodyPr/>
+          <a:lstStyle/>
+          <a:p>
+            <a:r>
+              <a:rPr lang="fr-FR" dirty="0" smtClean="0"/>
+              <a:t>Résultats</a:t>
+            </a:r>
+            <a:endParaRPr lang="fr-FR" dirty="0"/>
+          </a:p>
+        </p:txBody>
+      </p:sp>
+      <p:sp>
+        <p:nvSpPr>
+          <p:cNvPr id="3" name="Espace réservé du contenu 2"/>
+          <p:cNvSpPr>
+            <a:spLocks noGrp="1"/>
+          </p:cNvSpPr>
+          <p:nvPr>
+            <p:ph idx="1"/>
+          </p:nvPr>
+        </p:nvSpPr>
+        <p:spPr/>
+        <p:txBody>
+          <a:bodyPr/>
+          <a:lstStyle/>
+          <a:p>
+            <a:r>
+              <a:rPr lang="fr-FR" dirty="0" err="1" smtClean="0"/>
+              <a:t>Landmarks</a:t>
+            </a:r>
+            <a:endParaRPr lang="fr-FR" dirty="0"/>
+          </a:p>
+        </p:txBody>
+      </p:sp>
+      <p:sp>
+        <p:nvSpPr>
+          <p:cNvPr id="4" name="Espace réservé de la date 3"/>
+          <p:cNvSpPr>
+            <a:spLocks noGrp="1"/>
+          </p:cNvSpPr>
+          <p:nvPr>
+            <p:ph type="dt" sz="half" idx="10"/>
+          </p:nvPr>
+        </p:nvSpPr>
+        <p:spPr/>
+        <p:txBody>
+          <a:bodyPr/>
+          <a:lstStyle/>
+          <a:p>
+            <a:fld id="{7A820A8C-07D3-4B66-B122-F8194C1154B3}" type="datetime1">
+              <a:rPr lang="fr-FR" smtClean="0"/>
+              <a:t>24/02/2014</a:t>
+            </a:fld>
             <a:endParaRPr lang="fr-FR"/>
+          </a:p>
+        </p:txBody>
+      </p:sp>
+      <p:sp>
+        <p:nvSpPr>
+          <p:cNvPr id="5" name="Espace réservé du pied de page 4"/>
+          <p:cNvSpPr>
+            <a:spLocks noGrp="1"/>
+          </p:cNvSpPr>
+          <p:nvPr>
+            <p:ph type="ftr" sz="quarter" idx="11"/>
+          </p:nvPr>
+        </p:nvSpPr>
+        <p:spPr/>
+        <p:txBody>
+          <a:bodyPr/>
+          <a:lstStyle/>
+          <a:p>
+            <a:r>
+              <a:rPr lang="fr-FR" smtClean="0"/>
+              <a:t>Guénon Marie | Favreau Jean-Dominique | Tanguy Arnaud</a:t>
+            </a:r>
+            <a:endParaRPr lang="fr-FR"/>
+          </a:p>
+        </p:txBody>
+      </p:sp>
+      <p:sp>
+        <p:nvSpPr>
+          <p:cNvPr id="6" name="Espace réservé du numéro de diapositive 5"/>
+          <p:cNvSpPr>
+            <a:spLocks noGrp="1"/>
+          </p:cNvSpPr>
+          <p:nvPr>
+            <p:ph type="sldNum" sz="quarter" idx="12"/>
+          </p:nvPr>
+        </p:nvSpPr>
+        <p:spPr/>
+        <p:txBody>
+          <a:bodyPr/>
+          <a:lstStyle/>
+          <a:p>
+            <a:fld id="{855D9AE6-DD0B-4169-9603-BADEDE1CFE1F}" type="slidenum">
+              <a:rPr lang="fr-FR" smtClean="0"/>
+              <a:pPr/>
+              <a:t>21</a:t>
+            </a:fld>
+            <a:endParaRPr lang="fr-FR" dirty="0"/>
+          </a:p>
+        </p:txBody>
+      </p:sp>
+      <p:sp>
+        <p:nvSpPr>
+          <p:cNvPr id="7" name="Espace réservé du texte 6"/>
+          <p:cNvSpPr>
+            <a:spLocks noGrp="1"/>
+          </p:cNvSpPr>
+          <p:nvPr>
+            <p:ph type="body" sz="quarter" idx="13"/>
+          </p:nvPr>
+        </p:nvSpPr>
+        <p:spPr/>
+        <p:txBody>
+          <a:bodyPr/>
+          <a:lstStyle/>
+          <a:p>
+            <a:pPr>
+              <a:buClr>
+                <a:schemeClr val="bg1"/>
+              </a:buClr>
+              <a:buFont typeface="+mj-lt"/>
+              <a:buAutoNum type="arabicPeriod"/>
+            </a:pPr>
+            <a:r>
+              <a:rPr lang="fr-FR" dirty="0"/>
+              <a:t>Principe général</a:t>
+            </a:r>
+          </a:p>
+          <a:p>
+            <a:pPr>
+              <a:buClr>
+                <a:schemeClr val="bg1"/>
+              </a:buClr>
+              <a:buFont typeface="+mj-lt"/>
+              <a:buAutoNum type="arabicPeriod"/>
+            </a:pPr>
+            <a:r>
+              <a:rPr lang="fr-FR" dirty="0"/>
+              <a:t>Détails techniques</a:t>
+            </a:r>
+          </a:p>
+          <a:p>
+            <a:pPr>
+              <a:buFont typeface="+mj-lt"/>
+              <a:buAutoNum type="arabicPeriod"/>
+            </a:pPr>
+            <a:r>
+              <a:rPr lang="fr-FR" dirty="0"/>
+              <a:t>Résultats</a:t>
+            </a:r>
+          </a:p>
+          <a:p>
+            <a:pPr lvl="1"/>
+            <a:r>
+              <a:rPr lang="fr-FR" dirty="0" err="1"/>
+              <a:t>Keypoints</a:t>
+            </a:r>
+            <a:endParaRPr lang="fr-FR" dirty="0"/>
+          </a:p>
+          <a:p>
+            <a:pPr lvl="1"/>
+            <a:r>
+              <a:rPr lang="fr-FR" dirty="0" err="1">
+                <a:solidFill>
+                  <a:schemeClr val="bg1"/>
+                </a:solidFill>
+              </a:rPr>
+              <a:t>Landmarks</a:t>
+            </a:r>
+            <a:endParaRPr lang="fr-FR" dirty="0">
+              <a:solidFill>
+                <a:schemeClr val="bg1"/>
+              </a:solidFill>
+            </a:endParaRPr>
+          </a:p>
+          <a:p>
+            <a:pPr lvl="1"/>
+            <a:r>
+              <a:rPr lang="fr-FR" dirty="0"/>
+              <a:t>Temps de calcul</a:t>
+            </a:r>
+          </a:p>
+          <a:p>
+            <a:endParaRPr lang="fr-FR" dirty="0"/>
+          </a:p>
+          <a:p>
+            <a:endParaRPr lang="fr-FR" dirty="0"/>
           </a:p>
         </p:txBody>
       </p:sp>
@@ -10352,7 +11515,7 @@
 </p:sld>
 </file>
 
-<file path=ppt/slides/slide21.xml><?xml version="1.0" encoding="utf-8"?>
+<file path=ppt/slides/slide22.xml><?xml version="1.0" encoding="utf-8"?>
 <p:sld xmlns:a="http://schemas.openxmlformats.org/drawingml/2006/main" xmlns:r="http://schemas.openxmlformats.org/officeDocument/2006/relationships" xmlns:p="http://schemas.openxmlformats.org/presentationml/2006/main">
   <p:cSld>
     <p:spTree>
@@ -10410,7 +11573,7 @@
             <a:fld id="{855D9AE6-DD0B-4169-9603-BADEDE1CFE1F}" type="slidenum">
               <a:rPr lang="fr-FR" smtClean="0"/>
               <a:pPr/>
-              <a:t>21</a:t>
+              <a:t>22</a:t>
             </a:fld>
             <a:endParaRPr lang="fr-FR" dirty="0"/>
           </a:p>
@@ -10431,7 +11594,80 @@
           <a:bodyPr/>
           <a:lstStyle/>
           <a:p>
-            <a:endParaRPr lang="fr-FR"/>
+            <a:pPr>
+              <a:buClr>
+                <a:schemeClr val="bg1"/>
+              </a:buClr>
+              <a:buFont typeface="+mj-lt"/>
+              <a:buAutoNum type="arabicPeriod"/>
+            </a:pPr>
+            <a:r>
+              <a:rPr lang="fr-FR" dirty="0"/>
+              <a:t>Principe général</a:t>
+            </a:r>
+          </a:p>
+          <a:p>
+            <a:pPr>
+              <a:buClr>
+                <a:schemeClr val="bg1"/>
+              </a:buClr>
+              <a:buFont typeface="+mj-lt"/>
+              <a:buAutoNum type="arabicPeriod"/>
+            </a:pPr>
+            <a:r>
+              <a:rPr lang="fr-FR" dirty="0"/>
+              <a:t>Détails techniques</a:t>
+            </a:r>
+          </a:p>
+          <a:p>
+            <a:pPr>
+              <a:buFont typeface="+mj-lt"/>
+              <a:buAutoNum type="arabicPeriod"/>
+            </a:pPr>
+            <a:r>
+              <a:rPr lang="fr-FR" dirty="0"/>
+              <a:t>Résultats</a:t>
+            </a:r>
+          </a:p>
+          <a:p>
+            <a:pPr lvl="1"/>
+            <a:r>
+              <a:rPr lang="fr-FR" dirty="0" err="1"/>
+              <a:t>Keypoints</a:t>
+            </a:r>
+            <a:endParaRPr lang="fr-FR" dirty="0"/>
+          </a:p>
+          <a:p>
+            <a:pPr lvl="1"/>
+            <a:r>
+              <a:rPr lang="fr-FR" dirty="0" err="1">
+                <a:solidFill>
+                  <a:schemeClr val="bg1"/>
+                </a:solidFill>
+              </a:rPr>
+              <a:t>Landmarks</a:t>
+            </a:r>
+            <a:endParaRPr lang="fr-FR" dirty="0">
+              <a:solidFill>
+                <a:schemeClr val="bg1"/>
+              </a:solidFill>
+            </a:endParaRPr>
+          </a:p>
+          <a:p>
+            <a:pPr lvl="1"/>
+            <a:r>
+              <a:rPr lang="fr-FR" dirty="0"/>
+              <a:t>Temps de calcul</a:t>
+            </a:r>
+          </a:p>
+          <a:p>
+            <a:endParaRPr lang="fr-FR" dirty="0"/>
+          </a:p>
+          <a:p>
+            <a:endParaRPr lang="fr-FR" dirty="0"/>
+          </a:p>
+          <a:p>
+            <a:endParaRPr lang="fr-FR" dirty="0"/>
           </a:p>
         </p:txBody>
       </p:sp>
@@ -10479,7 +11715,7 @@
 </p:sld>
 </file>
 
-<file path=ppt/slides/slide22.xml><?xml version="1.0" encoding="utf-8"?>
+<file path=ppt/slides/slide23.xml><?xml version="1.0" encoding="utf-8"?>
 <p:sld xmlns:a="http://schemas.openxmlformats.org/drawingml/2006/main" xmlns:r="http://schemas.openxmlformats.org/officeDocument/2006/relationships" xmlns:p="http://schemas.openxmlformats.org/presentationml/2006/main">
   <p:cSld>
     <p:spTree>
@@ -10606,7 +11842,7 @@
             <a:fld id="{855D9AE6-DD0B-4169-9603-BADEDE1CFE1F}" type="slidenum">
               <a:rPr lang="fr-FR" smtClean="0"/>
               <a:pPr/>
-              <a:t>22</a:t>
+              <a:t>23</a:t>
             </a:fld>
             <a:endParaRPr lang="fr-FR" dirty="0"/>
           </a:p>
@@ -10627,7 +11863,80 @@
           <a:bodyPr/>
           <a:lstStyle/>
           <a:p>
-            <a:endParaRPr lang="fr-FR"/>
+            <a:pPr>
+              <a:buClr>
+                <a:schemeClr val="bg1"/>
+              </a:buClr>
+              <a:buFont typeface="+mj-lt"/>
+              <a:buAutoNum type="arabicPeriod"/>
+            </a:pPr>
+            <a:r>
+              <a:rPr lang="fr-FR" dirty="0"/>
+              <a:t>Principe général</a:t>
+            </a:r>
+          </a:p>
+          <a:p>
+            <a:pPr>
+              <a:buClr>
+                <a:schemeClr val="bg1"/>
+              </a:buClr>
+              <a:buFont typeface="+mj-lt"/>
+              <a:buAutoNum type="arabicPeriod"/>
+            </a:pPr>
+            <a:r>
+              <a:rPr lang="fr-FR" dirty="0"/>
+              <a:t>Détails techniques</a:t>
+            </a:r>
+          </a:p>
+          <a:p>
+            <a:pPr>
+              <a:buFont typeface="+mj-lt"/>
+              <a:buAutoNum type="arabicPeriod"/>
+            </a:pPr>
+            <a:r>
+              <a:rPr lang="fr-FR" dirty="0"/>
+              <a:t>Résultats</a:t>
+            </a:r>
+          </a:p>
+          <a:p>
+            <a:pPr lvl="1"/>
+            <a:r>
+              <a:rPr lang="fr-FR" dirty="0" err="1"/>
+              <a:t>Keypoints</a:t>
+            </a:r>
+            <a:endParaRPr lang="fr-FR" dirty="0"/>
+          </a:p>
+          <a:p>
+            <a:pPr lvl="1"/>
+            <a:r>
+              <a:rPr lang="fr-FR" dirty="0" err="1">
+                <a:solidFill>
+                  <a:schemeClr val="bg1"/>
+                </a:solidFill>
+              </a:rPr>
+              <a:t>Landmarks</a:t>
+            </a:r>
+            <a:endParaRPr lang="fr-FR" dirty="0">
+              <a:solidFill>
+                <a:schemeClr val="bg1"/>
+              </a:solidFill>
+            </a:endParaRPr>
+          </a:p>
+          <a:p>
+            <a:pPr lvl="1"/>
+            <a:r>
+              <a:rPr lang="fr-FR" dirty="0"/>
+              <a:t>Temps de calcul</a:t>
+            </a:r>
+          </a:p>
+          <a:p>
+            <a:endParaRPr lang="fr-FR" dirty="0"/>
+          </a:p>
+          <a:p>
+            <a:endParaRPr lang="fr-FR" dirty="0"/>
+          </a:p>
+          <a:p>
+            <a:endParaRPr lang="fr-FR" dirty="0"/>
           </a:p>
         </p:txBody>
       </p:sp>
@@ -10675,7 +11984,7 @@
 </p:sld>
 </file>
 
-<file path=ppt/slides/slide23.xml><?xml version="1.0" encoding="utf-8"?>
+<file path=ppt/slides/slide24.xml><?xml version="1.0" encoding="utf-8"?>
 <p:sld xmlns:a="http://schemas.openxmlformats.org/drawingml/2006/main" xmlns:r="http://schemas.openxmlformats.org/officeDocument/2006/relationships" xmlns:p="http://schemas.openxmlformats.org/presentationml/2006/main">
   <p:cSld>
     <p:spTree>
@@ -10810,7 +12119,7 @@
             <a:fld id="{855D9AE6-DD0B-4169-9603-BADEDE1CFE1F}" type="slidenum">
               <a:rPr lang="fr-FR" smtClean="0"/>
               <a:pPr/>
-              <a:t>23</a:t>
+              <a:t>24</a:t>
             </a:fld>
             <a:endParaRPr lang="fr-FR" dirty="0"/>
           </a:p>
@@ -10831,7 +12140,76 @@
           <a:bodyPr/>
           <a:lstStyle/>
           <a:p>
-            <a:endParaRPr lang="fr-FR"/>
+            <a:pPr>
+              <a:buClr>
+                <a:schemeClr val="bg1"/>
+              </a:buClr>
+              <a:buFont typeface="+mj-lt"/>
+              <a:buAutoNum type="arabicPeriod"/>
+            </a:pPr>
+            <a:r>
+              <a:rPr lang="fr-FR" dirty="0"/>
+              <a:t>Principe général</a:t>
+            </a:r>
+          </a:p>
+          <a:p>
+            <a:pPr>
+              <a:buClr>
+                <a:schemeClr val="bg1"/>
+              </a:buClr>
+              <a:buFont typeface="+mj-lt"/>
+              <a:buAutoNum type="arabicPeriod"/>
+            </a:pPr>
+            <a:r>
+              <a:rPr lang="fr-FR" dirty="0"/>
+              <a:t>Détails techniques</a:t>
+            </a:r>
+          </a:p>
+          <a:p>
+            <a:pPr>
+              <a:buFont typeface="+mj-lt"/>
+              <a:buAutoNum type="arabicPeriod"/>
+            </a:pPr>
+            <a:r>
+              <a:rPr lang="fr-FR" dirty="0"/>
+              <a:t>Résultats</a:t>
+            </a:r>
+          </a:p>
+          <a:p>
+            <a:pPr lvl="1"/>
+            <a:r>
+              <a:rPr lang="fr-FR" dirty="0" err="1"/>
+              <a:t>Keypoints</a:t>
+            </a:r>
+            <a:endParaRPr lang="fr-FR" dirty="0"/>
+          </a:p>
+          <a:p>
+            <a:pPr lvl="1"/>
+            <a:r>
+              <a:rPr lang="fr-FR" dirty="0" err="1"/>
+              <a:t>Landmarks</a:t>
+            </a:r>
+            <a:endParaRPr lang="fr-FR" dirty="0"/>
+          </a:p>
+          <a:p>
+            <a:pPr lvl="1"/>
+            <a:r>
+              <a:rPr lang="fr-FR" dirty="0">
+                <a:solidFill>
+                  <a:schemeClr val="bg1"/>
+                </a:solidFill>
+              </a:rPr>
+              <a:t>Temps de calcul</a:t>
+            </a:r>
+          </a:p>
+          <a:p>
+            <a:endParaRPr lang="fr-FR" dirty="0"/>
+          </a:p>
+          <a:p>
+            <a:endParaRPr lang="fr-FR" dirty="0"/>
+          </a:p>
+          <a:p>
+            <a:endParaRPr lang="fr-FR" dirty="0"/>
           </a:p>
         </p:txBody>
       </p:sp>
@@ -10903,154 +12281,6 @@
 </p:sld>
 </file>
 
-<file path=ppt/slides/slide24.xml><?xml version="1.0" encoding="utf-8"?>
-<p:sld xmlns:a="http://schemas.openxmlformats.org/drawingml/2006/main" xmlns:r="http://schemas.openxmlformats.org/officeDocument/2006/relationships" xmlns:p="http://schemas.openxmlformats.org/presentationml/2006/main">
-  <p:cSld>
-    <p:spTree>
-      <p:nvGrpSpPr>
-        <p:cNvPr id="1" name=""/>
-        <p:cNvGrpSpPr/>
-        <p:nvPr/>
-      </p:nvGrpSpPr>
-      <p:grpSpPr>
-        <a:xfrm>
-          <a:off x="0" y="0"/>
-          <a:ext cx="0" cy="0"/>
-          <a:chOff x="0" y="0"/>
-          <a:chExt cx="0" cy="0"/>
-        </a:xfrm>
-      </p:grpSpPr>
-      <p:sp>
-        <p:nvSpPr>
-          <p:cNvPr id="2" name="Titre 1"/>
-          <p:cNvSpPr>
-            <a:spLocks noGrp="1"/>
-          </p:cNvSpPr>
-          <p:nvPr>
-            <p:ph type="title"/>
-          </p:nvPr>
-        </p:nvSpPr>
-        <p:spPr/>
-        <p:txBody>
-          <a:bodyPr/>
-          <a:lstStyle/>
-          <a:p>
-            <a:r>
-              <a:rPr lang="fr-FR" dirty="0" smtClean="0"/>
-              <a:t>Conclusion</a:t>
-            </a:r>
-            <a:endParaRPr lang="fr-FR" dirty="0"/>
-          </a:p>
-        </p:txBody>
-      </p:sp>
-      <p:sp>
-        <p:nvSpPr>
-          <p:cNvPr id="3" name="Espace réservé du contenu 2"/>
-          <p:cNvSpPr>
-            <a:spLocks noGrp="1"/>
-          </p:cNvSpPr>
-          <p:nvPr>
-            <p:ph idx="1"/>
-          </p:nvPr>
-        </p:nvSpPr>
-        <p:spPr/>
-        <p:txBody>
-          <a:bodyPr/>
-          <a:lstStyle/>
-          <a:p>
-            <a:endParaRPr lang="fr-FR" dirty="0"/>
-          </a:p>
-        </p:txBody>
-      </p:sp>
-      <p:sp>
-        <p:nvSpPr>
-          <p:cNvPr id="4" name="Espace réservé de la date 3"/>
-          <p:cNvSpPr>
-            <a:spLocks noGrp="1"/>
-          </p:cNvSpPr>
-          <p:nvPr>
-            <p:ph type="dt" sz="half" idx="10"/>
-          </p:nvPr>
-        </p:nvSpPr>
-        <p:spPr/>
-        <p:txBody>
-          <a:bodyPr/>
-          <a:lstStyle/>
-          <a:p>
-            <a:fld id="{7A820A8C-07D3-4B66-B122-F8194C1154B3}" type="datetime1">
-              <a:rPr lang="fr-FR" smtClean="0"/>
-              <a:t>24/02/2014</a:t>
-            </a:fld>
-            <a:endParaRPr lang="fr-FR"/>
-          </a:p>
-        </p:txBody>
-      </p:sp>
-      <p:sp>
-        <p:nvSpPr>
-          <p:cNvPr id="5" name="Espace réservé du pied de page 4"/>
-          <p:cNvSpPr>
-            <a:spLocks noGrp="1"/>
-          </p:cNvSpPr>
-          <p:nvPr>
-            <p:ph type="ftr" sz="quarter" idx="11"/>
-          </p:nvPr>
-        </p:nvSpPr>
-        <p:spPr/>
-        <p:txBody>
-          <a:bodyPr/>
-          <a:lstStyle/>
-          <a:p>
-            <a:r>
-              <a:rPr lang="fr-FR" smtClean="0"/>
-              <a:t>Guénon Marie | Favreau Jean-Dominique | Tanguy Arnaud</a:t>
-            </a:r>
-            <a:endParaRPr lang="fr-FR"/>
-          </a:p>
-        </p:txBody>
-      </p:sp>
-      <p:sp>
-        <p:nvSpPr>
-          <p:cNvPr id="6" name="Espace réservé du numéro de diapositive 5"/>
-          <p:cNvSpPr>
-            <a:spLocks noGrp="1"/>
-          </p:cNvSpPr>
-          <p:nvPr>
-            <p:ph type="sldNum" sz="quarter" idx="12"/>
-          </p:nvPr>
-        </p:nvSpPr>
-        <p:spPr/>
-        <p:txBody>
-          <a:bodyPr/>
-          <a:lstStyle/>
-          <a:p>
-            <a:fld id="{855D9AE6-DD0B-4169-9603-BADEDE1CFE1F}" type="slidenum">
-              <a:rPr lang="fr-FR" smtClean="0"/>
-              <a:t>24</a:t>
-            </a:fld>
-            <a:endParaRPr lang="fr-FR"/>
-          </a:p>
-        </p:txBody>
-      </p:sp>
-    </p:spTree>
-    <p:extLst>
-      <p:ext uri="{BB962C8B-B14F-4D97-AF65-F5344CB8AC3E}">
-        <p14:creationId xmlns:p14="http://schemas.microsoft.com/office/powerpoint/2010/main" val="3122915660"/>
-      </p:ext>
-    </p:extLst>
-  </p:cSld>
-  <p:clrMapOvr>
-    <a:masterClrMapping/>
-  </p:clrMapOvr>
-  <p:timing>
-    <p:tnLst>
-      <p:par>
-        <p:cTn id="1" dur="indefinite" restart="never" nodeType="tmRoot"/>
-      </p:par>
-    </p:tnLst>
-  </p:timing>
-</p:sld>
-</file>
-
 <file path=ppt/slides/slide25.xml><?xml version="1.0" encoding="utf-8"?>
 <p:sld xmlns:a="http://schemas.openxmlformats.org/drawingml/2006/main" xmlns:r="http://schemas.openxmlformats.org/officeDocument/2006/relationships" xmlns:p="http://schemas.openxmlformats.org/presentationml/2006/main">
   <p:cSld>
@@ -11085,7 +12315,7 @@
           <a:p>
             <a:r>
               <a:rPr lang="fr-FR" dirty="0" smtClean="0"/>
-              <a:t>Bibliographie</a:t>
+              <a:t>Conclusion</a:t>
             </a:r>
             <a:endParaRPr lang="fr-FR" dirty="0"/>
           </a:p>
@@ -11106,43 +12336,50 @@
           <a:bodyPr/>
           <a:lstStyle/>
           <a:p>
-            <a:r>
-              <a:rPr lang="en-US" b="1" dirty="0"/>
-              <a:t>A Machine-Learning Approach to </a:t>
-            </a:r>
-            <a:r>
-              <a:rPr lang="en-US" b="1" dirty="0" err="1"/>
-              <a:t>Keypoint</a:t>
-            </a:r>
-            <a:r>
-              <a:rPr lang="en-US" b="1" dirty="0"/>
-              <a:t>  Detection and </a:t>
-            </a:r>
-            <a:r>
-              <a:rPr lang="en-US" b="1" dirty="0" err="1"/>
-              <a:t>Landmarking</a:t>
-            </a:r>
-            <a:r>
-              <a:rPr lang="en-US" b="1" dirty="0"/>
-              <a:t> on 3D </a:t>
-            </a:r>
-            <a:r>
-              <a:rPr lang="en-US" b="1" dirty="0" smtClean="0"/>
-              <a:t>Meshes</a:t>
-            </a:r>
-            <a:r>
-              <a:rPr lang="en-US" dirty="0" smtClean="0"/>
-              <a:t>; Clement </a:t>
-            </a:r>
-            <a:r>
-              <a:rPr lang="en-US" dirty="0" err="1" smtClean="0"/>
-              <a:t>Creusot</a:t>
-            </a:r>
-            <a:r>
-              <a:rPr lang="en-US" dirty="0" smtClean="0"/>
-              <a:t>, Nick Pears, Jim Austin</a:t>
-            </a:r>
-            <a:endParaRPr lang="fr-FR" dirty="0"/>
+            <a:endParaRPr lang="fr-FR" dirty="0" smtClean="0"/>
+          </a:p>
+          <a:p>
+            <a:r>
+              <a:rPr lang="fr-FR" dirty="0" smtClean="0"/>
+              <a:t>Pas aussi précis sur des petits rayons</a:t>
+            </a:r>
+          </a:p>
+          <a:p>
+            <a:endParaRPr lang="fr-FR" dirty="0" smtClean="0"/>
+          </a:p>
+          <a:p>
+            <a:r>
+              <a:rPr lang="fr-FR" dirty="0" smtClean="0"/>
+              <a:t>Plus robuste aux occlusions et aux rotations</a:t>
+            </a:r>
+          </a:p>
+          <a:p>
+            <a:endParaRPr lang="fr-FR" dirty="0" smtClean="0"/>
+          </a:p>
+          <a:p>
+            <a:r>
+              <a:rPr lang="fr-FR" dirty="0" smtClean="0"/>
+              <a:t>Relativement rapide et facilement </a:t>
+            </a:r>
+            <a:r>
+              <a:rPr lang="fr-FR" dirty="0" err="1" smtClean="0"/>
+              <a:t>parallélisable</a:t>
+            </a:r>
+            <a:endParaRPr lang="fr-FR" dirty="0" smtClean="0"/>
+          </a:p>
+          <a:p>
+            <a:endParaRPr lang="fr-FR" dirty="0"/>
+          </a:p>
+          <a:p>
+            <a:r>
+              <a:rPr lang="fr-FR" dirty="0" smtClean="0"/>
+              <a:t>Algorithme généralisable à n’importe quel type </a:t>
+            </a:r>
+            <a:r>
+              <a:rPr lang="fr-FR" smtClean="0"/>
+              <a:t>de forme fixe</a:t>
+            </a:r>
+            <a:endParaRPr lang="fr-FR" dirty="0" smtClean="0"/>
           </a:p>
         </p:txBody>
       </p:sp>
@@ -11218,7 +12455,7 @@
     </p:spTree>
     <p:extLst>
       <p:ext uri="{BB962C8B-B14F-4D97-AF65-F5344CB8AC3E}">
-        <p14:creationId xmlns:p14="http://schemas.microsoft.com/office/powerpoint/2010/main" val="1728415753"/>
+        <p14:creationId xmlns:p14="http://schemas.microsoft.com/office/powerpoint/2010/main" val="3122915660"/>
       </p:ext>
     </p:extLst>
   </p:cSld>
@@ -11269,7 +12506,62 @@
           <a:p>
             <a:r>
               <a:rPr lang="fr-FR" dirty="0" smtClean="0"/>
-              <a:t>Merci de votre attention, avez-vous des questions ?</a:t>
+              <a:t>Bibliographie</a:t>
+            </a:r>
+            <a:endParaRPr lang="fr-FR" dirty="0"/>
+          </a:p>
+        </p:txBody>
+      </p:sp>
+      <p:sp>
+        <p:nvSpPr>
+          <p:cNvPr id="3" name="Espace réservé du contenu 2"/>
+          <p:cNvSpPr>
+            <a:spLocks noGrp="1"/>
+          </p:cNvSpPr>
+          <p:nvPr>
+            <p:ph idx="1"/>
+          </p:nvPr>
+        </p:nvSpPr>
+        <p:spPr/>
+        <p:txBody>
+          <a:bodyPr/>
+          <a:lstStyle/>
+          <a:p>
+            <a:r>
+              <a:rPr lang="en-US" b="1" dirty="0"/>
+              <a:t>A Machine-Learning Approach to </a:t>
+            </a:r>
+            <a:r>
+              <a:rPr lang="en-US" b="1" dirty="0" err="1"/>
+              <a:t>Keypoint</a:t>
+            </a:r>
+            <a:r>
+              <a:rPr lang="en-US" b="1" dirty="0"/>
+              <a:t>  Detection and </a:t>
+            </a:r>
+            <a:r>
+              <a:rPr lang="en-US" b="1" dirty="0" err="1"/>
+              <a:t>Landmarking</a:t>
+            </a:r>
+            <a:r>
+              <a:rPr lang="en-US" b="1" dirty="0"/>
+              <a:t> on 3D </a:t>
+            </a:r>
+            <a:r>
+              <a:rPr lang="en-US" b="1" dirty="0" smtClean="0"/>
+              <a:t>Meshes</a:t>
+            </a:r>
+            <a:r>
+              <a:rPr lang="en-US" dirty="0" smtClean="0"/>
+              <a:t>; Clement </a:t>
+            </a:r>
+            <a:r>
+              <a:rPr lang="en-US" dirty="0" err="1" smtClean="0"/>
+              <a:t>Creusot</a:t>
+            </a:r>
+            <a:r>
+              <a:rPr lang="en-US" dirty="0" smtClean="0"/>
+              <a:t>, Nick Pears, Jim Austin</a:t>
             </a:r>
             <a:endParaRPr lang="fr-FR" dirty="0"/>
           </a:p>
@@ -11339,6 +12631,135 @@
             <a:fld id="{855D9AE6-DD0B-4169-9603-BADEDE1CFE1F}" type="slidenum">
               <a:rPr lang="fr-FR" smtClean="0"/>
               <a:t>26</a:t>
+            </a:fld>
+            <a:endParaRPr lang="fr-FR"/>
+          </a:p>
+        </p:txBody>
+      </p:sp>
+    </p:spTree>
+    <p:extLst>
+      <p:ext uri="{BB962C8B-B14F-4D97-AF65-F5344CB8AC3E}">
+        <p14:creationId xmlns:p14="http://schemas.microsoft.com/office/powerpoint/2010/main" val="1728415753"/>
+      </p:ext>
+    </p:extLst>
+  </p:cSld>
+  <p:clrMapOvr>
+    <a:masterClrMapping/>
+  </p:clrMapOvr>
+  <p:timing>
+    <p:tnLst>
+      <p:par>
+        <p:cTn id="1" dur="indefinite" restart="never" nodeType="tmRoot"/>
+      </p:par>
+    </p:tnLst>
+  </p:timing>
+</p:sld>
+</file>
+
+<file path=ppt/slides/slide27.xml><?xml version="1.0" encoding="utf-8"?>
+<p:sld xmlns:a="http://schemas.openxmlformats.org/drawingml/2006/main" xmlns:r="http://schemas.openxmlformats.org/officeDocument/2006/relationships" xmlns:p="http://schemas.openxmlformats.org/presentationml/2006/main">
+  <p:cSld>
+    <p:spTree>
+      <p:nvGrpSpPr>
+        <p:cNvPr id="1" name=""/>
+        <p:cNvGrpSpPr/>
+        <p:nvPr/>
+      </p:nvGrpSpPr>
+      <p:grpSpPr>
+        <a:xfrm>
+          <a:off x="0" y="0"/>
+          <a:ext cx="0" cy="0"/>
+          <a:chOff x="0" y="0"/>
+          <a:chExt cx="0" cy="0"/>
+        </a:xfrm>
+      </p:grpSpPr>
+      <p:sp>
+        <p:nvSpPr>
+          <p:cNvPr id="2" name="Titre 1"/>
+          <p:cNvSpPr>
+            <a:spLocks noGrp="1"/>
+          </p:cNvSpPr>
+          <p:nvPr>
+            <p:ph type="title"/>
+          </p:nvPr>
+        </p:nvSpPr>
+        <p:spPr/>
+        <p:txBody>
+          <a:bodyPr/>
+          <a:lstStyle/>
+          <a:p>
+            <a:r>
+              <a:rPr lang="fr-FR" dirty="0" smtClean="0"/>
+              <a:t>Merci de votre attention, avez-vous des questions ?</a:t>
+            </a:r>
+            <a:endParaRPr lang="fr-FR" dirty="0"/>
+          </a:p>
+        </p:txBody>
+      </p:sp>
+      <p:sp>
+        <p:nvSpPr>
+          <p:cNvPr id="4" name="Espace réservé de la date 3"/>
+          <p:cNvSpPr>
+            <a:spLocks noGrp="1"/>
+          </p:cNvSpPr>
+          <p:nvPr>
+            <p:ph type="dt" sz="half" idx="10"/>
+          </p:nvPr>
+        </p:nvSpPr>
+        <p:spPr/>
+        <p:txBody>
+          <a:bodyPr/>
+          <a:lstStyle/>
+          <a:p>
+            <a:fld id="{7A820A8C-07D3-4B66-B122-F8194C1154B3}" type="datetime1">
+              <a:rPr lang="fr-FR" smtClean="0"/>
+              <a:t>24/02/2014</a:t>
+            </a:fld>
+            <a:endParaRPr lang="fr-FR"/>
+          </a:p>
+        </p:txBody>
+      </p:sp>
+      <p:sp>
+        <p:nvSpPr>
+          <p:cNvPr id="5" name="Espace réservé du pied de page 4"/>
+          <p:cNvSpPr>
+            <a:spLocks noGrp="1"/>
+          </p:cNvSpPr>
+          <p:nvPr>
+            <p:ph type="ftr" sz="quarter" idx="11"/>
+          </p:nvPr>
+        </p:nvSpPr>
+        <p:spPr/>
+        <p:txBody>
+          <a:bodyPr/>
+          <a:lstStyle/>
+          <a:p>
+            <a:r>
+              <a:rPr lang="fr-FR" smtClean="0"/>
+              <a:t>Guénon Marie | Favreau Jean-Dominique | Tanguy Arnaud</a:t>
+            </a:r>
+            <a:endParaRPr lang="fr-FR"/>
+          </a:p>
+        </p:txBody>
+      </p:sp>
+      <p:sp>
+        <p:nvSpPr>
+          <p:cNvPr id="6" name="Espace réservé du numéro de diapositive 5"/>
+          <p:cNvSpPr>
+            <a:spLocks noGrp="1"/>
+          </p:cNvSpPr>
+          <p:nvPr>
+            <p:ph type="sldNum" sz="quarter" idx="12"/>
+          </p:nvPr>
+        </p:nvSpPr>
+        <p:spPr/>
+        <p:txBody>
+          <a:bodyPr/>
+          <a:lstStyle/>
+          <a:p>
+            <a:fld id="{855D9AE6-DD0B-4169-9603-BADEDE1CFE1F}" type="slidenum">
+              <a:rPr lang="fr-FR" smtClean="0"/>
+              <a:t>27</a:t>
             </a:fld>
             <a:endParaRPr lang="fr-FR"/>
           </a:p>
@@ -11785,7 +13206,66 @@
           <a:bodyPr/>
           <a:lstStyle/>
           <a:p>
-            <a:endParaRPr lang="fr-FR"/>
+            <a:pPr>
+              <a:buClr>
+                <a:schemeClr val="bg1"/>
+              </a:buClr>
+              <a:buFont typeface="+mj-lt"/>
+              <a:buAutoNum type="arabicPeriod"/>
+            </a:pPr>
+            <a:r>
+              <a:rPr lang="fr-FR" b="1" dirty="0">
+                <a:solidFill>
+                  <a:schemeClr val="bg1"/>
+                </a:solidFill>
+              </a:rPr>
+              <a:t>Principe général</a:t>
+            </a:r>
+          </a:p>
+          <a:p>
+            <a:pPr lvl="1"/>
+            <a:r>
+              <a:rPr lang="fr-FR" dirty="0"/>
+              <a:t>État de l’art</a:t>
+            </a:r>
+          </a:p>
+          <a:p>
+            <a:pPr lvl="1"/>
+            <a:r>
+              <a:rPr lang="fr-FR" dirty="0"/>
+              <a:t>L’algorithme</a:t>
+            </a:r>
+          </a:p>
+          <a:p>
+            <a:pPr>
+              <a:buFont typeface="+mj-lt"/>
+              <a:buAutoNum type="arabicPeriod"/>
+            </a:pPr>
+            <a:r>
+              <a:rPr lang="fr-FR" dirty="0"/>
+              <a:t>Détails </a:t>
+            </a:r>
+            <a:r>
+              <a:rPr lang="fr-FR" dirty="0" smtClean="0"/>
+              <a:t>techniques</a:t>
+            </a:r>
+          </a:p>
+          <a:p>
+            <a:pPr>
+              <a:buFont typeface="+mj-lt"/>
+              <a:buAutoNum type="arabicPeriod"/>
+            </a:pPr>
+            <a:r>
+              <a:rPr lang="fr-FR" dirty="0" smtClean="0"/>
+              <a:t>Résultats</a:t>
+            </a:r>
+            <a:endParaRPr lang="fr-FR" dirty="0"/>
+          </a:p>
+          <a:p>
+            <a:pPr marL="0" indent="0">
+              <a:buNone/>
+            </a:pPr>
+            <a:endParaRPr lang="fr-FR" dirty="0"/>
           </a:p>
         </p:txBody>
       </p:sp>
@@ -11997,6 +13477,63 @@
           <a:bodyPr/>
           <a:lstStyle/>
           <a:p>
+            <a:pPr>
+              <a:buClr>
+                <a:schemeClr val="bg1"/>
+              </a:buClr>
+              <a:buFont typeface="+mj-lt"/>
+              <a:buAutoNum type="arabicPeriod"/>
+            </a:pPr>
+            <a:r>
+              <a:rPr lang="fr-FR" dirty="0"/>
+              <a:t>Principe général</a:t>
+            </a:r>
+          </a:p>
+          <a:p>
+            <a:pPr lvl="1"/>
+            <a:r>
+              <a:rPr lang="fr-FR" b="1" dirty="0">
+                <a:solidFill>
+                  <a:schemeClr val="bg1"/>
+                </a:solidFill>
+              </a:rPr>
+              <a:t>État de l’art</a:t>
+            </a:r>
+          </a:p>
+          <a:p>
+            <a:pPr lvl="1"/>
+            <a:r>
+              <a:rPr lang="fr-FR" dirty="0"/>
+              <a:t>L’algorithme</a:t>
+            </a:r>
+          </a:p>
+          <a:p>
+            <a:pPr>
+              <a:buFont typeface="+mj-lt"/>
+              <a:buAutoNum type="arabicPeriod"/>
+            </a:pPr>
+            <a:r>
+              <a:rPr lang="fr-FR" dirty="0"/>
+              <a:t>Détails techniques</a:t>
+            </a:r>
+          </a:p>
+          <a:p>
+            <a:pPr>
+              <a:buFont typeface="+mj-lt"/>
+              <a:buAutoNum type="arabicPeriod"/>
+            </a:pPr>
+            <a:r>
+              <a:rPr lang="fr-FR" dirty="0"/>
+              <a:t>Résultats</a:t>
+            </a:r>
+          </a:p>
+          <a:p>
+            <a:pPr marL="0" indent="0">
+              <a:buNone/>
+            </a:pPr>
+            <a:endParaRPr lang="fr-FR" dirty="0"/>
+          </a:p>
+          <a:p>
             <a:endParaRPr lang="fr-FR" dirty="0"/>
           </a:p>
         </p:txBody>
@@ -12192,7 +13729,67 @@
           <a:bodyPr/>
           <a:lstStyle/>
           <a:p>
-            <a:endParaRPr lang="fr-FR"/>
+            <a:pPr>
+              <a:buClr>
+                <a:schemeClr val="bg1"/>
+              </a:buClr>
+              <a:buFont typeface="+mj-lt"/>
+              <a:buAutoNum type="arabicPeriod"/>
+            </a:pPr>
+            <a:r>
+              <a:rPr lang="fr-FR" dirty="0"/>
+              <a:t>Principe général</a:t>
+            </a:r>
+          </a:p>
+          <a:p>
+            <a:pPr lvl="1"/>
+            <a:r>
+              <a:rPr lang="fr-FR" dirty="0"/>
+              <a:t>État de l’art</a:t>
+            </a:r>
+          </a:p>
+          <a:p>
+            <a:pPr lvl="1"/>
+            <a:r>
+              <a:rPr lang="fr-FR" dirty="0">
+                <a:solidFill>
+                  <a:schemeClr val="bg1"/>
+                </a:solidFill>
+              </a:rPr>
+              <a:t>L’algorithme</a:t>
+            </a:r>
+          </a:p>
+          <a:p>
+            <a:pPr>
+              <a:buFont typeface="+mj-lt"/>
+              <a:buAutoNum type="arabicPeriod"/>
+            </a:pPr>
+            <a:r>
+              <a:rPr lang="fr-FR" dirty="0"/>
+              <a:t>Détails techniques</a:t>
+            </a:r>
+          </a:p>
+          <a:p>
+            <a:pPr>
+              <a:buFont typeface="+mj-lt"/>
+              <a:buAutoNum type="arabicPeriod"/>
+            </a:pPr>
+            <a:r>
+              <a:rPr lang="fr-FR" dirty="0"/>
+              <a:t>Résultats</a:t>
+            </a:r>
+          </a:p>
+          <a:p>
+            <a:pPr marL="0" indent="0">
+              <a:buNone/>
+            </a:pPr>
+            <a:endParaRPr lang="fr-FR" dirty="0"/>
+          </a:p>
+          <a:p>
+            <a:endParaRPr lang="fr-FR" dirty="0"/>
+          </a:p>
+          <a:p>
+            <a:endParaRPr lang="fr-FR" dirty="0"/>
           </a:p>
         </p:txBody>
       </p:sp>
@@ -12342,7 +13939,70 @@
           <a:bodyPr/>
           <a:lstStyle/>
           <a:p>
-            <a:endParaRPr lang="fr-FR"/>
+            <a:pPr>
+              <a:buClr>
+                <a:schemeClr val="bg1"/>
+              </a:buClr>
+              <a:buFont typeface="+mj-lt"/>
+              <a:buAutoNum type="arabicPeriod"/>
+            </a:pPr>
+            <a:r>
+              <a:rPr lang="fr-FR" dirty="0"/>
+              <a:t>Principe général</a:t>
+            </a:r>
+          </a:p>
+          <a:p>
+            <a:pPr lvl="1"/>
+            <a:r>
+              <a:rPr lang="fr-FR" dirty="0"/>
+              <a:t>État de l’art</a:t>
+            </a:r>
+          </a:p>
+          <a:p>
+            <a:pPr lvl="1"/>
+            <a:r>
+              <a:rPr lang="fr-FR" dirty="0">
+                <a:solidFill>
+                  <a:schemeClr val="bg1"/>
+                </a:solidFill>
+              </a:rPr>
+              <a:t>L’algorithme</a:t>
+            </a:r>
+          </a:p>
+          <a:p>
+            <a:pPr>
+              <a:buFont typeface="+mj-lt"/>
+              <a:buAutoNum type="arabicPeriod"/>
+            </a:pPr>
+            <a:r>
+              <a:rPr lang="fr-FR" dirty="0"/>
+              <a:t>Détails techniques</a:t>
+            </a:r>
+          </a:p>
+          <a:p>
+            <a:pPr>
+              <a:buFont typeface="+mj-lt"/>
+              <a:buAutoNum type="arabicPeriod"/>
+            </a:pPr>
+            <a:r>
+              <a:rPr lang="fr-FR" dirty="0"/>
+              <a:t>Résultats</a:t>
+            </a:r>
+          </a:p>
+          <a:p>
+            <a:pPr marL="0" indent="0">
+              <a:buNone/>
+            </a:pPr>
+            <a:endParaRPr lang="fr-FR" dirty="0"/>
+          </a:p>
+          <a:p>
+            <a:endParaRPr lang="fr-FR" dirty="0"/>
+          </a:p>
+          <a:p>
+            <a:endParaRPr lang="fr-FR" dirty="0"/>
+          </a:p>
+          <a:p>
+            <a:endParaRPr lang="fr-FR" dirty="0"/>
           </a:p>
         </p:txBody>
       </p:sp>
@@ -12613,7 +14273,70 @@
           <a:bodyPr/>
           <a:lstStyle/>
           <a:p>
-            <a:endParaRPr lang="fr-FR"/>
+            <a:pPr>
+              <a:buClr>
+                <a:schemeClr val="bg1"/>
+              </a:buClr>
+              <a:buFont typeface="+mj-lt"/>
+              <a:buAutoNum type="arabicPeriod"/>
+            </a:pPr>
+            <a:r>
+              <a:rPr lang="fr-FR" dirty="0"/>
+              <a:t>Principe général</a:t>
+            </a:r>
+          </a:p>
+          <a:p>
+            <a:pPr>
+              <a:buClr>
+                <a:schemeClr val="bg1"/>
+              </a:buClr>
+              <a:buFont typeface="+mj-lt"/>
+              <a:buAutoNum type="arabicPeriod"/>
+            </a:pPr>
+            <a:r>
+              <a:rPr lang="fr-FR" dirty="0"/>
+              <a:t>Détails techniques</a:t>
+            </a:r>
+          </a:p>
+          <a:p>
+            <a:pPr lvl="1"/>
+            <a:r>
+              <a:rPr lang="fr-FR" dirty="0" err="1">
+                <a:solidFill>
+                  <a:schemeClr val="bg1"/>
+                </a:solidFill>
+              </a:rPr>
+              <a:t>Keypoints</a:t>
+            </a:r>
+            <a:endParaRPr lang="fr-FR" dirty="0">
+              <a:solidFill>
+                <a:schemeClr val="bg1"/>
+              </a:solidFill>
+            </a:endParaRPr>
+          </a:p>
+          <a:p>
+            <a:pPr lvl="1"/>
+            <a:r>
+              <a:rPr lang="fr-FR" dirty="0" err="1"/>
+              <a:t>Landmarks</a:t>
+            </a:r>
+            <a:endParaRPr lang="fr-FR" dirty="0"/>
+          </a:p>
+          <a:p>
+            <a:pPr>
+              <a:buFont typeface="+mj-lt"/>
+              <a:buAutoNum type="arabicPeriod"/>
+            </a:pPr>
+            <a:r>
+              <a:rPr lang="fr-FR" dirty="0"/>
+              <a:t>Résultats</a:t>
+            </a:r>
+          </a:p>
+          <a:p>
+            <a:endParaRPr lang="fr-FR" dirty="0"/>
+          </a:p>
+          <a:p>
+            <a:endParaRPr lang="fr-FR" dirty="0"/>
           </a:p>
         </p:txBody>
       </p:sp>
@@ -12809,7 +14532,73 @@
           <a:bodyPr/>
           <a:lstStyle/>
           <a:p>
-            <a:endParaRPr lang="fr-FR"/>
+            <a:pPr>
+              <a:buClr>
+                <a:schemeClr val="bg1"/>
+              </a:buClr>
+              <a:buFont typeface="+mj-lt"/>
+              <a:buAutoNum type="arabicPeriod"/>
+            </a:pPr>
+            <a:r>
+              <a:rPr lang="fr-FR" dirty="0"/>
+              <a:t>Principe général</a:t>
+            </a:r>
+          </a:p>
+          <a:p>
+            <a:pPr>
+              <a:buClr>
+                <a:schemeClr val="bg1"/>
+              </a:buClr>
+              <a:buFont typeface="+mj-lt"/>
+              <a:buAutoNum type="arabicPeriod"/>
+            </a:pPr>
+            <a:r>
+              <a:rPr lang="fr-FR" dirty="0"/>
+              <a:t>Détails techniques</a:t>
+            </a:r>
+          </a:p>
+          <a:p>
+            <a:pPr lvl="1"/>
+            <a:r>
+              <a:rPr lang="fr-FR" dirty="0" err="1">
+                <a:solidFill>
+                  <a:schemeClr val="bg1"/>
+                </a:solidFill>
+              </a:rPr>
+              <a:t>Keypoints</a:t>
+            </a:r>
+            <a:endParaRPr lang="fr-FR" dirty="0">
+              <a:solidFill>
+                <a:schemeClr val="bg1"/>
+              </a:solidFill>
+            </a:endParaRPr>
+          </a:p>
+          <a:p>
+            <a:pPr lvl="1"/>
+            <a:r>
+              <a:rPr lang="fr-FR" dirty="0" err="1"/>
+              <a:t>Landmarks</a:t>
+            </a:r>
+            <a:endParaRPr lang="fr-FR" dirty="0"/>
+          </a:p>
+          <a:p>
+            <a:pPr>
+              <a:buFont typeface="+mj-lt"/>
+              <a:buAutoNum type="arabicPeriod"/>
+            </a:pPr>
+            <a:r>
+              <a:rPr lang="fr-FR" dirty="0"/>
+              <a:t>Résultats</a:t>
+            </a:r>
+          </a:p>
+          <a:p>
+            <a:endParaRPr lang="fr-FR" dirty="0"/>
+          </a:p>
+          <a:p>
+            <a:endParaRPr lang="fr-FR" dirty="0"/>
+          </a:p>
+          <a:p>
+            <a:endParaRPr lang="fr-FR" dirty="0"/>
           </a:p>
         </p:txBody>
       </p:sp>

--- a/article.pptx
+++ b/article.pptx
@@ -136,6 +136,14 @@
       </a:defRPr>
     </a:lvl9pPr>
   </p:defaultTextStyle>
+  <p:extLst>
+    <p:ext uri="{EFAFB233-063F-42B5-8137-9DF3F51BA10A}">
+      <p15:sldGuideLst xmlns:p15="http://schemas.microsoft.com/office/powerpoint/2012/main"/>
+    </p:ext>
+    <p:ext uri="{2D200454-40CA-4A62-9FC3-DE9A4176ACB9}">
+      <p15:notesGuideLst xmlns:p15="http://schemas.microsoft.com/office/powerpoint/2012/main"/>
+    </p:ext>
+  </p:extLst>
 </p:presentation>
 </file>
 
@@ -1371,7 +1379,6 @@
               <a:rPr lang="fr-FR" dirty="0" smtClean="0"/>
               <a:t>Multi :</a:t>
             </a:r>
-            <a:endParaRPr lang="fr-FR" dirty="0" smtClean="0"/>
           </a:p>
           <a:p>
             <a:pPr marL="628650" lvl="1" indent="-171450">
@@ -1418,7 +1425,6 @@
               <a:rPr lang="fr-FR" baseline="0" dirty="0" smtClean="0"/>
               <a:t>Single :</a:t>
             </a:r>
-            <a:endParaRPr lang="fr-FR" baseline="0" dirty="0" smtClean="0"/>
           </a:p>
           <a:p>
             <a:pPr marL="628650" lvl="1" indent="-171450">
@@ -10866,6 +10872,42 @@
           <a:bodyPr/>
           <a:lstStyle/>
           <a:p>
+            <a:r>
+              <a:rPr lang="fr-FR" dirty="0"/>
+              <a:t>Extraction de </a:t>
+            </a:r>
+            <a:r>
+              <a:rPr lang="fr-FR" dirty="0" err="1"/>
+              <a:t>keypoints</a:t>
+            </a:r>
+            <a:r>
+              <a:rPr lang="fr-FR" dirty="0"/>
+              <a:t> sur </a:t>
+            </a:r>
+            <a:r>
+              <a:rPr lang="fr-FR" dirty="0" err="1"/>
+              <a:t>mesh</a:t>
+            </a:r>
+            <a:r>
+              <a:rPr lang="fr-FR" dirty="0"/>
+              <a:t> 3D</a:t>
+            </a:r>
+          </a:p>
+          <a:p>
+            <a:endParaRPr lang="fr-FR" dirty="0"/>
+          </a:p>
+          <a:p>
+            <a:r>
+              <a:rPr lang="fr-FR" dirty="0"/>
+              <a:t>Application au </a:t>
+            </a:r>
+            <a:r>
+              <a:rPr lang="fr-FR" dirty="0" err="1"/>
+              <a:t>landmarking</a:t>
+            </a:r>
+            <a:endParaRPr lang="fr-FR" dirty="0"/>
+          </a:p>
+          <a:p>
             <a:endParaRPr lang="fr-FR" dirty="0"/>
           </a:p>
         </p:txBody>
@@ -12563,7 +12605,15 @@
               <a:rPr lang="en-US" dirty="0" smtClean="0"/>
               <a:t>, Nick Pears, Jim Austin</a:t>
             </a:r>
-            <a:endParaRPr lang="fr-FR" dirty="0"/>
+          </a:p>
+          <a:p>
+            <a:endParaRPr lang="en-US" dirty="0"/>
+          </a:p>
+          <a:p>
+            <a:r>
+              <a:rPr lang="fr-FR" dirty="0"/>
+              <a:t>http://docs.opencv.org/trunk/doc/py_tutorials/py_objdetect/py_face_detection/py_face_detection.html</a:t>
+            </a:r>
           </a:p>
         </p:txBody>
       </p:sp>
